--- a/TeleChurnPresentation.pptx
+++ b/TeleChurnPresentation.pptx
@@ -127,11 +127,13 @@
 <p1510:revInfo xmlns:a="http://schemas.openxmlformats.org/drawingml/2006/main" xmlns:r="http://schemas.openxmlformats.org/officeDocument/2006/relationships" xmlns:p1510="http://schemas.microsoft.com/office/powerpoint/2015/10/main">
   <p1510:revLst>
     <p1510:client id="{2AC6150D-3497-4511-F973-4E8DD78BBE8F}" v="12" dt="2020-09-09T00:38:57.869"/>
+    <p1510:client id="{3EFF61C3-9590-467C-8090-1B9579DD40F9}" v="8" dt="2020-09-20T20:50:59.847"/>
     <p1510:client id="{7711BE81-A660-4975-3851-A236EB44504B}" v="3023" dt="2020-09-09T18:05:15.760"/>
     <p1510:client id="{9681C683-C3CE-4016-B36B-6B68581E1CA7}" v="32" dt="2020-09-18T03:39:30.115"/>
     <p1510:client id="{ACE5A2A3-C892-4DBB-54BD-4FC62C1D281E}" v="434" dt="2020-09-09T01:14:12.112"/>
     <p1510:client id="{B4EC843C-D245-4CCB-CB60-9349D79B125C}" v="13" dt="2020-09-09T00:47:14.440"/>
     <p1510:client id="{D089B148-ED39-4FDC-CCF1-9295A8175118}" v="24" dt="2020-09-03T02:36:10.594"/>
+    <p1510:client id="{DB69EEFE-7F73-4B29-BEDE-C20DF9C48356}" v="489" dt="2020-09-22T18:32:35.313"/>
     <p1510:client id="{F2340BC3-5B61-4FAF-3113-B93EBBB34E29}" v="973" dt="2020-09-09T18:40:12.875"/>
     <p1510:client id="{FE9F96C4-2B95-4335-86AC-08308FD29FFC}" v="67" dt="2020-09-04T00:38:47.948"/>
   </p1510:revLst>
@@ -9641,6 +9643,318 @@
       <dsp:cNvGrpSpPr/>
     </dsp:nvGrpSpPr>
     <dsp:grpSpPr/>
+    <dsp:sp modelId="{19E47A7F-EC34-453C-A8D0-5DC9DA70E873}">
+      <dsp:nvSpPr>
+        <dsp:cNvPr id="0" name=""/>
+        <dsp:cNvSpPr/>
+      </dsp:nvSpPr>
+      <dsp:spPr>
+        <a:xfrm>
+          <a:off x="41" y="19612"/>
+          <a:ext cx="4016928" cy="1008000"/>
+        </a:xfrm>
+        <a:prstGeom prst="rect">
+          <a:avLst/>
+        </a:prstGeom>
+        <a:solidFill>
+          <a:schemeClr val="accent2">
+            <a:hueOff val="0"/>
+            <a:satOff val="0"/>
+            <a:lumOff val="0"/>
+            <a:alphaOff val="0"/>
+          </a:schemeClr>
+        </a:solidFill>
+        <a:ln w="19050" cap="rnd" cmpd="sng" algn="ctr">
+          <a:solidFill>
+            <a:schemeClr val="accent2">
+              <a:hueOff val="0"/>
+              <a:satOff val="0"/>
+              <a:lumOff val="0"/>
+              <a:alphaOff val="0"/>
+            </a:schemeClr>
+          </a:solidFill>
+          <a:prstDash val="solid"/>
+        </a:ln>
+        <a:effectLst/>
+      </dsp:spPr>
+      <dsp:style>
+        <a:lnRef idx="2">
+          <a:scrgbClr r="0" g="0" b="0"/>
+        </a:lnRef>
+        <a:fillRef idx="1">
+          <a:scrgbClr r="0" g="0" b="0"/>
+        </a:fillRef>
+        <a:effectRef idx="0">
+          <a:scrgbClr r="0" g="0" b="0"/>
+        </a:effectRef>
+        <a:fontRef idx="minor">
+          <a:schemeClr val="lt1"/>
+        </a:fontRef>
+      </dsp:style>
+      <dsp:txBody>
+        <a:bodyPr spcFirstLastPara="0" vert="horz" wrap="square" lIns="248920" tIns="142240" rIns="248920" bIns="142240" numCol="1" spcCol="1270" anchor="ctr" anchorCtr="0">
+          <a:noAutofit/>
+        </a:bodyPr>
+        <a:lstStyle/>
+        <a:p>
+          <a:pPr lvl="0" algn="ctr" defTabSz="1555750">
+            <a:lnSpc>
+              <a:spcPct val="90000"/>
+            </a:lnSpc>
+            <a:spcBef>
+              <a:spcPct val="0"/>
+            </a:spcBef>
+            <a:spcAft>
+              <a:spcPct val="35000"/>
+            </a:spcAft>
+          </a:pPr>
+          <a:r>
+            <a:rPr lang="en-US" sz="3500" kern="1200"/>
+            <a:t>Threshold</a:t>
+          </a:r>
+        </a:p>
+      </dsp:txBody>
+      <dsp:txXfrm>
+        <a:off x="41" y="19612"/>
+        <a:ext cx="4016928" cy="1008000"/>
+      </dsp:txXfrm>
+    </dsp:sp>
+    <dsp:sp modelId="{1463DC93-9BB2-46AC-A417-83D6A886D97A}">
+      <dsp:nvSpPr>
+        <dsp:cNvPr id="0" name=""/>
+        <dsp:cNvSpPr/>
+      </dsp:nvSpPr>
+      <dsp:spPr>
+        <a:xfrm>
+          <a:off x="41" y="1027612"/>
+          <a:ext cx="4016928" cy="2834212"/>
+        </a:xfrm>
+        <a:prstGeom prst="rect">
+          <a:avLst/>
+        </a:prstGeom>
+        <a:solidFill>
+          <a:schemeClr val="accent2">
+            <a:tint val="40000"/>
+            <a:alpha val="90000"/>
+            <a:hueOff val="0"/>
+            <a:satOff val="0"/>
+            <a:lumOff val="0"/>
+            <a:alphaOff val="0"/>
+          </a:schemeClr>
+        </a:solidFill>
+        <a:ln w="19050" cap="rnd" cmpd="sng" algn="ctr">
+          <a:solidFill>
+            <a:schemeClr val="accent2">
+              <a:tint val="40000"/>
+              <a:alpha val="90000"/>
+              <a:hueOff val="0"/>
+              <a:satOff val="0"/>
+              <a:lumOff val="0"/>
+              <a:alphaOff val="0"/>
+            </a:schemeClr>
+          </a:solidFill>
+          <a:prstDash val="solid"/>
+        </a:ln>
+        <a:effectLst/>
+      </dsp:spPr>
+      <dsp:style>
+        <a:lnRef idx="2">
+          <a:scrgbClr r="0" g="0" b="0"/>
+        </a:lnRef>
+        <a:fillRef idx="1">
+          <a:scrgbClr r="0" g="0" b="0"/>
+        </a:fillRef>
+        <a:effectRef idx="0">
+          <a:scrgbClr r="0" g="0" b="0"/>
+        </a:effectRef>
+        <a:fontRef idx="minor"/>
+      </dsp:style>
+      <dsp:txBody>
+        <a:bodyPr spcFirstLastPara="0" vert="horz" wrap="square" lIns="186690" tIns="186690" rIns="248920" bIns="280035" numCol="1" spcCol="1270" anchor="t" anchorCtr="0">
+          <a:noAutofit/>
+        </a:bodyPr>
+        <a:lstStyle/>
+        <a:p>
+          <a:pPr marL="285750" lvl="1" indent="-285750" algn="l" defTabSz="1555750">
+            <a:lnSpc>
+              <a:spcPct val="90000"/>
+            </a:lnSpc>
+            <a:spcBef>
+              <a:spcPct val="0"/>
+            </a:spcBef>
+            <a:spcAft>
+              <a:spcPct val="15000"/>
+            </a:spcAft>
+            <a:buChar char="••"/>
+          </a:pPr>
+          <a:r>
+            <a:rPr lang="en-US" sz="3500" kern="1200"/>
+            <a:t>Four</a:t>
+          </a:r>
+        </a:p>
+      </dsp:txBody>
+      <dsp:txXfrm>
+        <a:off x="41" y="1027612"/>
+        <a:ext cx="4016928" cy="2834212"/>
+      </dsp:txXfrm>
+    </dsp:sp>
+    <dsp:sp modelId="{3B99550D-EC92-4C9F-B3D9-9B8A47326E0D}">
+      <dsp:nvSpPr>
+        <dsp:cNvPr id="0" name=""/>
+        <dsp:cNvSpPr/>
+      </dsp:nvSpPr>
+      <dsp:spPr>
+        <a:xfrm>
+          <a:off x="4579341" y="19612"/>
+          <a:ext cx="4016928" cy="1008000"/>
+        </a:xfrm>
+        <a:prstGeom prst="rect">
+          <a:avLst/>
+        </a:prstGeom>
+        <a:solidFill>
+          <a:schemeClr val="accent3">
+            <a:hueOff val="0"/>
+            <a:satOff val="0"/>
+            <a:lumOff val="0"/>
+            <a:alphaOff val="0"/>
+          </a:schemeClr>
+        </a:solidFill>
+        <a:ln w="19050" cap="rnd" cmpd="sng" algn="ctr">
+          <a:solidFill>
+            <a:schemeClr val="accent3">
+              <a:hueOff val="0"/>
+              <a:satOff val="0"/>
+              <a:lumOff val="0"/>
+              <a:alphaOff val="0"/>
+            </a:schemeClr>
+          </a:solidFill>
+          <a:prstDash val="solid"/>
+        </a:ln>
+        <a:effectLst/>
+      </dsp:spPr>
+      <dsp:style>
+        <a:lnRef idx="2">
+          <a:scrgbClr r="0" g="0" b="0"/>
+        </a:lnRef>
+        <a:fillRef idx="1">
+          <a:scrgbClr r="0" g="0" b="0"/>
+        </a:fillRef>
+        <a:effectRef idx="0">
+          <a:scrgbClr r="0" g="0" b="0"/>
+        </a:effectRef>
+        <a:fontRef idx="minor">
+          <a:schemeClr val="lt1"/>
+        </a:fontRef>
+      </dsp:style>
+      <dsp:txBody>
+        <a:bodyPr spcFirstLastPara="0" vert="horz" wrap="square" lIns="248920" tIns="142240" rIns="248920" bIns="142240" numCol="1" spcCol="1270" anchor="ctr" anchorCtr="0">
+          <a:noAutofit/>
+        </a:bodyPr>
+        <a:lstStyle/>
+        <a:p>
+          <a:pPr lvl="0" algn="ctr" defTabSz="1555750">
+            <a:lnSpc>
+              <a:spcPct val="90000"/>
+            </a:lnSpc>
+            <a:spcBef>
+              <a:spcPct val="0"/>
+            </a:spcBef>
+            <a:spcAft>
+              <a:spcPct val="35000"/>
+            </a:spcAft>
+          </a:pPr>
+          <a:r>
+            <a:rPr lang="en-US" sz="3500" kern="1200"/>
+            <a:t>Not Correlated</a:t>
+          </a:r>
+        </a:p>
+      </dsp:txBody>
+      <dsp:txXfrm>
+        <a:off x="4579341" y="19612"/>
+        <a:ext cx="4016928" cy="1008000"/>
+      </dsp:txXfrm>
+    </dsp:sp>
+    <dsp:sp modelId="{0849317B-9529-46A5-88ED-4F3BFAAF550B}">
+      <dsp:nvSpPr>
+        <dsp:cNvPr id="0" name=""/>
+        <dsp:cNvSpPr/>
+      </dsp:nvSpPr>
+      <dsp:spPr>
+        <a:xfrm>
+          <a:off x="4579341" y="1027612"/>
+          <a:ext cx="4016928" cy="2834212"/>
+        </a:xfrm>
+        <a:prstGeom prst="rect">
+          <a:avLst/>
+        </a:prstGeom>
+        <a:solidFill>
+          <a:schemeClr val="accent3">
+            <a:tint val="40000"/>
+            <a:alpha val="90000"/>
+            <a:hueOff val="0"/>
+            <a:satOff val="0"/>
+            <a:lumOff val="0"/>
+            <a:alphaOff val="0"/>
+          </a:schemeClr>
+        </a:solidFill>
+        <a:ln w="19050" cap="rnd" cmpd="sng" algn="ctr">
+          <a:solidFill>
+            <a:schemeClr val="accent3">
+              <a:tint val="40000"/>
+              <a:alpha val="90000"/>
+              <a:hueOff val="0"/>
+              <a:satOff val="0"/>
+              <a:lumOff val="0"/>
+              <a:alphaOff val="0"/>
+            </a:schemeClr>
+          </a:solidFill>
+          <a:prstDash val="solid"/>
+        </a:ln>
+        <a:effectLst/>
+      </dsp:spPr>
+      <dsp:style>
+        <a:lnRef idx="2">
+          <a:scrgbClr r="0" g="0" b="0"/>
+        </a:lnRef>
+        <a:fillRef idx="1">
+          <a:scrgbClr r="0" g="0" b="0"/>
+        </a:fillRef>
+        <a:effectRef idx="0">
+          <a:scrgbClr r="0" g="0" b="0"/>
+        </a:effectRef>
+        <a:fontRef idx="minor"/>
+      </dsp:style>
+      <dsp:txBody>
+        <a:bodyPr spcFirstLastPara="0" vert="horz" wrap="square" lIns="186690" tIns="186690" rIns="248920" bIns="280035" numCol="1" spcCol="1270" anchor="t" anchorCtr="0">
+          <a:noAutofit/>
+        </a:bodyPr>
+        <a:lstStyle/>
+        <a:p>
+          <a:pPr marL="285750" lvl="1" indent="-285750" algn="l" defTabSz="1555750" rtl="0">
+            <a:lnSpc>
+              <a:spcPct val="90000"/>
+            </a:lnSpc>
+            <a:spcBef>
+              <a:spcPct val="0"/>
+            </a:spcBef>
+            <a:spcAft>
+              <a:spcPct val="15000"/>
+            </a:spcAft>
+            <a:buChar char="••"/>
+          </a:pPr>
+          <a:r>
+            <a:rPr lang="en-US" sz="3500" kern="1200" dirty="0">
+              <a:latin typeface="Trebuchet MS" panose="020B0603020202020204"/>
+            </a:rPr>
+            <a:t>Features uncorrelated with number of customer service calls</a:t>
+          </a:r>
+        </a:p>
+      </dsp:txBody>
+      <dsp:txXfrm>
+        <a:off x="4579341" y="1027612"/>
+        <a:ext cx="4016928" cy="2834212"/>
+      </dsp:txXfrm>
+    </dsp:sp>
   </dsp:spTree>
 </dsp:drawing>
 </file>
@@ -12575,7 +12889,7 @@
           <a:p>
             <a:fld id="{1E573A54-F9D1-4F7F-9882-8D4770F49A95}" type="datetimeFigureOut">
               <a:rPr lang="en-US"/>
-              <a:t>9/17/2020</a:t>
+              <a:t>9/22/2020</a:t>
             </a:fld>
             <a:endParaRPr lang="en-US"/>
           </a:p>
@@ -13586,7 +13900,7 @@
             <a:fld id="{B61BEF0D-F0BB-DE4B-95CE-6DB70DBA9567}" type="datetimeFigureOut">
               <a:rPr lang="en-US" dirty="0"/>
               <a:pPr/>
-              <a:t>9/17/2020</a:t>
+              <a:t>9/22/2020</a:t>
             </a:fld>
             <a:endParaRPr lang="en-US" dirty="0"/>
           </a:p>
@@ -13838,7 +14152,7 @@
             <a:fld id="{B61BEF0D-F0BB-DE4B-95CE-6DB70DBA9567}" type="datetimeFigureOut">
               <a:rPr lang="en-US" dirty="0"/>
               <a:pPr/>
-              <a:t>9/17/2020</a:t>
+              <a:t>9/22/2020</a:t>
             </a:fld>
             <a:endParaRPr lang="en-US" dirty="0"/>
           </a:p>
@@ -14153,7 +14467,7 @@
             <a:fld id="{B61BEF0D-F0BB-DE4B-95CE-6DB70DBA9567}" type="datetimeFigureOut">
               <a:rPr lang="en-US" dirty="0"/>
               <a:pPr/>
-              <a:t>9/17/2020</a:t>
+              <a:t>9/22/2020</a:t>
             </a:fld>
             <a:endParaRPr lang="en-US" dirty="0"/>
           </a:p>
@@ -14487,7 +14801,7 @@
             <a:fld id="{B61BEF0D-F0BB-DE4B-95CE-6DB70DBA9567}" type="datetimeFigureOut">
               <a:rPr lang="en-US" dirty="0"/>
               <a:pPr/>
-              <a:t>9/17/2020</a:t>
+              <a:t>9/22/2020</a:t>
             </a:fld>
             <a:endParaRPr lang="en-US" dirty="0"/>
           </a:p>
@@ -14802,7 +15116,7 @@
             <a:fld id="{B61BEF0D-F0BB-DE4B-95CE-6DB70DBA9567}" type="datetimeFigureOut">
               <a:rPr lang="en-US" dirty="0"/>
               <a:pPr/>
-              <a:t>9/17/2020</a:t>
+              <a:t>9/22/2020</a:t>
             </a:fld>
             <a:endParaRPr lang="en-US" dirty="0"/>
           </a:p>
@@ -15196,7 +15510,7 @@
             <a:fld id="{B61BEF0D-F0BB-DE4B-95CE-6DB70DBA9567}" type="datetimeFigureOut">
               <a:rPr lang="en-US" dirty="0"/>
               <a:pPr/>
-              <a:t>9/17/2020</a:t>
+              <a:t>9/22/2020</a:t>
             </a:fld>
             <a:endParaRPr lang="en-US" dirty="0"/>
           </a:p>
@@ -15365,7 +15679,7 @@
           <a:p>
             <a:fld id="{55C6B4A9-1611-4792-9094-5F34BCA07E0B}" type="datetimeFigureOut">
               <a:rPr lang="en-US" dirty="0"/>
-              <a:t>9/17/2020</a:t>
+              <a:t>9/22/2020</a:t>
             </a:fld>
             <a:endParaRPr lang="en-US" dirty="0"/>
           </a:p>
@@ -15544,7 +15858,7 @@
             <a:fld id="{B61BEF0D-F0BB-DE4B-95CE-6DB70DBA9567}" type="datetimeFigureOut">
               <a:rPr lang="en-US" dirty="0"/>
               <a:pPr/>
-              <a:t>9/17/2020</a:t>
+              <a:t>9/22/2020</a:t>
             </a:fld>
             <a:endParaRPr lang="en-US" dirty="0"/>
           </a:p>
@@ -15713,7 +16027,7 @@
           <a:p>
             <a:fld id="{42A54C80-263E-416B-A8E0-580EDEADCBDC}" type="datetimeFigureOut">
               <a:rPr lang="en-US" dirty="0"/>
-              <a:t>9/17/2020</a:t>
+              <a:t>9/22/2020</a:t>
             </a:fld>
             <a:endParaRPr lang="en-US" dirty="0"/>
           </a:p>
@@ -15960,7 +16274,7 @@
             <a:fld id="{B61BEF0D-F0BB-DE4B-95CE-6DB70DBA9567}" type="datetimeFigureOut">
               <a:rPr lang="en-US" dirty="0"/>
               <a:pPr/>
-              <a:t>9/17/2020</a:t>
+              <a:t>9/22/2020</a:t>
             </a:fld>
             <a:endParaRPr lang="en-US" dirty="0"/>
           </a:p>
@@ -16190,7 +16504,7 @@
           <a:p>
             <a:fld id="{42A54C80-263E-416B-A8E0-580EDEADCBDC}" type="datetimeFigureOut">
               <a:rPr lang="en-US" dirty="0"/>
-              <a:t>9/17/2020</a:t>
+              <a:t>9/22/2020</a:t>
             </a:fld>
             <a:endParaRPr lang="en-US" dirty="0"/>
           </a:p>
@@ -16562,7 +16876,7 @@
             <a:fld id="{B61BEF0D-F0BB-DE4B-95CE-6DB70DBA9567}" type="datetimeFigureOut">
               <a:rPr lang="en-US" dirty="0"/>
               <a:pPr/>
-              <a:t>9/17/2020</a:t>
+              <a:t>9/22/2020</a:t>
             </a:fld>
             <a:endParaRPr lang="en-US" dirty="0"/>
           </a:p>
@@ -16686,7 +17000,7 @@
             <a:fld id="{B61BEF0D-F0BB-DE4B-95CE-6DB70DBA9567}" type="datetimeFigureOut">
               <a:rPr lang="en-US" dirty="0"/>
               <a:pPr/>
-              <a:t>9/17/2020</a:t>
+              <a:t>9/22/2020</a:t>
             </a:fld>
             <a:endParaRPr lang="en-US" dirty="0"/>
           </a:p>
@@ -16783,7 +17097,7 @@
             <a:fld id="{B61BEF0D-F0BB-DE4B-95CE-6DB70DBA9567}" type="datetimeFigureOut">
               <a:rPr lang="en-US" dirty="0"/>
               <a:pPr/>
-              <a:t>9/17/2020</a:t>
+              <a:t>9/22/2020</a:t>
             </a:fld>
             <a:endParaRPr lang="en-US" dirty="0"/>
           </a:p>
@@ -17037,7 +17351,7 @@
           <a:p>
             <a:fld id="{42A54C80-263E-416B-A8E0-580EDEADCBDC}" type="datetimeFigureOut">
               <a:rPr lang="en-US" dirty="0"/>
-              <a:t>9/17/2020</a:t>
+              <a:t>9/22/2020</a:t>
             </a:fld>
             <a:endParaRPr lang="en-US" dirty="0"/>
           </a:p>
@@ -17339,7 +17653,7 @@
             <a:fld id="{B61BEF0D-F0BB-DE4B-95CE-6DB70DBA9567}" type="datetimeFigureOut">
               <a:rPr lang="en-US" dirty="0"/>
               <a:pPr/>
-              <a:t>9/17/2020</a:t>
+              <a:t>9/22/2020</a:t>
             </a:fld>
             <a:endParaRPr lang="en-US" dirty="0"/>
           </a:p>
@@ -18040,7 +18354,7 @@
             <a:fld id="{B61BEF0D-F0BB-DE4B-95CE-6DB70DBA9567}" type="datetimeFigureOut">
               <a:rPr lang="en-US" dirty="0"/>
               <a:pPr/>
-              <a:t>9/17/2020</a:t>
+              <a:t>9/22/2020</a:t>
             </a:fld>
             <a:endParaRPr lang="en-US" dirty="0"/>
           </a:p>
@@ -18619,12 +18933,27 @@
   <p:clrMapOvr>
     <a:masterClrMapping/>
   </p:clrMapOvr>
+  <p:timing>
+    <p:tnLst>
+      <p:par>
+        <p:cTn id="1" dur="indefinite" restart="never" nodeType="tmRoot"/>
+      </p:par>
+    </p:tnLst>
+  </p:timing>
 </p:sld>
 </file>
 
 <file path=ppt/slides/slide2.xml><?xml version="1.0" encoding="utf-8"?>
 <p:sld xmlns:a="http://schemas.openxmlformats.org/drawingml/2006/main" xmlns:r="http://schemas.openxmlformats.org/officeDocument/2006/relationships" xmlns:p="http://schemas.openxmlformats.org/presentationml/2006/main">
   <p:cSld>
+    <p:bg>
+      <p:bgPr>
+        <a:solidFill>
+          <a:schemeClr val="bg1"/>
+        </a:solidFill>
+        <a:effectLst/>
+      </p:bgPr>
+    </p:bg>
     <p:spTree>
       <p:nvGrpSpPr>
         <p:cNvPr id="1" name=""/>
@@ -18639,6 +18968,190 @@
           <a:chExt cx="0" cy="0"/>
         </a:xfrm>
       </p:grpSpPr>
+      <p:sp useBgFill="1">
+        <p:nvSpPr>
+          <p:cNvPr id="11" name="Rectangle 10">
+            <a:extLst>
+              <a:ext uri="{FF2B5EF4-FFF2-40B4-BE49-F238E27FC236}">
+                <a16:creationId xmlns="" xmlns:a16="http://schemas.microsoft.com/office/drawing/2014/main" id="{9F4444CE-BC8D-4D61-B303-4C05614E62AB}"/>
+              </a:ext>
+              <a:ext uri="{C183D7F6-B498-43B3-948B-1728B52AA6E4}">
+                <adec:decorative xmlns="" xmlns:adec="http://schemas.microsoft.com/office/drawing/2017/decorative" val="1"/>
+              </a:ext>
+            </a:extLst>
+          </p:cNvPr>
+          <p:cNvSpPr>
+            <a:spLocks noGrp="1" noRot="1" noChangeAspect="1" noMove="1" noResize="1" noEditPoints="1" noAdjustHandles="1" noChangeArrowheads="1" noChangeShapeType="1" noTextEdit="1"/>
+          </p:cNvSpPr>
+          <p:nvPr>
+            <p:extLst>
+              <p:ext uri="{386F3935-93C4-4BCD-93E2-E3B085C9AB24}">
+                <p16:designElem xmlns="" xmlns:p16="http://schemas.microsoft.com/office/powerpoint/2015/main" val="1"/>
+              </p:ext>
+            </p:extLst>
+          </p:nvPr>
+        </p:nvSpPr>
+        <p:spPr>
+          <a:xfrm>
+            <a:off x="0" y="0"/>
+            <a:ext cx="12192000" cy="6858000"/>
+          </a:xfrm>
+          <a:prstGeom prst="rect">
+            <a:avLst/>
+          </a:prstGeom>
+          <a:ln>
+            <a:noFill/>
+          </a:ln>
+        </p:spPr>
+        <p:style>
+          <a:lnRef idx="2">
+            <a:schemeClr val="accent1">
+              <a:shade val="50000"/>
+            </a:schemeClr>
+          </a:lnRef>
+          <a:fillRef idx="1">
+            <a:schemeClr val="accent1"/>
+          </a:fillRef>
+          <a:effectRef idx="0">
+            <a:schemeClr val="accent1"/>
+          </a:effectRef>
+          <a:fontRef idx="minor">
+            <a:schemeClr val="lt1"/>
+          </a:fontRef>
+        </p:style>
+        <p:txBody>
+          <a:bodyPr rtlCol="0" anchor="ctr"/>
+          <a:lstStyle/>
+          <a:p>
+            <a:pPr algn="ctr"/>
+            <a:endParaRPr lang="en-US"/>
+          </a:p>
+        </p:txBody>
+      </p:sp>
+      <p:sp>
+        <p:nvSpPr>
+          <p:cNvPr id="13" name="Rectangle 12">
+            <a:extLst>
+              <a:ext uri="{FF2B5EF4-FFF2-40B4-BE49-F238E27FC236}">
+                <a16:creationId xmlns="" xmlns:a16="http://schemas.microsoft.com/office/drawing/2014/main" id="{62423CA5-E2E1-4789-B759-9906C1C94063}"/>
+              </a:ext>
+              <a:ext uri="{C183D7F6-B498-43B3-948B-1728B52AA6E4}">
+                <adec:decorative xmlns="" xmlns:adec="http://schemas.microsoft.com/office/drawing/2017/decorative" val="1"/>
+              </a:ext>
+            </a:extLst>
+          </p:cNvPr>
+          <p:cNvSpPr>
+            <a:spLocks noGrp="1" noRot="1" noChangeAspect="1" noMove="1" noResize="1" noEditPoints="1" noAdjustHandles="1" noChangeArrowheads="1" noChangeShapeType="1" noTextEdit="1"/>
+          </p:cNvSpPr>
+          <p:nvPr>
+            <p:extLst>
+              <p:ext uri="{386F3935-93C4-4BCD-93E2-E3B085C9AB24}">
+                <p16:designElem xmlns="" xmlns:p16="http://schemas.microsoft.com/office/powerpoint/2015/main" val="1"/>
+              </p:ext>
+            </p:extLst>
+          </p:nvPr>
+        </p:nvSpPr>
+        <p:spPr>
+          <a:xfrm>
+            <a:off x="0" y="-3"/>
+            <a:ext cx="4660126" cy="6858000"/>
+          </a:xfrm>
+          <a:prstGeom prst="rect">
+            <a:avLst/>
+          </a:prstGeom>
+          <a:solidFill>
+            <a:schemeClr val="tx2"/>
+          </a:solidFill>
+          <a:ln>
+            <a:noFill/>
+          </a:ln>
+          <a:effectLst/>
+        </p:spPr>
+        <p:style>
+          <a:lnRef idx="1">
+            <a:schemeClr val="accent1"/>
+          </a:lnRef>
+          <a:fillRef idx="3">
+            <a:schemeClr val="accent1"/>
+          </a:fillRef>
+          <a:effectRef idx="2">
+            <a:schemeClr val="accent1"/>
+          </a:effectRef>
+          <a:fontRef idx="minor">
+            <a:schemeClr val="lt1"/>
+          </a:fontRef>
+        </p:style>
+        <p:txBody>
+          <a:bodyPr/>
+          <a:lstStyle/>
+          <a:p>
+            <a:endParaRPr lang="en-US"/>
+          </a:p>
+        </p:txBody>
+      </p:sp>
+      <p:sp>
+        <p:nvSpPr>
+          <p:cNvPr id="15" name="Isosceles Triangle 14">
+            <a:extLst>
+              <a:ext uri="{FF2B5EF4-FFF2-40B4-BE49-F238E27FC236}">
+                <a16:creationId xmlns="" xmlns:a16="http://schemas.microsoft.com/office/drawing/2014/main" id="{73772B81-181F-48B7-8826-4D9686D15DF5}"/>
+              </a:ext>
+              <a:ext uri="{C183D7F6-B498-43B3-948B-1728B52AA6E4}">
+                <adec:decorative xmlns="" xmlns:adec="http://schemas.microsoft.com/office/drawing/2017/decorative" val="1"/>
+              </a:ext>
+            </a:extLst>
+          </p:cNvPr>
+          <p:cNvSpPr>
+            <a:spLocks noGrp="1" noRot="1" noChangeAspect="1" noMove="1" noResize="1" noEditPoints="1" noAdjustHandles="1" noChangeArrowheads="1" noChangeShapeType="1" noTextEdit="1"/>
+          </p:cNvSpPr>
+          <p:nvPr>
+            <p:extLst>
+              <p:ext uri="{386F3935-93C4-4BCD-93E2-E3B085C9AB24}">
+                <p16:designElem xmlns="" xmlns:p16="http://schemas.microsoft.com/office/powerpoint/2015/main" val="1"/>
+              </p:ext>
+            </p:extLst>
+          </p:nvPr>
+        </p:nvSpPr>
+        <p:spPr>
+          <a:xfrm rot="10800000">
+            <a:off x="4660127" y="-3"/>
+            <a:ext cx="1056745" cy="6858001"/>
+          </a:xfrm>
+          <a:prstGeom prst="triangle">
+            <a:avLst>
+              <a:gd name="adj" fmla="val 100000"/>
+            </a:avLst>
+          </a:prstGeom>
+          <a:solidFill>
+            <a:schemeClr val="tx2"/>
+          </a:solidFill>
+          <a:ln>
+            <a:noFill/>
+          </a:ln>
+          <a:effectLst/>
+        </p:spPr>
+        <p:style>
+          <a:lnRef idx="1">
+            <a:schemeClr val="accent1"/>
+          </a:lnRef>
+          <a:fillRef idx="3">
+            <a:schemeClr val="accent1"/>
+          </a:fillRef>
+          <a:effectRef idx="2">
+            <a:schemeClr val="accent1"/>
+          </a:effectRef>
+          <a:fontRef idx="minor">
+            <a:schemeClr val="lt1"/>
+          </a:fontRef>
+        </p:style>
+        <p:txBody>
+          <a:bodyPr/>
+          <a:lstStyle/>
+          <a:p>
+            <a:endParaRPr lang="en-US" dirty="0"/>
+          </a:p>
+        </p:txBody>
+      </p:sp>
       <p:sp>
         <p:nvSpPr>
           <p:cNvPr id="2" name="Title 1"/>
@@ -18649,25 +19162,50 @@
             <p:ph type="title"/>
           </p:nvPr>
         </p:nvSpPr>
-        <p:spPr/>
+        <p:spPr>
+          <a:xfrm>
+            <a:off x="673754" y="643467"/>
+            <a:ext cx="4203045" cy="1375608"/>
+          </a:xfrm>
+        </p:spPr>
         <p:txBody>
-          <a:bodyPr/>
+          <a:bodyPr anchor="ctr">
+            <a:normAutofit/>
+          </a:bodyPr>
           <a:lstStyle/>
           <a:p>
             <a:r>
+              <a:rPr lang="en-US" dirty="0">
+                <a:solidFill>
+                  <a:schemeClr val="bg1"/>
+                </a:solidFill>
+              </a:rPr>
+              <a:t>What is Churn?</a:t>
+            </a:r>
+            <a:r>
               <a:rPr lang="en-US" dirty="0"/>
-              <a:t>LEAD IN</a:t>
+              <a:t/>
             </a:r>
             <a:br>
               <a:rPr lang="en-US" dirty="0"/>
             </a:br>
-            <a:endParaRPr lang="en-US" dirty="0"/>
+            <a:endParaRPr lang="en-US" dirty="0">
+              <a:solidFill>
+                <a:schemeClr val="bg1"/>
+              </a:solidFill>
+            </a:endParaRPr>
           </a:p>
         </p:txBody>
       </p:sp>
       <p:sp>
         <p:nvSpPr>
-          <p:cNvPr id="3" name="Content Placeholder 2"/>
+          <p:cNvPr id="8" name="Content Placeholder 7">
+            <a:extLst>
+              <a:ext uri="{FF2B5EF4-FFF2-40B4-BE49-F238E27FC236}">
+                <a16:creationId xmlns="" xmlns:a16="http://schemas.microsoft.com/office/drawing/2014/main" id="{7371E6BE-1FBB-4105-8E17-9CDB31791CEB}"/>
+              </a:ext>
+            </a:extLst>
+          </p:cNvPr>
           <p:cNvSpPr>
             <a:spLocks noGrp="1"/>
           </p:cNvSpPr>
@@ -18675,15 +19213,618 @@
             <p:ph idx="1"/>
           </p:nvPr>
         </p:nvSpPr>
-        <p:spPr/>
+        <p:spPr>
+          <a:xfrm>
+            <a:off x="673754" y="2160590"/>
+            <a:ext cx="3973943" cy="3440110"/>
+          </a:xfrm>
+        </p:spPr>
+        <p:txBody>
+          <a:bodyPr vert="horz" lIns="91440" tIns="45720" rIns="91440" bIns="45720" rtlCol="0" anchor="t">
+            <a:normAutofit/>
+          </a:bodyPr>
+          <a:lstStyle/>
+          <a:p>
+            <a:r>
+              <a:rPr lang="en-US" dirty="0">
+                <a:solidFill>
+                  <a:schemeClr val="bg1"/>
+                </a:solidFill>
+              </a:rPr>
+              <a:t>About 17% of customers will leave this company</a:t>
+            </a:r>
+          </a:p>
+          <a:p>
+            <a:r>
+              <a:rPr lang="en-US" dirty="0">
+                <a:solidFill>
+                  <a:schemeClr val="bg1"/>
+                </a:solidFill>
+              </a:rPr>
+              <a:t>If this company makes $200,000 per year about $34,000 of that will be </a:t>
+            </a:r>
+            <a:r>
+              <a:rPr lang="en-US" dirty="0" smtClean="0">
+                <a:solidFill>
+                  <a:schemeClr val="bg1"/>
+                </a:solidFill>
+              </a:rPr>
+              <a:t>lost</a:t>
+            </a:r>
+            <a:endParaRPr lang="en-US" dirty="0">
+              <a:solidFill>
+                <a:schemeClr val="bg1"/>
+              </a:solidFill>
+            </a:endParaRPr>
+          </a:p>
+          <a:p>
+            <a:pPr lvl="1"/>
+            <a:r>
+              <a:rPr lang="en-US" dirty="0">
+                <a:solidFill>
+                  <a:schemeClr val="bg1"/>
+                </a:solidFill>
+              </a:rPr>
+              <a:t>Rough estimate</a:t>
+            </a:r>
+          </a:p>
+          <a:p>
+            <a:pPr lvl="1"/>
+            <a:r>
+              <a:rPr lang="en-US" dirty="0">
+                <a:solidFill>
+                  <a:schemeClr val="bg1"/>
+                </a:solidFill>
+              </a:rPr>
+              <a:t>Might be even higher due to relationship between total charge and churn</a:t>
+            </a:r>
+          </a:p>
+        </p:txBody>
+      </p:sp>
+      <p:pic>
+        <p:nvPicPr>
+          <p:cNvPr id="4" name="Picture 4" descr="A close up of text on a white surface&#10;&#10;Description automatically generated">
+            <a:extLst>
+              <a:ext uri="{FF2B5EF4-FFF2-40B4-BE49-F238E27FC236}">
+                <a16:creationId xmlns="" xmlns:a16="http://schemas.microsoft.com/office/drawing/2014/main" id="{425B4141-0775-411D-95DF-42CF18CE6AB5}"/>
+              </a:ext>
+            </a:extLst>
+          </p:cNvPr>
+          <p:cNvPicPr>
+            <a:picLocks noChangeAspect="1"/>
+          </p:cNvPicPr>
+          <p:nvPr/>
+        </p:nvPicPr>
+        <p:blipFill>
+          <a:blip r:embed="rId2"/>
+          <a:stretch>
+            <a:fillRect/>
+          </a:stretch>
+        </p:blipFill>
+        <p:spPr>
+          <a:xfrm>
+            <a:off x="6224657" y="972608"/>
+            <a:ext cx="4886187" cy="4900269"/>
+          </a:xfrm>
+          <a:prstGeom prst="rect">
+            <a:avLst/>
+          </a:prstGeom>
+        </p:spPr>
+      </p:pic>
+      <p:sp>
+        <p:nvSpPr>
+          <p:cNvPr id="17" name="Isosceles Triangle 16">
+            <a:extLst>
+              <a:ext uri="{FF2B5EF4-FFF2-40B4-BE49-F238E27FC236}">
+                <a16:creationId xmlns="" xmlns:a16="http://schemas.microsoft.com/office/drawing/2014/main" id="{B2205F6E-03C6-4E92-877C-E2482F6599AA}"/>
+              </a:ext>
+              <a:ext uri="{C183D7F6-B498-43B3-948B-1728B52AA6E4}">
+                <adec:decorative xmlns="" xmlns:adec="http://schemas.microsoft.com/office/drawing/2017/decorative" val="1"/>
+              </a:ext>
+            </a:extLst>
+          </p:cNvPr>
+          <p:cNvSpPr>
+            <a:spLocks noGrp="1" noRot="1" noChangeAspect="1" noMove="1" noResize="1" noEditPoints="1" noAdjustHandles="1" noChangeArrowheads="1" noChangeShapeType="1" noTextEdit="1"/>
+          </p:cNvSpPr>
+          <p:nvPr>
+            <p:extLst>
+              <p:ext uri="{386F3935-93C4-4BCD-93E2-E3B085C9AB24}">
+                <p16:designElem xmlns="" xmlns:p16="http://schemas.microsoft.com/office/powerpoint/2015/main" val="1"/>
+              </p:ext>
+            </p:extLst>
+          </p:nvPr>
+        </p:nvSpPr>
+        <p:spPr>
+          <a:xfrm flipH="1">
+            <a:off x="11755696" y="4013200"/>
+            <a:ext cx="448733" cy="2844800"/>
+          </a:xfrm>
+          <a:prstGeom prst="triangle">
+            <a:avLst>
+              <a:gd name="adj" fmla="val 0"/>
+            </a:avLst>
+          </a:prstGeom>
+          <a:solidFill>
+            <a:schemeClr val="accent1">
+              <a:alpha val="85000"/>
+            </a:schemeClr>
+          </a:solidFill>
+          <a:ln>
+            <a:noFill/>
+          </a:ln>
+          <a:effectLst/>
+        </p:spPr>
+        <p:style>
+          <a:lnRef idx="1">
+            <a:schemeClr val="accent1"/>
+          </a:lnRef>
+          <a:fillRef idx="3">
+            <a:schemeClr val="accent1"/>
+          </a:fillRef>
+          <a:effectRef idx="2">
+            <a:schemeClr val="accent1"/>
+          </a:effectRef>
+          <a:fontRef idx="minor">
+            <a:schemeClr val="lt1"/>
+          </a:fontRef>
+        </p:style>
         <p:txBody>
           <a:bodyPr/>
           <a:lstStyle/>
           <a:p>
-            <a:endParaRPr lang="en-US"/>
+            <a:endParaRPr lang="en-US" dirty="0"/>
           </a:p>
         </p:txBody>
       </p:sp>
+      <p:grpSp>
+        <p:nvGrpSpPr>
+          <p:cNvPr id="9" name="Group 8">
+            <a:extLst>
+              <a:ext uri="{FF2B5EF4-FFF2-40B4-BE49-F238E27FC236}">
+                <a16:creationId xmlns="" xmlns:a16="http://schemas.microsoft.com/office/drawing/2014/main" id="{CD270D21-98DC-4D54-8839-2306BE20DCFD}"/>
+              </a:ext>
+            </a:extLst>
+          </p:cNvPr>
+          <p:cNvGrpSpPr/>
+          <p:nvPr/>
+        </p:nvGrpSpPr>
+        <p:grpSpPr>
+          <a:xfrm>
+            <a:off x="7810500" y="9383"/>
+            <a:ext cx="4370129" cy="634084"/>
+            <a:chOff x="1893489" y="352425"/>
+            <a:chExt cx="6209729" cy="830238"/>
+          </a:xfrm>
+        </p:grpSpPr>
+        <p:grpSp>
+          <p:nvGrpSpPr>
+            <p:cNvPr id="10" name="Group 9">
+              <a:extLst>
+                <a:ext uri="{FF2B5EF4-FFF2-40B4-BE49-F238E27FC236}">
+                  <a16:creationId xmlns="" xmlns:a16="http://schemas.microsoft.com/office/drawing/2014/main" id="{6289DE3F-D75B-4A2A-BCD3-417A1671AF41}"/>
+                </a:ext>
+              </a:extLst>
+            </p:cNvPr>
+            <p:cNvGrpSpPr/>
+            <p:nvPr/>
+          </p:nvGrpSpPr>
+          <p:grpSpPr>
+            <a:xfrm>
+              <a:off x="1893489" y="352425"/>
+              <a:ext cx="6209729" cy="830238"/>
+              <a:chOff x="813038" y="1944664"/>
+              <a:chExt cx="10178953" cy="1364775"/>
+            </a:xfrm>
+          </p:grpSpPr>
+          <p:sp>
+            <p:nvSpPr>
+              <p:cNvPr id="14" name="Rectangle 13">
+                <a:extLst>
+                  <a:ext uri="{FF2B5EF4-FFF2-40B4-BE49-F238E27FC236}">
+                    <a16:creationId xmlns="" xmlns:a16="http://schemas.microsoft.com/office/drawing/2014/main" id="{463AA49E-8ACE-4CD3-AC55-02445B498BEC}"/>
+                  </a:ext>
+                </a:extLst>
+              </p:cNvPr>
+              <p:cNvSpPr/>
+              <p:nvPr/>
+            </p:nvSpPr>
+            <p:spPr>
+              <a:xfrm>
+                <a:off x="813038" y="1944664"/>
+                <a:ext cx="10178953" cy="1364775"/>
+              </a:xfrm>
+              <a:prstGeom prst="rect">
+                <a:avLst/>
+              </a:prstGeom>
+              <a:solidFill>
+                <a:schemeClr val="accent1">
+                  <a:lumMod val="50000"/>
+                </a:schemeClr>
+              </a:solidFill>
+            </p:spPr>
+            <p:style>
+              <a:lnRef idx="2">
+                <a:schemeClr val="accent1">
+                  <a:shade val="50000"/>
+                </a:schemeClr>
+              </a:lnRef>
+              <a:fillRef idx="1">
+                <a:schemeClr val="accent1"/>
+              </a:fillRef>
+              <a:effectRef idx="0">
+                <a:schemeClr val="accent1"/>
+              </a:effectRef>
+              <a:fontRef idx="minor">
+                <a:schemeClr val="lt1"/>
+              </a:fontRef>
+            </p:style>
+            <p:txBody>
+              <a:bodyPr rtlCol="0" anchor="ctr"/>
+              <a:lstStyle/>
+              <a:p>
+                <a:pPr algn="ctr"/>
+                <a:endParaRPr lang="en-US"/>
+              </a:p>
+            </p:txBody>
+          </p:sp>
+          <p:pic>
+            <p:nvPicPr>
+              <p:cNvPr id="16" name="Graphic 37" descr="Speaker phone">
+                <a:hlinkClick r:id="rId3" action="ppaction://hlinksldjump"/>
+                <a:extLst>
+                  <a:ext uri="{FF2B5EF4-FFF2-40B4-BE49-F238E27FC236}">
+                    <a16:creationId xmlns="" xmlns:a16="http://schemas.microsoft.com/office/drawing/2014/main" id="{18379407-8637-41CC-8445-47C27D32EF28}"/>
+                  </a:ext>
+                </a:extLst>
+              </p:cNvPr>
+              <p:cNvPicPr>
+                <a:picLocks noChangeAspect="1"/>
+              </p:cNvPicPr>
+              <p:nvPr/>
+            </p:nvPicPr>
+            <p:blipFill>
+              <a:blip r:embed="rId4">
+                <a:extLst>
+                  <a:ext uri="{96DAC541-7B7A-43D3-8B79-37D633B846F1}">
+                    <asvg:svgBlip xmlns="" xmlns:asvg="http://schemas.microsoft.com/office/drawing/2016/SVG/main" r:embed="rId9"/>
+                  </a:ext>
+                </a:extLst>
+              </a:blip>
+              <a:stretch>
+                <a:fillRect/>
+              </a:stretch>
+            </p:blipFill>
+            <p:spPr>
+              <a:xfrm>
+                <a:off x="4404626" y="2100897"/>
+                <a:ext cx="914400" cy="914400"/>
+              </a:xfrm>
+              <a:prstGeom prst="rect">
+                <a:avLst/>
+              </a:prstGeom>
+            </p:spPr>
+          </p:pic>
+          <p:sp>
+            <p:nvSpPr>
+              <p:cNvPr id="18" name="Octagon 17">
+                <a:hlinkClick r:id="rId10" action="ppaction://hlinksldjump"/>
+                <a:extLst>
+                  <a:ext uri="{FF2B5EF4-FFF2-40B4-BE49-F238E27FC236}">
+                    <a16:creationId xmlns="" xmlns:a16="http://schemas.microsoft.com/office/drawing/2014/main" id="{8C7E2EE0-450A-4CD2-A454-585F88398950}"/>
+                  </a:ext>
+                </a:extLst>
+              </p:cNvPr>
+              <p:cNvSpPr/>
+              <p:nvPr/>
+            </p:nvSpPr>
+            <p:spPr>
+              <a:xfrm>
+                <a:off x="9972762" y="2176011"/>
+                <a:ext cx="909850" cy="909850"/>
+              </a:xfrm>
+              <a:prstGeom prst="octagon">
+                <a:avLst/>
+              </a:prstGeom>
+            </p:spPr>
+            <p:style>
+              <a:lnRef idx="2">
+                <a:schemeClr val="accent1">
+                  <a:shade val="50000"/>
+                </a:schemeClr>
+              </a:lnRef>
+              <a:fillRef idx="1">
+                <a:schemeClr val="accent1"/>
+              </a:fillRef>
+              <a:effectRef idx="0">
+                <a:schemeClr val="accent1"/>
+              </a:effectRef>
+              <a:fontRef idx="minor">
+                <a:schemeClr val="lt1"/>
+              </a:fontRef>
+            </p:style>
+            <p:txBody>
+              <a:bodyPr rtlCol="0" anchor="ctr"/>
+              <a:lstStyle/>
+              <a:p>
+                <a:pPr algn="ctr"/>
+                <a:endParaRPr lang="en-US"/>
+              </a:p>
+            </p:txBody>
+          </p:sp>
+          <p:sp>
+            <p:nvSpPr>
+              <p:cNvPr id="19" name="Thought Bubble: Cloud 276">
+                <a:hlinkClick r:id="rId11" action="ppaction://hlinksldjump"/>
+                <a:extLst>
+                  <a:ext uri="{FF2B5EF4-FFF2-40B4-BE49-F238E27FC236}">
+                    <a16:creationId xmlns="" xmlns:a16="http://schemas.microsoft.com/office/drawing/2014/main" id="{3C594EA9-0A23-4322-85C3-18C4275DC648}"/>
+                  </a:ext>
+                </a:extLst>
+              </p:cNvPr>
+              <p:cNvSpPr/>
+              <p:nvPr/>
+            </p:nvSpPr>
+            <p:spPr>
+              <a:xfrm>
+                <a:off x="8585655" y="2263330"/>
+                <a:ext cx="909850" cy="614149"/>
+              </a:xfrm>
+              <a:prstGeom prst="cloudCallout">
+                <a:avLst/>
+              </a:prstGeom>
+            </p:spPr>
+            <p:style>
+              <a:lnRef idx="2">
+                <a:schemeClr val="accent1">
+                  <a:shade val="50000"/>
+                </a:schemeClr>
+              </a:lnRef>
+              <a:fillRef idx="1">
+                <a:schemeClr val="accent1"/>
+              </a:fillRef>
+              <a:effectRef idx="0">
+                <a:schemeClr val="accent1"/>
+              </a:effectRef>
+              <a:fontRef idx="minor">
+                <a:schemeClr val="lt1"/>
+              </a:fontRef>
+            </p:style>
+            <p:txBody>
+              <a:bodyPr rtlCol="0" anchor="ctr"/>
+              <a:lstStyle/>
+              <a:p>
+                <a:pPr algn="ctr"/>
+                <a:endParaRPr lang="en-US"/>
+              </a:p>
+            </p:txBody>
+          </p:sp>
+          <p:sp>
+            <p:nvSpPr>
+              <p:cNvPr id="20" name="Right Triangle 19">
+                <a:hlinkClick r:id="rId12" action="ppaction://hlinksldjump"/>
+                <a:extLst>
+                  <a:ext uri="{FF2B5EF4-FFF2-40B4-BE49-F238E27FC236}">
+                    <a16:creationId xmlns="" xmlns:a16="http://schemas.microsoft.com/office/drawing/2014/main" id="{4CE83B33-586A-441D-8C32-40B816FB41D1}"/>
+                  </a:ext>
+                </a:extLst>
+              </p:cNvPr>
+              <p:cNvSpPr/>
+              <p:nvPr/>
+            </p:nvSpPr>
+            <p:spPr>
+              <a:xfrm rot="5400000">
+                <a:off x="3347391" y="2188465"/>
+                <a:ext cx="918575" cy="918575"/>
+              </a:xfrm>
+              <a:prstGeom prst="rtTriangle">
+                <a:avLst/>
+              </a:prstGeom>
+            </p:spPr>
+            <p:style>
+              <a:lnRef idx="2">
+                <a:schemeClr val="accent1">
+                  <a:shade val="50000"/>
+                </a:schemeClr>
+              </a:lnRef>
+              <a:fillRef idx="1">
+                <a:schemeClr val="accent1"/>
+              </a:fillRef>
+              <a:effectRef idx="0">
+                <a:schemeClr val="accent1"/>
+              </a:effectRef>
+              <a:fontRef idx="minor">
+                <a:schemeClr val="lt1"/>
+              </a:fontRef>
+            </p:style>
+            <p:txBody>
+              <a:bodyPr rtlCol="0" anchor="ctr"/>
+              <a:lstStyle/>
+              <a:p>
+                <a:pPr algn="ctr"/>
+                <a:endParaRPr lang="en-US"/>
+              </a:p>
+            </p:txBody>
+          </p:sp>
+          <p:pic>
+            <p:nvPicPr>
+              <p:cNvPr id="21" name="Graphic 35" descr="Call center">
+                <a:hlinkClick r:id="rId13" action="ppaction://hlinksldjump"/>
+                <a:extLst>
+                  <a:ext uri="{FF2B5EF4-FFF2-40B4-BE49-F238E27FC236}">
+                    <a16:creationId xmlns="" xmlns:a16="http://schemas.microsoft.com/office/drawing/2014/main" id="{891639DF-E77C-4F33-A818-22AC376FEB35}"/>
+                  </a:ext>
+                </a:extLst>
+              </p:cNvPr>
+              <p:cNvPicPr>
+                <a:picLocks noChangeAspect="1"/>
+              </p:cNvPicPr>
+              <p:nvPr/>
+            </p:nvPicPr>
+            <p:blipFill>
+              <a:blip r:embed="rId14">
+                <a:extLst>
+                  <a:ext uri="{96DAC541-7B7A-43D3-8B79-37D633B846F1}">
+                    <asvg:svgBlip xmlns="" xmlns:asvg="http://schemas.microsoft.com/office/drawing/2016/SVG/main" r:embed="rId15"/>
+                  </a:ext>
+                </a:extLst>
+              </a:blip>
+              <a:stretch>
+                <a:fillRect/>
+              </a:stretch>
+            </p:blipFill>
+            <p:spPr>
+              <a:xfrm>
+                <a:off x="5585789" y="2174903"/>
+                <a:ext cx="914400" cy="914400"/>
+              </a:xfrm>
+              <a:prstGeom prst="rect">
+                <a:avLst/>
+              </a:prstGeom>
+            </p:spPr>
+          </p:pic>
+          <p:sp>
+            <p:nvSpPr>
+              <p:cNvPr id="22" name="Callout: Down Arrow 279">
+                <a:hlinkClick r:id="rId16" action="ppaction://hlinksldjump"/>
+                <a:extLst>
+                  <a:ext uri="{FF2B5EF4-FFF2-40B4-BE49-F238E27FC236}">
+                    <a16:creationId xmlns="" xmlns:a16="http://schemas.microsoft.com/office/drawing/2014/main" id="{22866FE5-27F4-4177-80F3-5A95D8E3F151}"/>
+                  </a:ext>
+                </a:extLst>
+              </p:cNvPr>
+              <p:cNvSpPr/>
+              <p:nvPr/>
+            </p:nvSpPr>
+            <p:spPr>
+              <a:xfrm>
+                <a:off x="2055554" y="2232546"/>
+                <a:ext cx="909850" cy="909850"/>
+              </a:xfrm>
+              <a:prstGeom prst="downArrowCallout">
+                <a:avLst/>
+              </a:prstGeom>
+            </p:spPr>
+            <p:style>
+              <a:lnRef idx="2">
+                <a:schemeClr val="accent1">
+                  <a:shade val="50000"/>
+                </a:schemeClr>
+              </a:lnRef>
+              <a:fillRef idx="1">
+                <a:schemeClr val="accent1"/>
+              </a:fillRef>
+              <a:effectRef idx="0">
+                <a:schemeClr val="accent1"/>
+              </a:effectRef>
+              <a:fontRef idx="minor">
+                <a:schemeClr val="lt1"/>
+              </a:fontRef>
+            </p:style>
+            <p:txBody>
+              <a:bodyPr rtlCol="0" anchor="ctr"/>
+              <a:lstStyle/>
+              <a:p>
+                <a:pPr algn="ctr"/>
+                <a:endParaRPr lang="en-US"/>
+              </a:p>
+            </p:txBody>
+          </p:sp>
+          <p:sp>
+            <p:nvSpPr>
+              <p:cNvPr id="23" name="Arrow: Right 280">
+                <a:hlinkClick r:id="rId17" action="ppaction://hlinksldjump"/>
+                <a:extLst>
+                  <a:ext uri="{FF2B5EF4-FFF2-40B4-BE49-F238E27FC236}">
+                    <a16:creationId xmlns="" xmlns:a16="http://schemas.microsoft.com/office/drawing/2014/main" id="{75A48992-326C-4B19-9BE7-BCEE5779326E}"/>
+                  </a:ext>
+                </a:extLst>
+              </p:cNvPr>
+              <p:cNvSpPr/>
+              <p:nvPr/>
+            </p:nvSpPr>
+            <p:spPr>
+              <a:xfrm>
+                <a:off x="884812" y="2320193"/>
+                <a:ext cx="978089" cy="489044"/>
+              </a:xfrm>
+              <a:prstGeom prst="rightArrow">
+                <a:avLst/>
+              </a:prstGeom>
+            </p:spPr>
+            <p:style>
+              <a:lnRef idx="2">
+                <a:schemeClr val="accent1">
+                  <a:shade val="50000"/>
+                </a:schemeClr>
+              </a:lnRef>
+              <a:fillRef idx="1">
+                <a:schemeClr val="accent1"/>
+              </a:fillRef>
+              <a:effectRef idx="0">
+                <a:schemeClr val="accent1"/>
+              </a:effectRef>
+              <a:fontRef idx="minor">
+                <a:schemeClr val="lt1"/>
+              </a:fontRef>
+            </p:style>
+            <p:txBody>
+              <a:bodyPr rtlCol="0" anchor="ctr"/>
+              <a:lstStyle/>
+              <a:p>
+                <a:pPr algn="ctr"/>
+                <a:endParaRPr lang="en-US"/>
+              </a:p>
+            </p:txBody>
+          </p:sp>
+        </p:grpSp>
+        <p:sp>
+          <p:nvSpPr>
+            <p:cNvPr id="12" name="Speech Bubble: Oval 525">
+              <a:hlinkClick r:id="rId18" action="ppaction://hlinksldjump"/>
+              <a:extLst>
+                <a:ext uri="{FF2B5EF4-FFF2-40B4-BE49-F238E27FC236}">
+                  <a16:creationId xmlns="" xmlns:a16="http://schemas.microsoft.com/office/drawing/2014/main" id="{CE066BAE-3EE3-471B-9827-8CB64E58A365}"/>
+                </a:ext>
+              </a:extLst>
+            </p:cNvPr>
+            <p:cNvSpPr/>
+            <p:nvPr/>
+          </p:nvSpPr>
+          <p:spPr>
+            <a:xfrm>
+              <a:off x="5627427" y="495480"/>
+              <a:ext cx="716507" cy="466299"/>
+            </a:xfrm>
+            <a:prstGeom prst="wedgeEllipseCallout">
+              <a:avLst/>
+            </a:prstGeom>
+          </p:spPr>
+          <p:style>
+            <a:lnRef idx="2">
+              <a:schemeClr val="accent1">
+                <a:shade val="50000"/>
+              </a:schemeClr>
+            </a:lnRef>
+            <a:fillRef idx="1">
+              <a:schemeClr val="accent1"/>
+            </a:fillRef>
+            <a:effectRef idx="0">
+              <a:schemeClr val="accent1"/>
+            </a:effectRef>
+            <a:fontRef idx="minor">
+              <a:schemeClr val="lt1"/>
+            </a:fontRef>
+          </p:style>
+          <p:txBody>
+            <a:bodyPr rtlCol="0" anchor="ctr"/>
+            <a:lstStyle/>
+            <a:p>
+              <a:pPr algn="ctr"/>
+              <a:endParaRPr lang="en-US"/>
+            </a:p>
+          </p:txBody>
+        </p:sp>
+      </p:grpSp>
     </p:spTree>
     <p:extLst>
       <p:ext uri="{BB962C8B-B14F-4D97-AF65-F5344CB8AC3E}">
@@ -18694,6 +19835,13 @@
   <p:clrMapOvr>
     <a:masterClrMapping/>
   </p:clrMapOvr>
+  <p:timing>
+    <p:tnLst>
+      <p:par>
+        <p:cTn id="1" dur="indefinite" restart="never" nodeType="tmRoot"/>
+      </p:par>
+    </p:tnLst>
+  </p:timing>
 </p:sld>
 </file>
 
@@ -18719,7 +19867,7 @@
           <p:cNvPr id="2" name="Group 1">
             <a:extLst>
               <a:ext uri="{FF2B5EF4-FFF2-40B4-BE49-F238E27FC236}">
-                <a16:creationId xmlns:a16="http://schemas.microsoft.com/office/drawing/2014/main" xmlns="" id="{D6A9FFD7-86CE-44AE-95A2-E068659739D7}"/>
+                <a16:creationId xmlns="" xmlns:a16="http://schemas.microsoft.com/office/drawing/2014/main" id="{D6A9FFD7-86CE-44AE-95A2-E068659739D7}"/>
               </a:ext>
             </a:extLst>
           </p:cNvPr>
@@ -18739,7 +19887,7 @@
             <p:cNvPr id="3" name="Diagram 2">
               <a:extLst>
                 <a:ext uri="{FF2B5EF4-FFF2-40B4-BE49-F238E27FC236}">
-                  <a16:creationId xmlns:a16="http://schemas.microsoft.com/office/drawing/2014/main" xmlns="" id="{7ECDA906-9B49-4919-BE77-AA9952158280}"/>
+                  <a16:creationId xmlns="" xmlns:a16="http://schemas.microsoft.com/office/drawing/2014/main" id="{7ECDA906-9B49-4919-BE77-AA9952158280}"/>
                 </a:ext>
               </a:extLst>
             </p:cNvPr>
@@ -18767,7 +19915,7 @@
             <p:cNvPr id="4" name="TextBox 3">
               <a:extLst>
                 <a:ext uri="{FF2B5EF4-FFF2-40B4-BE49-F238E27FC236}">
-                  <a16:creationId xmlns:a16="http://schemas.microsoft.com/office/drawing/2014/main" xmlns="" id="{3EC8D3CA-1707-47B6-9D17-477BCBED7202}"/>
+                  <a16:creationId xmlns="" xmlns:a16="http://schemas.microsoft.com/office/drawing/2014/main" id="{3EC8D3CA-1707-47B6-9D17-477BCBED7202}"/>
                 </a:ext>
               </a:extLst>
             </p:cNvPr>
@@ -18902,7 +20050,7 @@
             <p:cNvPr id="5" name="TextBox 4">
               <a:extLst>
                 <a:ext uri="{FF2B5EF4-FFF2-40B4-BE49-F238E27FC236}">
-                  <a16:creationId xmlns:a16="http://schemas.microsoft.com/office/drawing/2014/main" xmlns="" id="{EA130889-750F-477A-B7A3-634F42A9A11B}"/>
+                  <a16:creationId xmlns="" xmlns:a16="http://schemas.microsoft.com/office/drawing/2014/main" id="{EA130889-750F-477A-B7A3-634F42A9A11B}"/>
                 </a:ext>
               </a:extLst>
             </p:cNvPr>
@@ -19038,7 +20186,7 @@
             <p:cNvPr id="6" name="TextBox 5">
               <a:extLst>
                 <a:ext uri="{FF2B5EF4-FFF2-40B4-BE49-F238E27FC236}">
-                  <a16:creationId xmlns:a16="http://schemas.microsoft.com/office/drawing/2014/main" xmlns="" id="{86B7406E-A5ED-41CA-A571-E8583E48B44E}"/>
+                  <a16:creationId xmlns="" xmlns:a16="http://schemas.microsoft.com/office/drawing/2014/main" id="{86B7406E-A5ED-41CA-A571-E8583E48B44E}"/>
                 </a:ext>
               </a:extLst>
             </p:cNvPr>
@@ -19170,7 +20318,7 @@
             <p:cNvPr id="7" name="TextBox 6">
               <a:extLst>
                 <a:ext uri="{FF2B5EF4-FFF2-40B4-BE49-F238E27FC236}">
-                  <a16:creationId xmlns:a16="http://schemas.microsoft.com/office/drawing/2014/main" xmlns="" id="{A602CA44-7A5A-4DDB-8998-4050AD90B09A}"/>
+                  <a16:creationId xmlns="" xmlns:a16="http://schemas.microsoft.com/office/drawing/2014/main" id="{A602CA44-7A5A-4DDB-8998-4050AD90B09A}"/>
                 </a:ext>
               </a:extLst>
             </p:cNvPr>
@@ -19306,7 +20454,7 @@
             <p:cNvPr id="8" name="TextBox 7">
               <a:extLst>
                 <a:ext uri="{FF2B5EF4-FFF2-40B4-BE49-F238E27FC236}">
-                  <a16:creationId xmlns:a16="http://schemas.microsoft.com/office/drawing/2014/main" xmlns="" id="{CEB45B53-0CD2-49E8-B29D-29F31583D439}"/>
+                  <a16:creationId xmlns="" xmlns:a16="http://schemas.microsoft.com/office/drawing/2014/main" id="{CEB45B53-0CD2-49E8-B29D-29F31583D439}"/>
                 </a:ext>
               </a:extLst>
             </p:cNvPr>
@@ -19439,7 +20587,7 @@
             <p:cNvPr id="9" name="TextBox 8">
               <a:extLst>
                 <a:ext uri="{FF2B5EF4-FFF2-40B4-BE49-F238E27FC236}">
-                  <a16:creationId xmlns:a16="http://schemas.microsoft.com/office/drawing/2014/main" xmlns="" id="{9FE1FC0A-A605-4868-B575-58301C60B659}"/>
+                  <a16:creationId xmlns="" xmlns:a16="http://schemas.microsoft.com/office/drawing/2014/main" id="{9FE1FC0A-A605-4868-B575-58301C60B659}"/>
                 </a:ext>
               </a:extLst>
             </p:cNvPr>
@@ -19576,7 +20724,7 @@
             <p:cNvPr id="10" name="TextBox 9">
               <a:extLst>
                 <a:ext uri="{FF2B5EF4-FFF2-40B4-BE49-F238E27FC236}">
-                  <a16:creationId xmlns:a16="http://schemas.microsoft.com/office/drawing/2014/main" xmlns="" id="{A399A5BC-E771-4E66-8FBC-65CEBAF7F166}"/>
+                  <a16:creationId xmlns="" xmlns:a16="http://schemas.microsoft.com/office/drawing/2014/main" id="{A399A5BC-E771-4E66-8FBC-65CEBAF7F166}"/>
                 </a:ext>
               </a:extLst>
             </p:cNvPr>
@@ -19709,7 +20857,7 @@
             <p:cNvPr id="11" name="TextBox 10">
               <a:extLst>
                 <a:ext uri="{FF2B5EF4-FFF2-40B4-BE49-F238E27FC236}">
-                  <a16:creationId xmlns:a16="http://schemas.microsoft.com/office/drawing/2014/main" xmlns="" id="{24EDC511-6A00-4796-89B7-CDE8BAE05D5E}"/>
+                  <a16:creationId xmlns="" xmlns:a16="http://schemas.microsoft.com/office/drawing/2014/main" id="{24EDC511-6A00-4796-89B7-CDE8BAE05D5E}"/>
                 </a:ext>
               </a:extLst>
             </p:cNvPr>
@@ -19841,7 +20989,7 @@
             <p:cNvPr id="12" name="TextBox 11">
               <a:extLst>
                 <a:ext uri="{FF2B5EF4-FFF2-40B4-BE49-F238E27FC236}">
-                  <a16:creationId xmlns:a16="http://schemas.microsoft.com/office/drawing/2014/main" xmlns="" id="{590628BA-B3C6-4017-A524-60BCEEE1D9D1}"/>
+                  <a16:creationId xmlns="" xmlns:a16="http://schemas.microsoft.com/office/drawing/2014/main" id="{590628BA-B3C6-4017-A524-60BCEEE1D9D1}"/>
                 </a:ext>
               </a:extLst>
             </p:cNvPr>
@@ -19976,7 +21124,7 @@
             <p:cNvPr id="13" name="TextBox 12">
               <a:extLst>
                 <a:ext uri="{FF2B5EF4-FFF2-40B4-BE49-F238E27FC236}">
-                  <a16:creationId xmlns:a16="http://schemas.microsoft.com/office/drawing/2014/main" xmlns="" id="{9554B4D3-59D5-4CFE-A17D-8DA77BCADC34}"/>
+                  <a16:creationId xmlns="" xmlns:a16="http://schemas.microsoft.com/office/drawing/2014/main" id="{9554B4D3-59D5-4CFE-A17D-8DA77BCADC34}"/>
                 </a:ext>
               </a:extLst>
             </p:cNvPr>
@@ -20108,7 +21256,7 @@
             <p:cNvPr id="14" name="TextBox 13">
               <a:extLst>
                 <a:ext uri="{FF2B5EF4-FFF2-40B4-BE49-F238E27FC236}">
-                  <a16:creationId xmlns:a16="http://schemas.microsoft.com/office/drawing/2014/main" xmlns="" id="{6F9955D0-FDA7-4118-9228-23E24A1ADE25}"/>
+                  <a16:creationId xmlns="" xmlns:a16="http://schemas.microsoft.com/office/drawing/2014/main" id="{6F9955D0-FDA7-4118-9228-23E24A1ADE25}"/>
                 </a:ext>
               </a:extLst>
             </p:cNvPr>
@@ -20240,7 +21388,7 @@
             <p:cNvPr id="15" name="TextBox 14">
               <a:extLst>
                 <a:ext uri="{FF2B5EF4-FFF2-40B4-BE49-F238E27FC236}">
-                  <a16:creationId xmlns:a16="http://schemas.microsoft.com/office/drawing/2014/main" xmlns="" id="{E5F643F4-F79C-4586-91D6-9C081A6B50BF}"/>
+                  <a16:creationId xmlns="" xmlns:a16="http://schemas.microsoft.com/office/drawing/2014/main" id="{E5F643F4-F79C-4586-91D6-9C081A6B50BF}"/>
                 </a:ext>
               </a:extLst>
             </p:cNvPr>
@@ -20380,7 +21528,7 @@
             <p:cNvPr id="16" name="TextBox 15">
               <a:extLst>
                 <a:ext uri="{FF2B5EF4-FFF2-40B4-BE49-F238E27FC236}">
-                  <a16:creationId xmlns:a16="http://schemas.microsoft.com/office/drawing/2014/main" xmlns="" id="{C1793320-0D84-4A77-B324-132D16374A53}"/>
+                  <a16:creationId xmlns="" xmlns:a16="http://schemas.microsoft.com/office/drawing/2014/main" id="{C1793320-0D84-4A77-B324-132D16374A53}"/>
                 </a:ext>
               </a:extLst>
             </p:cNvPr>
@@ -20512,7 +21660,7 @@
             <p:cNvPr id="17" name="TextBox 16">
               <a:extLst>
                 <a:ext uri="{FF2B5EF4-FFF2-40B4-BE49-F238E27FC236}">
-                  <a16:creationId xmlns:a16="http://schemas.microsoft.com/office/drawing/2014/main" xmlns="" id="{C2451723-1045-4144-9EF1-389E3458758B}"/>
+                  <a16:creationId xmlns="" xmlns:a16="http://schemas.microsoft.com/office/drawing/2014/main" id="{C2451723-1045-4144-9EF1-389E3458758B}"/>
                 </a:ext>
               </a:extLst>
             </p:cNvPr>
@@ -20644,7 +21792,7 @@
             <p:cNvPr id="18" name="TextBox 17">
               <a:extLst>
                 <a:ext uri="{FF2B5EF4-FFF2-40B4-BE49-F238E27FC236}">
-                  <a16:creationId xmlns:a16="http://schemas.microsoft.com/office/drawing/2014/main" xmlns="" id="{9155A270-6943-4982-A550-0744DD36565C}"/>
+                  <a16:creationId xmlns="" xmlns:a16="http://schemas.microsoft.com/office/drawing/2014/main" id="{9155A270-6943-4982-A550-0744DD36565C}"/>
                 </a:ext>
               </a:extLst>
             </p:cNvPr>
@@ -20776,7 +21924,7 @@
             <p:cNvPr id="19" name="TextBox 18">
               <a:extLst>
                 <a:ext uri="{FF2B5EF4-FFF2-40B4-BE49-F238E27FC236}">
-                  <a16:creationId xmlns:a16="http://schemas.microsoft.com/office/drawing/2014/main" xmlns="" id="{94808BDB-4339-43F4-8E44-AFAB94505375}"/>
+                  <a16:creationId xmlns="" xmlns:a16="http://schemas.microsoft.com/office/drawing/2014/main" id="{94808BDB-4339-43F4-8E44-AFAB94505375}"/>
                 </a:ext>
               </a:extLst>
             </p:cNvPr>
@@ -20911,7 +22059,7 @@
             <p:cNvPr id="20" name="TextBox 19">
               <a:extLst>
                 <a:ext uri="{FF2B5EF4-FFF2-40B4-BE49-F238E27FC236}">
-                  <a16:creationId xmlns:a16="http://schemas.microsoft.com/office/drawing/2014/main" xmlns="" id="{099FA6AD-F8A5-4B85-96BE-5B28553AB84E}"/>
+                  <a16:creationId xmlns="" xmlns:a16="http://schemas.microsoft.com/office/drawing/2014/main" id="{099FA6AD-F8A5-4B85-96BE-5B28553AB84E}"/>
                 </a:ext>
               </a:extLst>
             </p:cNvPr>
@@ -21043,7 +22191,7 @@
             <p:cNvPr id="21" name="TextBox 20">
               <a:extLst>
                 <a:ext uri="{FF2B5EF4-FFF2-40B4-BE49-F238E27FC236}">
-                  <a16:creationId xmlns:a16="http://schemas.microsoft.com/office/drawing/2014/main" xmlns="" id="{379051B7-86F8-4E31-AC18-780D201FBE97}"/>
+                  <a16:creationId xmlns="" xmlns:a16="http://schemas.microsoft.com/office/drawing/2014/main" id="{379051B7-86F8-4E31-AC18-780D201FBE97}"/>
                 </a:ext>
               </a:extLst>
             </p:cNvPr>
@@ -21175,7 +22323,7 @@
             <p:cNvPr id="22" name="TextBox 21">
               <a:extLst>
                 <a:ext uri="{FF2B5EF4-FFF2-40B4-BE49-F238E27FC236}">
-                  <a16:creationId xmlns:a16="http://schemas.microsoft.com/office/drawing/2014/main" xmlns="" id="{56FB5132-AD84-44B0-91EC-2986ACFD919F}"/>
+                  <a16:creationId xmlns="" xmlns:a16="http://schemas.microsoft.com/office/drawing/2014/main" id="{56FB5132-AD84-44B0-91EC-2986ACFD919F}"/>
                 </a:ext>
               </a:extLst>
             </p:cNvPr>
@@ -21307,7 +22455,7 @@
             <p:cNvPr id="23" name="TextBox 22">
               <a:extLst>
                 <a:ext uri="{FF2B5EF4-FFF2-40B4-BE49-F238E27FC236}">
-                  <a16:creationId xmlns:a16="http://schemas.microsoft.com/office/drawing/2014/main" xmlns="" id="{348ADB65-7529-4A28-8A88-FCD49EF22801}"/>
+                  <a16:creationId xmlns="" xmlns:a16="http://schemas.microsoft.com/office/drawing/2014/main" id="{348ADB65-7529-4A28-8A88-FCD49EF22801}"/>
                 </a:ext>
               </a:extLst>
             </p:cNvPr>
@@ -21447,7 +22595,7 @@
             <p:cNvPr id="24" name="TextBox 23">
               <a:extLst>
                 <a:ext uri="{FF2B5EF4-FFF2-40B4-BE49-F238E27FC236}">
-                  <a16:creationId xmlns:a16="http://schemas.microsoft.com/office/drawing/2014/main" xmlns="" id="{DE8CE8C2-41D9-4243-B8CF-3DB5F2DAE6B1}"/>
+                  <a16:creationId xmlns="" xmlns:a16="http://schemas.microsoft.com/office/drawing/2014/main" id="{DE8CE8C2-41D9-4243-B8CF-3DB5F2DAE6B1}"/>
                 </a:ext>
               </a:extLst>
             </p:cNvPr>
@@ -21579,7 +22727,7 @@
             <p:cNvPr id="25" name="TextBox 24">
               <a:extLst>
                 <a:ext uri="{FF2B5EF4-FFF2-40B4-BE49-F238E27FC236}">
-                  <a16:creationId xmlns:a16="http://schemas.microsoft.com/office/drawing/2014/main" xmlns="" id="{93BC9573-8A40-4AC7-B481-060B12AE49A3}"/>
+                  <a16:creationId xmlns="" xmlns:a16="http://schemas.microsoft.com/office/drawing/2014/main" id="{93BC9573-8A40-4AC7-B481-060B12AE49A3}"/>
                 </a:ext>
               </a:extLst>
             </p:cNvPr>
@@ -21715,7 +22863,7 @@
             <p:cNvPr id="26" name="TextBox 25">
               <a:extLst>
                 <a:ext uri="{FF2B5EF4-FFF2-40B4-BE49-F238E27FC236}">
-                  <a16:creationId xmlns:a16="http://schemas.microsoft.com/office/drawing/2014/main" xmlns="" id="{ABD3D452-D5EB-4427-8ADD-2B08192B39B8}"/>
+                  <a16:creationId xmlns="" xmlns:a16="http://schemas.microsoft.com/office/drawing/2014/main" id="{ABD3D452-D5EB-4427-8ADD-2B08192B39B8}"/>
                 </a:ext>
               </a:extLst>
             </p:cNvPr>
@@ -21847,7 +22995,7 @@
             <p:cNvPr id="27" name="TextBox 26">
               <a:extLst>
                 <a:ext uri="{FF2B5EF4-FFF2-40B4-BE49-F238E27FC236}">
-                  <a16:creationId xmlns:a16="http://schemas.microsoft.com/office/drawing/2014/main" xmlns="" id="{712BB3C4-3293-421D-B40A-74A5F0D96C15}"/>
+                  <a16:creationId xmlns="" xmlns:a16="http://schemas.microsoft.com/office/drawing/2014/main" id="{712BB3C4-3293-421D-B40A-74A5F0D96C15}"/>
                 </a:ext>
               </a:extLst>
             </p:cNvPr>
@@ -21982,7 +23130,7 @@
             <p:cNvPr id="28" name="TextBox 27">
               <a:extLst>
                 <a:ext uri="{FF2B5EF4-FFF2-40B4-BE49-F238E27FC236}">
-                  <a16:creationId xmlns:a16="http://schemas.microsoft.com/office/drawing/2014/main" xmlns="" id="{6BF5AD55-1EBC-4CBD-B488-B32268D222E0}"/>
+                  <a16:creationId xmlns="" xmlns:a16="http://schemas.microsoft.com/office/drawing/2014/main" id="{6BF5AD55-1EBC-4CBD-B488-B32268D222E0}"/>
                 </a:ext>
               </a:extLst>
             </p:cNvPr>
@@ -22114,7 +23262,7 @@
             <p:cNvPr id="29" name="TextBox 28">
               <a:extLst>
                 <a:ext uri="{FF2B5EF4-FFF2-40B4-BE49-F238E27FC236}">
-                  <a16:creationId xmlns:a16="http://schemas.microsoft.com/office/drawing/2014/main" xmlns="" id="{FB75E8F1-EFD4-46ED-BCA4-960E3688E8CC}"/>
+                  <a16:creationId xmlns="" xmlns:a16="http://schemas.microsoft.com/office/drawing/2014/main" id="{FB75E8F1-EFD4-46ED-BCA4-960E3688E8CC}"/>
                 </a:ext>
               </a:extLst>
             </p:cNvPr>
@@ -22245,12 +23393,86 @@
           </p:txBody>
         </p:sp>
       </p:grpSp>
+      <p:sp>
+        <p:nvSpPr>
+          <p:cNvPr id="30" name="Rectangle 29"/>
+          <p:cNvSpPr/>
+          <p:nvPr/>
+        </p:nvSpPr>
+        <p:spPr>
+          <a:xfrm>
+            <a:off x="1114167" y="610383"/>
+            <a:ext cx="3912802" cy="923330"/>
+          </a:xfrm>
+          <a:prstGeom prst="rect">
+            <a:avLst/>
+          </a:prstGeom>
+          <a:noFill/>
+        </p:spPr>
+        <p:txBody>
+          <a:bodyPr wrap="none" lIns="91440" tIns="45720" rIns="91440" bIns="45720" anchor="t">
+            <a:spAutoFit/>
+          </a:bodyPr>
+          <a:lstStyle/>
+          <a:p>
+            <a:pPr algn="ctr"/>
+            <a:r>
+              <a:rPr lang="en-US" sz="5400" b="0" cap="none" spc="0" dirty="0">
+                <a:ln w="0"/>
+                <a:solidFill>
+                  <a:schemeClr val="accent1"/>
+                </a:solidFill>
+                <a:effectLst>
+                  <a:outerShdw blurRad="38100" dist="25400" dir="5400000" algn="ctr" rotWithShape="0">
+                    <a:srgbClr val="6E747A">
+                      <a:alpha val="43000"/>
+                    </a:srgbClr>
+                  </a:outerShdw>
+                </a:effectLst>
+              </a:rPr>
+              <a:t>XGB Tree </a:t>
+            </a:r>
+            <a:r>
+              <a:rPr lang="en-US" sz="5400" dirty="0">
+                <a:ln w="0"/>
+                <a:solidFill>
+                  <a:schemeClr val="accent1"/>
+                </a:solidFill>
+                <a:effectLst>
+                  <a:outerShdw blurRad="38100" dist="25400" dir="5400000" algn="ctr" rotWithShape="0">
+                    <a:srgbClr val="6E747A">
+                      <a:alpha val="43000"/>
+                    </a:srgbClr>
+                  </a:outerShdw>
+                </a:effectLst>
+              </a:rPr>
+              <a:t>#</a:t>
+            </a:r>
+            <a:r>
+              <a:rPr lang="en-US" sz="5400" b="0" cap="none" spc="0" dirty="0">
+                <a:ln w="0"/>
+                <a:solidFill>
+                  <a:schemeClr val="accent1"/>
+                </a:solidFill>
+                <a:effectLst>
+                  <a:outerShdw blurRad="38100" dist="25400" dir="5400000" algn="ctr" rotWithShape="0">
+                    <a:srgbClr val="6E747A">
+                      <a:alpha val="43000"/>
+                    </a:srgbClr>
+                  </a:outerShdw>
+                </a:effectLst>
+              </a:rPr>
+              <a:t>1</a:t>
+            </a:r>
+          </a:p>
+        </p:txBody>
+      </p:sp>
       <p:grpSp>
         <p:nvGrpSpPr>
-          <p:cNvPr id="689" name="Group 688">
+          <p:cNvPr id="42" name="Group 41">
             <a:extLst>
               <a:ext uri="{FF2B5EF4-FFF2-40B4-BE49-F238E27FC236}">
-                <a16:creationId xmlns:a16="http://schemas.microsoft.com/office/drawing/2014/main" xmlns="" id="{CD270D21-98DC-4D54-8839-2306BE20DCFD}"/>
+                <a16:creationId xmlns="" xmlns:a16="http://schemas.microsoft.com/office/drawing/2014/main" id="{CD270D21-98DC-4D54-8839-2306BE20DCFD}"/>
               </a:ext>
             </a:extLst>
           </p:cNvPr>
@@ -22259,18 +23481,18 @@
         </p:nvGrpSpPr>
         <p:grpSpPr>
           <a:xfrm>
-            <a:off x="5970900" y="9383"/>
-            <a:ext cx="6209729" cy="830238"/>
+            <a:off x="7810500" y="9383"/>
+            <a:ext cx="4370129" cy="634084"/>
             <a:chOff x="1893489" y="352425"/>
             <a:chExt cx="6209729" cy="830238"/>
           </a:xfrm>
         </p:grpSpPr>
         <p:grpSp>
           <p:nvGrpSpPr>
-            <p:cNvPr id="282" name="Group 281">
+            <p:cNvPr id="43" name="Group 42">
               <a:extLst>
                 <a:ext uri="{FF2B5EF4-FFF2-40B4-BE49-F238E27FC236}">
-                  <a16:creationId xmlns:a16="http://schemas.microsoft.com/office/drawing/2014/main" xmlns="" id="{6289DE3F-D75B-4A2A-BCD3-417A1671AF41}"/>
+                  <a16:creationId xmlns="" xmlns:a16="http://schemas.microsoft.com/office/drawing/2014/main" id="{6289DE3F-D75B-4A2A-BCD3-417A1671AF41}"/>
                 </a:ext>
               </a:extLst>
             </p:cNvPr>
@@ -22287,10 +23509,10 @@
           </p:grpSpPr>
           <p:sp>
             <p:nvSpPr>
-              <p:cNvPr id="274" name="Rectangle 273">
+              <p:cNvPr id="45" name="Rectangle 44">
                 <a:extLst>
                   <a:ext uri="{FF2B5EF4-FFF2-40B4-BE49-F238E27FC236}">
-                    <a16:creationId xmlns:a16="http://schemas.microsoft.com/office/drawing/2014/main" xmlns="" id="{463AA49E-8ACE-4CD3-AC55-02445B498BEC}"/>
+                    <a16:creationId xmlns="" xmlns:a16="http://schemas.microsoft.com/office/drawing/2014/main" id="{463AA49E-8ACE-4CD3-AC55-02445B498BEC}"/>
                   </a:ext>
                 </a:extLst>
               </p:cNvPr>
@@ -22338,11 +23560,11 @@
           </p:sp>
           <p:pic>
             <p:nvPicPr>
-              <p:cNvPr id="275" name="Graphic 37" descr="Speaker phone">
+              <p:cNvPr id="46" name="Graphic 37" descr="Speaker phone">
                 <a:hlinkClick r:id="rId7" action="ppaction://hlinksldjump"/>
                 <a:extLst>
                   <a:ext uri="{FF2B5EF4-FFF2-40B4-BE49-F238E27FC236}">
-                    <a16:creationId xmlns:a16="http://schemas.microsoft.com/office/drawing/2014/main" xmlns="" id="{18379407-8637-41CC-8445-47C27D32EF28}"/>
+                    <a16:creationId xmlns="" xmlns:a16="http://schemas.microsoft.com/office/drawing/2014/main" id="{18379407-8637-41CC-8445-47C27D32EF28}"/>
                   </a:ext>
                 </a:extLst>
               </p:cNvPr>
@@ -22355,7 +23577,7 @@
               <a:blip r:embed="rId8">
                 <a:extLst>
                   <a:ext uri="{96DAC541-7B7A-43D3-8B79-37D633B846F1}">
-                    <asvg:svgBlip xmlns:asvg="http://schemas.microsoft.com/office/drawing/2016/SVG/main" xmlns="" r:embed="rId9"/>
+                    <asvg:svgBlip xmlns="" xmlns:asvg="http://schemas.microsoft.com/office/drawing/2016/SVG/main" r:embed="rId9"/>
                   </a:ext>
                 </a:extLst>
               </a:blip>
@@ -22375,11 +23597,11 @@
           </p:pic>
           <p:sp>
             <p:nvSpPr>
-              <p:cNvPr id="276" name="Octagon 275">
+              <p:cNvPr id="47" name="Octagon 46">
                 <a:hlinkClick r:id="rId10" action="ppaction://hlinksldjump"/>
                 <a:extLst>
                   <a:ext uri="{FF2B5EF4-FFF2-40B4-BE49-F238E27FC236}">
-                    <a16:creationId xmlns:a16="http://schemas.microsoft.com/office/drawing/2014/main" xmlns="" id="{8C7E2EE0-450A-4CD2-A454-585F88398950}"/>
+                    <a16:creationId xmlns="" xmlns:a16="http://schemas.microsoft.com/office/drawing/2014/main" id="{8C7E2EE0-450A-4CD2-A454-585F88398950}"/>
                   </a:ext>
                 </a:extLst>
               </p:cNvPr>
@@ -22422,11 +23644,11 @@
           </p:sp>
           <p:sp>
             <p:nvSpPr>
-              <p:cNvPr id="277" name="Thought Bubble: Cloud 276">
+              <p:cNvPr id="48" name="Thought Bubble: Cloud 276">
                 <a:hlinkClick r:id="rId11" action="ppaction://hlinksldjump"/>
                 <a:extLst>
                   <a:ext uri="{FF2B5EF4-FFF2-40B4-BE49-F238E27FC236}">
-                    <a16:creationId xmlns:a16="http://schemas.microsoft.com/office/drawing/2014/main" xmlns="" id="{3C594EA9-0A23-4322-85C3-18C4275DC648}"/>
+                    <a16:creationId xmlns="" xmlns:a16="http://schemas.microsoft.com/office/drawing/2014/main" id="{3C594EA9-0A23-4322-85C3-18C4275DC648}"/>
                   </a:ext>
                 </a:extLst>
               </p:cNvPr>
@@ -22469,11 +23691,11 @@
           </p:sp>
           <p:sp>
             <p:nvSpPr>
-              <p:cNvPr id="278" name="Right Triangle 277">
+              <p:cNvPr id="49" name="Right Triangle 48">
                 <a:hlinkClick r:id="rId12" action="ppaction://hlinksldjump"/>
                 <a:extLst>
                   <a:ext uri="{FF2B5EF4-FFF2-40B4-BE49-F238E27FC236}">
-                    <a16:creationId xmlns:a16="http://schemas.microsoft.com/office/drawing/2014/main" xmlns="" id="{4CE83B33-586A-441D-8C32-40B816FB41D1}"/>
+                    <a16:creationId xmlns="" xmlns:a16="http://schemas.microsoft.com/office/drawing/2014/main" id="{4CE83B33-586A-441D-8C32-40B816FB41D1}"/>
                   </a:ext>
                 </a:extLst>
               </p:cNvPr>
@@ -22516,11 +23738,11 @@
           </p:sp>
           <p:pic>
             <p:nvPicPr>
-              <p:cNvPr id="279" name="Graphic 35" descr="Call center">
+              <p:cNvPr id="50" name="Graphic 35" descr="Call center">
                 <a:hlinkClick r:id="rId13" action="ppaction://hlinksldjump"/>
                 <a:extLst>
                   <a:ext uri="{FF2B5EF4-FFF2-40B4-BE49-F238E27FC236}">
-                    <a16:creationId xmlns:a16="http://schemas.microsoft.com/office/drawing/2014/main" xmlns="" id="{891639DF-E77C-4F33-A818-22AC376FEB35}"/>
+                    <a16:creationId xmlns="" xmlns:a16="http://schemas.microsoft.com/office/drawing/2014/main" id="{891639DF-E77C-4F33-A818-22AC376FEB35}"/>
                   </a:ext>
                 </a:extLst>
               </p:cNvPr>
@@ -22533,7 +23755,7 @@
               <a:blip r:embed="rId14">
                 <a:extLst>
                   <a:ext uri="{96DAC541-7B7A-43D3-8B79-37D633B846F1}">
-                    <asvg:svgBlip xmlns:asvg="http://schemas.microsoft.com/office/drawing/2016/SVG/main" xmlns="" r:embed="rId15"/>
+                    <asvg:svgBlip xmlns="" xmlns:asvg="http://schemas.microsoft.com/office/drawing/2016/SVG/main" r:embed="rId15"/>
                   </a:ext>
                 </a:extLst>
               </a:blip>
@@ -22553,11 +23775,11 @@
           </p:pic>
           <p:sp>
             <p:nvSpPr>
-              <p:cNvPr id="280" name="Callout: Down Arrow 279">
+              <p:cNvPr id="51" name="Callout: Down Arrow 279">
                 <a:hlinkClick r:id="rId16" action="ppaction://hlinksldjump"/>
                 <a:extLst>
                   <a:ext uri="{FF2B5EF4-FFF2-40B4-BE49-F238E27FC236}">
-                    <a16:creationId xmlns:a16="http://schemas.microsoft.com/office/drawing/2014/main" xmlns="" id="{22866FE5-27F4-4177-80F3-5A95D8E3F151}"/>
+                    <a16:creationId xmlns="" xmlns:a16="http://schemas.microsoft.com/office/drawing/2014/main" id="{22866FE5-27F4-4177-80F3-5A95D8E3F151}"/>
                   </a:ext>
                 </a:extLst>
               </p:cNvPr>
@@ -22600,11 +23822,11 @@
           </p:sp>
           <p:sp>
             <p:nvSpPr>
-              <p:cNvPr id="281" name="Arrow: Right 280">
+              <p:cNvPr id="52" name="Arrow: Right 280">
                 <a:hlinkClick r:id="rId17" action="ppaction://hlinksldjump"/>
                 <a:extLst>
                   <a:ext uri="{FF2B5EF4-FFF2-40B4-BE49-F238E27FC236}">
-                    <a16:creationId xmlns:a16="http://schemas.microsoft.com/office/drawing/2014/main" xmlns="" id="{75A48992-326C-4B19-9BE7-BCEE5779326E}"/>
+                    <a16:creationId xmlns="" xmlns:a16="http://schemas.microsoft.com/office/drawing/2014/main" id="{75A48992-326C-4B19-9BE7-BCEE5779326E}"/>
                   </a:ext>
                 </a:extLst>
               </p:cNvPr>
@@ -22648,11 +23870,11 @@
         </p:grpSp>
         <p:sp>
           <p:nvSpPr>
-            <p:cNvPr id="526" name="Speech Bubble: Oval 525">
+            <p:cNvPr id="44" name="Speech Bubble: Oval 525">
               <a:hlinkClick r:id="rId18" action="ppaction://hlinksldjump"/>
               <a:extLst>
                 <a:ext uri="{FF2B5EF4-FFF2-40B4-BE49-F238E27FC236}">
-                  <a16:creationId xmlns:a16="http://schemas.microsoft.com/office/drawing/2014/main" xmlns="" id="{CE066BAE-3EE3-471B-9827-8CB64E58A365}"/>
+                  <a16:creationId xmlns="" xmlns:a16="http://schemas.microsoft.com/office/drawing/2014/main" id="{CE066BAE-3EE3-471B-9827-8CB64E58A365}"/>
                 </a:ext>
               </a:extLst>
             </p:cNvPr>
@@ -22694,48 +23916,6 @@
           </p:txBody>
         </p:sp>
       </p:grpSp>
-      <p:sp>
-        <p:nvSpPr>
-          <p:cNvPr id="30" name="Rectangle 29"/>
-          <p:cNvSpPr/>
-          <p:nvPr/>
-        </p:nvSpPr>
-        <p:spPr>
-          <a:xfrm>
-            <a:off x="1296108" y="610383"/>
-            <a:ext cx="3548920" cy="923330"/>
-          </a:xfrm>
-          <a:prstGeom prst="rect">
-            <a:avLst/>
-          </a:prstGeom>
-          <a:noFill/>
-        </p:spPr>
-        <p:txBody>
-          <a:bodyPr wrap="none" lIns="91440" tIns="45720" rIns="91440" bIns="45720">
-            <a:spAutoFit/>
-          </a:bodyPr>
-          <a:lstStyle/>
-          <a:p>
-            <a:pPr algn="ctr"/>
-            <a:r>
-              <a:rPr lang="en-US" sz="5400" b="0" cap="none" spc="0" dirty="0">
-                <a:ln w="0"/>
-                <a:solidFill>
-                  <a:schemeClr val="accent1"/>
-                </a:solidFill>
-                <a:effectLst>
-                  <a:outerShdw blurRad="38100" dist="25400" dir="5400000" algn="ctr" rotWithShape="0">
-                    <a:srgbClr val="6E747A">
-                      <a:alpha val="43000"/>
-                    </a:srgbClr>
-                  </a:outerShdw>
-                </a:effectLst>
-              </a:rPr>
-              <a:t>XGB Tree 1</a:t>
-            </a:r>
-          </a:p>
-        </p:txBody>
-      </p:sp>
     </p:spTree>
     <p:extLst>
       <p:ext uri="{BB962C8B-B14F-4D97-AF65-F5344CB8AC3E}">
@@ -22746,6 +23926,13 @@
   <p:clrMapOvr>
     <a:masterClrMapping/>
   </p:clrMapOvr>
+  <p:timing>
+    <p:tnLst>
+      <p:par>
+        <p:cTn id="1" dur="indefinite" restart="never" nodeType="tmRoot"/>
+      </p:par>
+    </p:tnLst>
+  </p:timing>
 </p:sld>
 </file>
 
@@ -22779,10 +23966,10 @@
           <p:cNvPr id="28" name="Rectangle 6">
             <a:extLst>
               <a:ext uri="{FF2B5EF4-FFF2-40B4-BE49-F238E27FC236}">
-                <a16:creationId xmlns:a16="http://schemas.microsoft.com/office/drawing/2014/main" xmlns="" id="{03E8462A-FEBA-4848-81CC-3F8DA3E477BE}"/>
+                <a16:creationId xmlns="" xmlns:a16="http://schemas.microsoft.com/office/drawing/2014/main" id="{03E8462A-FEBA-4848-81CC-3F8DA3E477BE}"/>
               </a:ext>
               <a:ext uri="{C183D7F6-B498-43B3-948B-1728B52AA6E4}">
-                <adec:decorative xmlns:adec="http://schemas.microsoft.com/office/drawing/2017/decorative" xmlns="" val="1"/>
+                <adec:decorative xmlns="" xmlns:adec="http://schemas.microsoft.com/office/drawing/2017/decorative" val="1"/>
               </a:ext>
             </a:extLst>
           </p:cNvPr>
@@ -22792,7 +23979,7 @@
           <p:nvPr>
             <p:extLst>
               <p:ext uri="{386F3935-93C4-4BCD-93E2-E3B085C9AB24}">
-                <p16:designElem xmlns:p16="http://schemas.microsoft.com/office/powerpoint/2015/main" xmlns="" val="1"/>
+                <p16:designElem xmlns="" xmlns:p16="http://schemas.microsoft.com/office/powerpoint/2015/main" val="1"/>
               </p:ext>
             </p:extLst>
           </p:nvPr>
@@ -22842,10 +24029,10 @@
           <p:cNvPr id="29" name="Group 8">
             <a:extLst>
               <a:ext uri="{FF2B5EF4-FFF2-40B4-BE49-F238E27FC236}">
-                <a16:creationId xmlns:a16="http://schemas.microsoft.com/office/drawing/2014/main" xmlns="" id="{2109F83F-40FE-4DB3-84CC-09FB3340D06D}"/>
+                <a16:creationId xmlns="" xmlns:a16="http://schemas.microsoft.com/office/drawing/2014/main" id="{2109F83F-40FE-4DB3-84CC-09FB3340D06D}"/>
               </a:ext>
               <a:ext uri="{C183D7F6-B498-43B3-948B-1728B52AA6E4}">
-                <adec:decorative xmlns:adec="http://schemas.microsoft.com/office/drawing/2017/decorative" xmlns="" val="1"/>
+                <adec:decorative xmlns="" xmlns:adec="http://schemas.microsoft.com/office/drawing/2017/decorative" val="1"/>
               </a:ext>
             </a:extLst>
           </p:cNvPr>
@@ -22855,7 +24042,7 @@
           <p:nvPr>
             <p:extLst>
               <p:ext uri="{386F3935-93C4-4BCD-93E2-E3B085C9AB24}">
-                <p16:designElem xmlns:p16="http://schemas.microsoft.com/office/powerpoint/2015/main" xmlns="" val="1"/>
+                <p16:designElem xmlns="" xmlns:p16="http://schemas.microsoft.com/office/powerpoint/2015/main" val="1"/>
               </p:ext>
             </p:extLst>
           </p:nvPr>
@@ -22873,10 +24060,10 @@
             <p:cNvPr id="10" name="Straight Connector 9">
               <a:extLst>
                 <a:ext uri="{FF2B5EF4-FFF2-40B4-BE49-F238E27FC236}">
-                  <a16:creationId xmlns:a16="http://schemas.microsoft.com/office/drawing/2014/main" xmlns="" id="{1DE492D7-C3C3-48FF-80C8-37021EA0262F}"/>
+                  <a16:creationId xmlns="" xmlns:a16="http://schemas.microsoft.com/office/drawing/2014/main" id="{1DE492D7-C3C3-48FF-80C8-37021EA0262F}"/>
                 </a:ext>
                 <a:ext uri="{C183D7F6-B498-43B3-948B-1728B52AA6E4}">
-                  <adec:decorative xmlns:adec="http://schemas.microsoft.com/office/drawing/2017/decorative" xmlns="" val="1"/>
+                  <adec:decorative xmlns="" xmlns:adec="http://schemas.microsoft.com/office/drawing/2017/decorative" val="1"/>
                 </a:ext>
               </a:extLst>
             </p:cNvPr>
@@ -22884,7 +24071,7 @@
             <p:nvPr>
               <p:extLst>
                 <p:ext uri="{386F3935-93C4-4BCD-93E2-E3B085C9AB24}">
-                  <p16:designElem xmlns:p16="http://schemas.microsoft.com/office/powerpoint/2015/main" xmlns="" val="1"/>
+                  <p16:designElem xmlns="" xmlns:p16="http://schemas.microsoft.com/office/powerpoint/2015/main" val="1"/>
                 </p:ext>
               </p:extLst>
             </p:nvPr>
@@ -22925,10 +24112,10 @@
             <p:cNvPr id="11" name="Rectangle 23">
               <a:extLst>
                 <a:ext uri="{FF2B5EF4-FFF2-40B4-BE49-F238E27FC236}">
-                  <a16:creationId xmlns:a16="http://schemas.microsoft.com/office/drawing/2014/main" xmlns="" id="{0B30FF97-2E9A-490A-AED2-90BA2E0EC17F}"/>
+                  <a16:creationId xmlns="" xmlns:a16="http://schemas.microsoft.com/office/drawing/2014/main" id="{0B30FF97-2E9A-490A-AED2-90BA2E0EC17F}"/>
                 </a:ext>
                 <a:ext uri="{C183D7F6-B498-43B3-948B-1728B52AA6E4}">
-                  <adec:decorative xmlns:adec="http://schemas.microsoft.com/office/drawing/2017/decorative" xmlns="" val="1"/>
+                  <adec:decorative xmlns="" xmlns:adec="http://schemas.microsoft.com/office/drawing/2017/decorative" val="1"/>
                 </a:ext>
               </a:extLst>
             </p:cNvPr>
@@ -22936,7 +24123,7 @@
             <p:nvPr>
               <p:extLst>
                 <p:ext uri="{386F3935-93C4-4BCD-93E2-E3B085C9AB24}">
-                  <p16:designElem xmlns:p16="http://schemas.microsoft.com/office/powerpoint/2015/main" xmlns="" val="1"/>
+                  <p16:designElem xmlns="" xmlns:p16="http://schemas.microsoft.com/office/powerpoint/2015/main" val="1"/>
                 </p:ext>
               </p:extLst>
             </p:nvPr>
@@ -23003,10 +24190,10 @@
             <p:cNvPr id="12" name="Rectangle 25">
               <a:extLst>
                 <a:ext uri="{FF2B5EF4-FFF2-40B4-BE49-F238E27FC236}">
-                  <a16:creationId xmlns:a16="http://schemas.microsoft.com/office/drawing/2014/main" xmlns="" id="{B6D53C7D-A312-47B6-A66A-230A19CFACA6}"/>
+                  <a16:creationId xmlns="" xmlns:a16="http://schemas.microsoft.com/office/drawing/2014/main" id="{B6D53C7D-A312-47B6-A66A-230A19CFACA6}"/>
                 </a:ext>
                 <a:ext uri="{C183D7F6-B498-43B3-948B-1728B52AA6E4}">
-                  <adec:decorative xmlns:adec="http://schemas.microsoft.com/office/drawing/2017/decorative" xmlns="" val="1"/>
+                  <adec:decorative xmlns="" xmlns:adec="http://schemas.microsoft.com/office/drawing/2017/decorative" val="1"/>
                 </a:ext>
               </a:extLst>
             </p:cNvPr>
@@ -23014,7 +24201,7 @@
             <p:nvPr>
               <p:extLst>
                 <p:ext uri="{386F3935-93C4-4BCD-93E2-E3B085C9AB24}">
-                  <p16:designElem xmlns:p16="http://schemas.microsoft.com/office/powerpoint/2015/main" xmlns="" val="1"/>
+                  <p16:designElem xmlns="" xmlns:p16="http://schemas.microsoft.com/office/powerpoint/2015/main" val="1"/>
                 </p:ext>
               </p:extLst>
             </p:nvPr>
@@ -23081,10 +24268,10 @@
             <p:cNvPr id="13" name="Isosceles Triangle 12">
               <a:extLst>
                 <a:ext uri="{FF2B5EF4-FFF2-40B4-BE49-F238E27FC236}">
-                  <a16:creationId xmlns:a16="http://schemas.microsoft.com/office/drawing/2014/main" xmlns="" id="{9329D58C-0D2E-4A2B-AD6A-9CEE506784A8}"/>
+                  <a16:creationId xmlns="" xmlns:a16="http://schemas.microsoft.com/office/drawing/2014/main" id="{9329D58C-0D2E-4A2B-AD6A-9CEE506784A8}"/>
                 </a:ext>
                 <a:ext uri="{C183D7F6-B498-43B3-948B-1728B52AA6E4}">
-                  <adec:decorative xmlns:adec="http://schemas.microsoft.com/office/drawing/2017/decorative" xmlns="" val="1"/>
+                  <adec:decorative xmlns="" xmlns:adec="http://schemas.microsoft.com/office/drawing/2017/decorative" val="1"/>
                 </a:ext>
               </a:extLst>
             </p:cNvPr>
@@ -23092,7 +24279,7 @@
             <p:nvPr>
               <p:extLst>
                 <p:ext uri="{386F3935-93C4-4BCD-93E2-E3B085C9AB24}">
-                  <p16:designElem xmlns:p16="http://schemas.microsoft.com/office/powerpoint/2015/main" xmlns="" val="1"/>
+                  <p16:designElem xmlns="" xmlns:p16="http://schemas.microsoft.com/office/powerpoint/2015/main" val="1"/>
                 </p:ext>
               </p:extLst>
             </p:nvPr>
@@ -23137,10 +24324,10 @@
             <p:cNvPr id="14" name="Rectangle 27">
               <a:extLst>
                 <a:ext uri="{FF2B5EF4-FFF2-40B4-BE49-F238E27FC236}">
-                  <a16:creationId xmlns:a16="http://schemas.microsoft.com/office/drawing/2014/main" xmlns="" id="{9D446EDE-C690-4461-8BF2-7634808FC8B4}"/>
+                  <a16:creationId xmlns="" xmlns:a16="http://schemas.microsoft.com/office/drawing/2014/main" id="{9D446EDE-C690-4461-8BF2-7634808FC8B4}"/>
                 </a:ext>
                 <a:ext uri="{C183D7F6-B498-43B3-948B-1728B52AA6E4}">
-                  <adec:decorative xmlns:adec="http://schemas.microsoft.com/office/drawing/2017/decorative" xmlns="" val="1"/>
+                  <adec:decorative xmlns="" xmlns:adec="http://schemas.microsoft.com/office/drawing/2017/decorative" val="1"/>
                 </a:ext>
               </a:extLst>
             </p:cNvPr>
@@ -23148,7 +24335,7 @@
             <p:nvPr>
               <p:extLst>
                 <p:ext uri="{386F3935-93C4-4BCD-93E2-E3B085C9AB24}">
-                  <p16:designElem xmlns:p16="http://schemas.microsoft.com/office/powerpoint/2015/main" xmlns="" val="1"/>
+                  <p16:designElem xmlns="" xmlns:p16="http://schemas.microsoft.com/office/powerpoint/2015/main" val="1"/>
                 </p:ext>
               </p:extLst>
             </p:nvPr>
@@ -23216,10 +24403,10 @@
             <p:cNvPr id="15" name="Rectangle 28">
               <a:extLst>
                 <a:ext uri="{FF2B5EF4-FFF2-40B4-BE49-F238E27FC236}">
-                  <a16:creationId xmlns:a16="http://schemas.microsoft.com/office/drawing/2014/main" xmlns="" id="{323F3D34-6531-4AD7-A8C6-195A090281A1}"/>
+                  <a16:creationId xmlns="" xmlns:a16="http://schemas.microsoft.com/office/drawing/2014/main" id="{323F3D34-6531-4AD7-A8C6-195A090281A1}"/>
                 </a:ext>
                 <a:ext uri="{C183D7F6-B498-43B3-948B-1728B52AA6E4}">
-                  <adec:decorative xmlns:adec="http://schemas.microsoft.com/office/drawing/2017/decorative" xmlns="" val="1"/>
+                  <adec:decorative xmlns="" xmlns:adec="http://schemas.microsoft.com/office/drawing/2017/decorative" val="1"/>
                 </a:ext>
               </a:extLst>
             </p:cNvPr>
@@ -23227,7 +24414,7 @@
             <p:nvPr>
               <p:extLst>
                 <p:ext uri="{386F3935-93C4-4BCD-93E2-E3B085C9AB24}">
-                  <p16:designElem xmlns:p16="http://schemas.microsoft.com/office/powerpoint/2015/main" xmlns="" val="1"/>
+                  <p16:designElem xmlns="" xmlns:p16="http://schemas.microsoft.com/office/powerpoint/2015/main" val="1"/>
                 </p:ext>
               </p:extLst>
             </p:nvPr>
@@ -23296,10 +24483,10 @@
             <p:cNvPr id="16" name="Rectangle 29">
               <a:extLst>
                 <a:ext uri="{FF2B5EF4-FFF2-40B4-BE49-F238E27FC236}">
-                  <a16:creationId xmlns:a16="http://schemas.microsoft.com/office/drawing/2014/main" xmlns="" id="{B9B0AE3F-2350-435F-A9B0-C310BF876385}"/>
+                  <a16:creationId xmlns="" xmlns:a16="http://schemas.microsoft.com/office/drawing/2014/main" id="{B9B0AE3F-2350-435F-A9B0-C310BF876385}"/>
                 </a:ext>
                 <a:ext uri="{C183D7F6-B498-43B3-948B-1728B52AA6E4}">
-                  <adec:decorative xmlns:adec="http://schemas.microsoft.com/office/drawing/2017/decorative" xmlns="" val="1"/>
+                  <adec:decorative xmlns="" xmlns:adec="http://schemas.microsoft.com/office/drawing/2017/decorative" val="1"/>
                 </a:ext>
               </a:extLst>
             </p:cNvPr>
@@ -23307,7 +24494,7 @@
             <p:nvPr>
               <p:extLst>
                 <p:ext uri="{386F3935-93C4-4BCD-93E2-E3B085C9AB24}">
-                  <p16:designElem xmlns:p16="http://schemas.microsoft.com/office/powerpoint/2015/main" xmlns="" val="1"/>
+                  <p16:designElem xmlns="" xmlns:p16="http://schemas.microsoft.com/office/powerpoint/2015/main" val="1"/>
                 </p:ext>
               </p:extLst>
             </p:nvPr>
@@ -23374,10 +24561,10 @@
             <p:cNvPr id="17" name="Isosceles Triangle 16">
               <a:extLst>
                 <a:ext uri="{FF2B5EF4-FFF2-40B4-BE49-F238E27FC236}">
-                  <a16:creationId xmlns:a16="http://schemas.microsoft.com/office/drawing/2014/main" xmlns="" id="{4EFA655C-9E50-4C14-A89E-AD7B648E4E2B}"/>
+                  <a16:creationId xmlns="" xmlns:a16="http://schemas.microsoft.com/office/drawing/2014/main" id="{4EFA655C-9E50-4C14-A89E-AD7B648E4E2B}"/>
                 </a:ext>
                 <a:ext uri="{C183D7F6-B498-43B3-948B-1728B52AA6E4}">
-                  <adec:decorative xmlns:adec="http://schemas.microsoft.com/office/drawing/2017/decorative" xmlns="" val="1"/>
+                  <adec:decorative xmlns="" xmlns:adec="http://schemas.microsoft.com/office/drawing/2017/decorative" val="1"/>
                 </a:ext>
               </a:extLst>
             </p:cNvPr>
@@ -23385,7 +24572,7 @@
             <p:nvPr>
               <p:extLst>
                 <p:ext uri="{386F3935-93C4-4BCD-93E2-E3B085C9AB24}">
-                  <p16:designElem xmlns:p16="http://schemas.microsoft.com/office/powerpoint/2015/main" xmlns="" val="1"/>
+                  <p16:designElem xmlns="" xmlns:p16="http://schemas.microsoft.com/office/powerpoint/2015/main" val="1"/>
                 </p:ext>
               </p:extLst>
             </p:nvPr>
@@ -23430,10 +24617,10 @@
             <p:cNvPr id="18" name="Isosceles Triangle 17">
               <a:extLst>
                 <a:ext uri="{FF2B5EF4-FFF2-40B4-BE49-F238E27FC236}">
-                  <a16:creationId xmlns:a16="http://schemas.microsoft.com/office/drawing/2014/main" xmlns="" id="{3E843863-7D25-4C01-9A17-E817CB6D998A}"/>
+                  <a16:creationId xmlns="" xmlns:a16="http://schemas.microsoft.com/office/drawing/2014/main" id="{3E843863-7D25-4C01-9A17-E817CB6D998A}"/>
                 </a:ext>
                 <a:ext uri="{C183D7F6-B498-43B3-948B-1728B52AA6E4}">
-                  <adec:decorative xmlns:adec="http://schemas.microsoft.com/office/drawing/2017/decorative" xmlns="" val="1"/>
+                  <adec:decorative xmlns="" xmlns:adec="http://schemas.microsoft.com/office/drawing/2017/decorative" val="1"/>
                 </a:ext>
               </a:extLst>
             </p:cNvPr>
@@ -23441,7 +24628,7 @@
             <p:nvPr>
               <p:extLst>
                 <p:ext uri="{386F3935-93C4-4BCD-93E2-E3B085C9AB24}">
-                  <p16:designElem xmlns:p16="http://schemas.microsoft.com/office/powerpoint/2015/main" xmlns="" val="1"/>
+                  <p16:designElem xmlns="" xmlns:p16="http://schemas.microsoft.com/office/powerpoint/2015/main" val="1"/>
                 </p:ext>
               </p:extLst>
             </p:nvPr>
@@ -23487,10 +24674,10 @@
           <p:cNvPr id="30" name="Rectangle 19">
             <a:extLst>
               <a:ext uri="{FF2B5EF4-FFF2-40B4-BE49-F238E27FC236}">
-                <a16:creationId xmlns:a16="http://schemas.microsoft.com/office/drawing/2014/main" xmlns="" id="{7941F9B1-B01B-4A84-89D9-B169AEB4E456}"/>
+                <a16:creationId xmlns="" xmlns:a16="http://schemas.microsoft.com/office/drawing/2014/main" id="{7941F9B1-B01B-4A84-89D9-B169AEB4E456}"/>
               </a:ext>
               <a:ext uri="{C183D7F6-B498-43B3-948B-1728B52AA6E4}">
-                <adec:decorative xmlns:adec="http://schemas.microsoft.com/office/drawing/2017/decorative" xmlns="" val="1"/>
+                <adec:decorative xmlns="" xmlns:adec="http://schemas.microsoft.com/office/drawing/2017/decorative" val="1"/>
               </a:ext>
             </a:extLst>
           </p:cNvPr>
@@ -23500,7 +24687,7 @@
           <p:nvPr>
             <p:extLst>
               <p:ext uri="{386F3935-93C4-4BCD-93E2-E3B085C9AB24}">
-                <p16:designElem xmlns:p16="http://schemas.microsoft.com/office/powerpoint/2015/main" xmlns="" val="1"/>
+                <p16:designElem xmlns="" xmlns:p16="http://schemas.microsoft.com/office/powerpoint/2015/main" val="1"/>
               </p:ext>
             </p:extLst>
           </p:nvPr>
@@ -23552,12 +24739,42 @@
           </a:p>
         </p:txBody>
       </p:sp>
+      <p:pic>
+        <p:nvPicPr>
+          <p:cNvPr id="5" name="Picture 5" descr="A screenshot of a cell phone&#10;&#10;Description automatically generated">
+            <a:extLst>
+              <a:ext uri="{FF2B5EF4-FFF2-40B4-BE49-F238E27FC236}">
+                <a16:creationId xmlns="" xmlns:a16="http://schemas.microsoft.com/office/drawing/2014/main" id="{FCDF15C7-E8AB-46A3-88B8-7E9112ED3712}"/>
+              </a:ext>
+            </a:extLst>
+          </p:cNvPr>
+          <p:cNvPicPr>
+            <a:picLocks noChangeAspect="1"/>
+          </p:cNvPicPr>
+          <p:nvPr/>
+        </p:nvPicPr>
+        <p:blipFill>
+          <a:blip r:embed="rId2"/>
+          <a:stretch>
+            <a:fillRect/>
+          </a:stretch>
+        </p:blipFill>
+        <p:spPr>
+          <a:xfrm>
+            <a:off x="868908" y="863851"/>
+            <a:ext cx="7337944" cy="5426003"/>
+          </a:xfrm>
+          <a:prstGeom prst="rect">
+            <a:avLst/>
+          </a:prstGeom>
+        </p:spPr>
+      </p:pic>
       <p:grpSp>
         <p:nvGrpSpPr>
-          <p:cNvPr id="40" name="Group 39">
+          <p:cNvPr id="41" name="Group 40">
             <a:extLst>
               <a:ext uri="{FF2B5EF4-FFF2-40B4-BE49-F238E27FC236}">
-                <a16:creationId xmlns:a16="http://schemas.microsoft.com/office/drawing/2014/main" xmlns="" id="{CD270D21-98DC-4D54-8839-2306BE20DCFD}"/>
+                <a16:creationId xmlns="" xmlns:a16="http://schemas.microsoft.com/office/drawing/2014/main" id="{CD270D21-98DC-4D54-8839-2306BE20DCFD}"/>
               </a:ext>
             </a:extLst>
           </p:cNvPr>
@@ -23566,18 +24783,18 @@
         </p:nvGrpSpPr>
         <p:grpSpPr>
           <a:xfrm>
-            <a:off x="5970900" y="9383"/>
-            <a:ext cx="6209729" cy="830238"/>
+            <a:off x="7810500" y="9383"/>
+            <a:ext cx="4370129" cy="634084"/>
             <a:chOff x="1893489" y="352425"/>
             <a:chExt cx="6209729" cy="830238"/>
           </a:xfrm>
         </p:grpSpPr>
         <p:grpSp>
           <p:nvGrpSpPr>
-            <p:cNvPr id="51" name="Group 50">
+            <p:cNvPr id="42" name="Group 41">
               <a:extLst>
                 <a:ext uri="{FF2B5EF4-FFF2-40B4-BE49-F238E27FC236}">
-                  <a16:creationId xmlns:a16="http://schemas.microsoft.com/office/drawing/2014/main" xmlns="" id="{6289DE3F-D75B-4A2A-BCD3-417A1671AF41}"/>
+                  <a16:creationId xmlns="" xmlns:a16="http://schemas.microsoft.com/office/drawing/2014/main" id="{6289DE3F-D75B-4A2A-BCD3-417A1671AF41}"/>
                 </a:ext>
               </a:extLst>
             </p:cNvPr>
@@ -23594,10 +24811,10 @@
           </p:grpSpPr>
           <p:sp>
             <p:nvSpPr>
-              <p:cNvPr id="53" name="Rectangle 52">
+              <p:cNvPr id="44" name="Rectangle 43">
                 <a:extLst>
                   <a:ext uri="{FF2B5EF4-FFF2-40B4-BE49-F238E27FC236}">
-                    <a16:creationId xmlns:a16="http://schemas.microsoft.com/office/drawing/2014/main" xmlns="" id="{463AA49E-8ACE-4CD3-AC55-02445B498BEC}"/>
+                    <a16:creationId xmlns="" xmlns:a16="http://schemas.microsoft.com/office/drawing/2014/main" id="{463AA49E-8ACE-4CD3-AC55-02445B498BEC}"/>
                   </a:ext>
                 </a:extLst>
               </p:cNvPr>
@@ -23645,11 +24862,11 @@
           </p:sp>
           <p:pic>
             <p:nvPicPr>
-              <p:cNvPr id="54" name="Graphic 37" descr="Speaker phone">
-                <a:hlinkClick r:id="rId2" action="ppaction://hlinksldjump"/>
+              <p:cNvPr id="45" name="Graphic 37" descr="Speaker phone">
+                <a:hlinkClick r:id="rId3" action="ppaction://hlinksldjump"/>
                 <a:extLst>
                   <a:ext uri="{FF2B5EF4-FFF2-40B4-BE49-F238E27FC236}">
-                    <a16:creationId xmlns:a16="http://schemas.microsoft.com/office/drawing/2014/main" xmlns="" id="{18379407-8637-41CC-8445-47C27D32EF28}"/>
+                    <a16:creationId xmlns="" xmlns:a16="http://schemas.microsoft.com/office/drawing/2014/main" id="{18379407-8637-41CC-8445-47C27D32EF28}"/>
                   </a:ext>
                 </a:extLst>
               </p:cNvPr>
@@ -23659,10 +24876,10 @@
               <p:nvPr/>
             </p:nvPicPr>
             <p:blipFill>
-              <a:blip r:embed="rId3">
+              <a:blip r:embed="rId4">
                 <a:extLst>
                   <a:ext uri="{96DAC541-7B7A-43D3-8B79-37D633B846F1}">
-                    <asvg:svgBlip xmlns:asvg="http://schemas.microsoft.com/office/drawing/2016/SVG/main" xmlns="" r:embed="rId4"/>
+                    <asvg:svgBlip xmlns="" xmlns:asvg="http://schemas.microsoft.com/office/drawing/2016/SVG/main" r:embed="rId9"/>
                   </a:ext>
                 </a:extLst>
               </a:blip>
@@ -23682,11 +24899,11 @@
           </p:pic>
           <p:sp>
             <p:nvSpPr>
-              <p:cNvPr id="55" name="Octagon 54">
-                <a:hlinkClick r:id="rId5" action="ppaction://hlinksldjump"/>
+              <p:cNvPr id="46" name="Octagon 45">
+                <a:hlinkClick r:id="rId10" action="ppaction://hlinksldjump"/>
                 <a:extLst>
                   <a:ext uri="{FF2B5EF4-FFF2-40B4-BE49-F238E27FC236}">
-                    <a16:creationId xmlns:a16="http://schemas.microsoft.com/office/drawing/2014/main" xmlns="" id="{8C7E2EE0-450A-4CD2-A454-585F88398950}"/>
+                    <a16:creationId xmlns="" xmlns:a16="http://schemas.microsoft.com/office/drawing/2014/main" id="{8C7E2EE0-450A-4CD2-A454-585F88398950}"/>
                   </a:ext>
                 </a:extLst>
               </p:cNvPr>
@@ -23729,11 +24946,11 @@
           </p:sp>
           <p:sp>
             <p:nvSpPr>
-              <p:cNvPr id="56" name="Thought Bubble: Cloud 276">
-                <a:hlinkClick r:id="rId6" action="ppaction://hlinksldjump"/>
+              <p:cNvPr id="47" name="Thought Bubble: Cloud 276">
+                <a:hlinkClick r:id="rId11" action="ppaction://hlinksldjump"/>
                 <a:extLst>
                   <a:ext uri="{FF2B5EF4-FFF2-40B4-BE49-F238E27FC236}">
-                    <a16:creationId xmlns:a16="http://schemas.microsoft.com/office/drawing/2014/main" xmlns="" id="{3C594EA9-0A23-4322-85C3-18C4275DC648}"/>
+                    <a16:creationId xmlns="" xmlns:a16="http://schemas.microsoft.com/office/drawing/2014/main" id="{3C594EA9-0A23-4322-85C3-18C4275DC648}"/>
                   </a:ext>
                 </a:extLst>
               </p:cNvPr>
@@ -23776,11 +24993,11 @@
           </p:sp>
           <p:sp>
             <p:nvSpPr>
-              <p:cNvPr id="57" name="Right Triangle 56">
-                <a:hlinkClick r:id="rId7" action="ppaction://hlinksldjump"/>
+              <p:cNvPr id="48" name="Right Triangle 47">
+                <a:hlinkClick r:id="rId12" action="ppaction://hlinksldjump"/>
                 <a:extLst>
                   <a:ext uri="{FF2B5EF4-FFF2-40B4-BE49-F238E27FC236}">
-                    <a16:creationId xmlns:a16="http://schemas.microsoft.com/office/drawing/2014/main" xmlns="" id="{4CE83B33-586A-441D-8C32-40B816FB41D1}"/>
+                    <a16:creationId xmlns="" xmlns:a16="http://schemas.microsoft.com/office/drawing/2014/main" id="{4CE83B33-586A-441D-8C32-40B816FB41D1}"/>
                   </a:ext>
                 </a:extLst>
               </p:cNvPr>
@@ -23823,11 +25040,11 @@
           </p:sp>
           <p:pic>
             <p:nvPicPr>
-              <p:cNvPr id="58" name="Graphic 35" descr="Call center">
-                <a:hlinkClick r:id="rId8" action="ppaction://hlinksldjump"/>
+              <p:cNvPr id="49" name="Graphic 35" descr="Call center">
+                <a:hlinkClick r:id="rId13" action="ppaction://hlinksldjump"/>
                 <a:extLst>
                   <a:ext uri="{FF2B5EF4-FFF2-40B4-BE49-F238E27FC236}">
-                    <a16:creationId xmlns:a16="http://schemas.microsoft.com/office/drawing/2014/main" xmlns="" id="{891639DF-E77C-4F33-A818-22AC376FEB35}"/>
+                    <a16:creationId xmlns="" xmlns:a16="http://schemas.microsoft.com/office/drawing/2014/main" id="{891639DF-E77C-4F33-A818-22AC376FEB35}"/>
                   </a:ext>
                 </a:extLst>
               </p:cNvPr>
@@ -23837,10 +25054,10 @@
               <p:nvPr/>
             </p:nvPicPr>
             <p:blipFill>
-              <a:blip r:embed="rId9">
+              <a:blip r:embed="rId14">
                 <a:extLst>
                   <a:ext uri="{96DAC541-7B7A-43D3-8B79-37D633B846F1}">
-                    <asvg:svgBlip xmlns:asvg="http://schemas.microsoft.com/office/drawing/2016/SVG/main" xmlns="" r:embed="rId10"/>
+                    <asvg:svgBlip xmlns="" xmlns:asvg="http://schemas.microsoft.com/office/drawing/2016/SVG/main" r:embed="rId15"/>
                   </a:ext>
                 </a:extLst>
               </a:blip>
@@ -23860,11 +25077,11 @@
           </p:pic>
           <p:sp>
             <p:nvSpPr>
-              <p:cNvPr id="59" name="Callout: Down Arrow 279">
-                <a:hlinkClick r:id="rId11" action="ppaction://hlinksldjump"/>
+              <p:cNvPr id="50" name="Callout: Down Arrow 279">
+                <a:hlinkClick r:id="rId16" action="ppaction://hlinksldjump"/>
                 <a:extLst>
                   <a:ext uri="{FF2B5EF4-FFF2-40B4-BE49-F238E27FC236}">
-                    <a16:creationId xmlns:a16="http://schemas.microsoft.com/office/drawing/2014/main" xmlns="" id="{22866FE5-27F4-4177-80F3-5A95D8E3F151}"/>
+                    <a16:creationId xmlns="" xmlns:a16="http://schemas.microsoft.com/office/drawing/2014/main" id="{22866FE5-27F4-4177-80F3-5A95D8E3F151}"/>
                   </a:ext>
                 </a:extLst>
               </p:cNvPr>
@@ -23907,11 +25124,11 @@
           </p:sp>
           <p:sp>
             <p:nvSpPr>
-              <p:cNvPr id="60" name="Arrow: Right 280">
-                <a:hlinkClick r:id="rId12" action="ppaction://hlinksldjump"/>
+              <p:cNvPr id="61" name="Arrow: Right 280">
+                <a:hlinkClick r:id="rId17" action="ppaction://hlinksldjump"/>
                 <a:extLst>
                   <a:ext uri="{FF2B5EF4-FFF2-40B4-BE49-F238E27FC236}">
-                    <a16:creationId xmlns:a16="http://schemas.microsoft.com/office/drawing/2014/main" xmlns="" id="{75A48992-326C-4B19-9BE7-BCEE5779326E}"/>
+                    <a16:creationId xmlns="" xmlns:a16="http://schemas.microsoft.com/office/drawing/2014/main" id="{75A48992-326C-4B19-9BE7-BCEE5779326E}"/>
                   </a:ext>
                 </a:extLst>
               </p:cNvPr>
@@ -23955,11 +25172,11 @@
         </p:grpSp>
         <p:sp>
           <p:nvSpPr>
-            <p:cNvPr id="52" name="Speech Bubble: Oval 525">
-              <a:hlinkClick r:id="rId13" action="ppaction://hlinksldjump"/>
+            <p:cNvPr id="43" name="Speech Bubble: Oval 525">
+              <a:hlinkClick r:id="rId18" action="ppaction://hlinksldjump"/>
               <a:extLst>
                 <a:ext uri="{FF2B5EF4-FFF2-40B4-BE49-F238E27FC236}">
-                  <a16:creationId xmlns:a16="http://schemas.microsoft.com/office/drawing/2014/main" xmlns="" id="{CE066BAE-3EE3-471B-9827-8CB64E58A365}"/>
+                  <a16:creationId xmlns="" xmlns:a16="http://schemas.microsoft.com/office/drawing/2014/main" id="{CE066BAE-3EE3-471B-9827-8CB64E58A365}"/>
                 </a:ext>
               </a:extLst>
             </p:cNvPr>
@@ -24001,36 +25218,6 @@
           </p:txBody>
         </p:sp>
       </p:grpSp>
-      <p:pic>
-        <p:nvPicPr>
-          <p:cNvPr id="5" name="Picture 5" descr="A screenshot of a cell phone&#10;&#10;Description automatically generated">
-            <a:extLst>
-              <a:ext uri="{FF2B5EF4-FFF2-40B4-BE49-F238E27FC236}">
-                <a16:creationId xmlns:a16="http://schemas.microsoft.com/office/drawing/2014/main" xmlns="" id="{FCDF15C7-E8AB-46A3-88B8-7E9112ED3712}"/>
-              </a:ext>
-            </a:extLst>
-          </p:cNvPr>
-          <p:cNvPicPr>
-            <a:picLocks noChangeAspect="1"/>
-          </p:cNvPicPr>
-          <p:nvPr/>
-        </p:nvPicPr>
-        <p:blipFill>
-          <a:blip r:embed="rId14"/>
-          <a:stretch>
-            <a:fillRect/>
-          </a:stretch>
-        </p:blipFill>
-        <p:spPr>
-          <a:xfrm>
-            <a:off x="868908" y="863851"/>
-            <a:ext cx="7337944" cy="5426003"/>
-          </a:xfrm>
-          <a:prstGeom prst="rect">
-            <a:avLst/>
-          </a:prstGeom>
-        </p:spPr>
-      </p:pic>
     </p:spTree>
     <p:extLst>
       <p:ext uri="{BB962C8B-B14F-4D97-AF65-F5344CB8AC3E}">
@@ -24041,6 +25228,13 @@
   <p:clrMapOvr>
     <a:masterClrMapping/>
   </p:clrMapOvr>
+  <p:timing>
+    <p:tnLst>
+      <p:par>
+        <p:cTn id="1" dur="indefinite" restart="never" nodeType="tmRoot"/>
+      </p:par>
+    </p:tnLst>
+  </p:timing>
 </p:sld>
 </file>
 
@@ -24074,10 +25268,10 @@
           <p:cNvPr id="55" name="Group 54">
             <a:extLst>
               <a:ext uri="{FF2B5EF4-FFF2-40B4-BE49-F238E27FC236}">
-                <a16:creationId xmlns:a16="http://schemas.microsoft.com/office/drawing/2014/main" xmlns="" id="{D6280969-F024-466D-A1DB-4F848C51DEF6}"/>
+                <a16:creationId xmlns="" xmlns:a16="http://schemas.microsoft.com/office/drawing/2014/main" id="{D6280969-F024-466D-A1DB-4F848C51DEF6}"/>
               </a:ext>
               <a:ext uri="{C183D7F6-B498-43B3-948B-1728B52AA6E4}">
-                <adec:decorative xmlns:adec="http://schemas.microsoft.com/office/drawing/2017/decorative" xmlns="" val="1"/>
+                <adec:decorative xmlns="" xmlns:adec="http://schemas.microsoft.com/office/drawing/2017/decorative" val="1"/>
               </a:ext>
             </a:extLst>
           </p:cNvPr>
@@ -24087,7 +25281,7 @@
           <p:nvPr>
             <p:extLst>
               <p:ext uri="{386F3935-93C4-4BCD-93E2-E3B085C9AB24}">
-                <p16:designElem xmlns:p16="http://schemas.microsoft.com/office/powerpoint/2015/main" xmlns="" val="1"/>
+                <p16:designElem xmlns="" xmlns:p16="http://schemas.microsoft.com/office/powerpoint/2015/main" val="1"/>
               </p:ext>
             </p:extLst>
           </p:nvPr>
@@ -24105,10 +25299,10 @@
             <p:cNvPr id="56" name="Straight Connector 55">
               <a:extLst>
                 <a:ext uri="{FF2B5EF4-FFF2-40B4-BE49-F238E27FC236}">
-                  <a16:creationId xmlns:a16="http://schemas.microsoft.com/office/drawing/2014/main" xmlns="" id="{63FDD802-E6D8-4979-A1B9-BA705AE4DA87}"/>
+                  <a16:creationId xmlns="" xmlns:a16="http://schemas.microsoft.com/office/drawing/2014/main" id="{63FDD802-E6D8-4979-A1B9-BA705AE4DA87}"/>
                 </a:ext>
                 <a:ext uri="{C183D7F6-B498-43B3-948B-1728B52AA6E4}">
-                  <adec:decorative xmlns:adec="http://schemas.microsoft.com/office/drawing/2017/decorative" xmlns="" val="1"/>
+                  <adec:decorative xmlns="" xmlns:adec="http://schemas.microsoft.com/office/drawing/2017/decorative" val="1"/>
                 </a:ext>
               </a:extLst>
             </p:cNvPr>
@@ -24116,7 +25310,7 @@
             <p:nvPr>
               <p:extLst>
                 <p:ext uri="{386F3935-93C4-4BCD-93E2-E3B085C9AB24}">
-                  <p16:designElem xmlns:p16="http://schemas.microsoft.com/office/powerpoint/2015/main" xmlns="" val="1"/>
+                  <p16:designElem xmlns="" xmlns:p16="http://schemas.microsoft.com/office/powerpoint/2015/main" val="1"/>
                 </p:ext>
               </p:extLst>
             </p:nvPr>
@@ -24157,10 +25351,10 @@
             <p:cNvPr id="57" name="Straight Connector 56">
               <a:extLst>
                 <a:ext uri="{FF2B5EF4-FFF2-40B4-BE49-F238E27FC236}">
-                  <a16:creationId xmlns:a16="http://schemas.microsoft.com/office/drawing/2014/main" xmlns="" id="{BDE509DD-4B76-45F0-8144-02F1D7E1AE0C}"/>
+                  <a16:creationId xmlns="" xmlns:a16="http://schemas.microsoft.com/office/drawing/2014/main" id="{BDE509DD-4B76-45F0-8144-02F1D7E1AE0C}"/>
                 </a:ext>
                 <a:ext uri="{C183D7F6-B498-43B3-948B-1728B52AA6E4}">
-                  <adec:decorative xmlns:adec="http://schemas.microsoft.com/office/drawing/2017/decorative" xmlns="" val="1"/>
+                  <adec:decorative xmlns="" xmlns:adec="http://schemas.microsoft.com/office/drawing/2017/decorative" val="1"/>
                 </a:ext>
               </a:extLst>
             </p:cNvPr>
@@ -24168,7 +25362,7 @@
             <p:nvPr>
               <p:extLst>
                 <p:ext uri="{386F3935-93C4-4BCD-93E2-E3B085C9AB24}">
-                  <p16:designElem xmlns:p16="http://schemas.microsoft.com/office/powerpoint/2015/main" xmlns="" val="1"/>
+                  <p16:designElem xmlns="" xmlns:p16="http://schemas.microsoft.com/office/powerpoint/2015/main" val="1"/>
                 </p:ext>
               </p:extLst>
             </p:nvPr>
@@ -24209,10 +25403,10 @@
             <p:cNvPr id="58" name="Rectangle 23">
               <a:extLst>
                 <a:ext uri="{FF2B5EF4-FFF2-40B4-BE49-F238E27FC236}">
-                  <a16:creationId xmlns:a16="http://schemas.microsoft.com/office/drawing/2014/main" xmlns="" id="{FEAEFD53-0220-48B1-9EA8-3EAE151E84E1}"/>
+                  <a16:creationId xmlns="" xmlns:a16="http://schemas.microsoft.com/office/drawing/2014/main" id="{FEAEFD53-0220-48B1-9EA8-3EAE151E84E1}"/>
                 </a:ext>
                 <a:ext uri="{C183D7F6-B498-43B3-948B-1728B52AA6E4}">
-                  <adec:decorative xmlns:adec="http://schemas.microsoft.com/office/drawing/2017/decorative" xmlns="" val="1"/>
+                  <adec:decorative xmlns="" xmlns:adec="http://schemas.microsoft.com/office/drawing/2017/decorative" val="1"/>
                 </a:ext>
               </a:extLst>
             </p:cNvPr>
@@ -24220,7 +25414,7 @@
             <p:nvPr>
               <p:extLst>
                 <p:ext uri="{386F3935-93C4-4BCD-93E2-E3B085C9AB24}">
-                  <p16:designElem xmlns:p16="http://schemas.microsoft.com/office/powerpoint/2015/main" xmlns="" val="1"/>
+                  <p16:designElem xmlns="" xmlns:p16="http://schemas.microsoft.com/office/powerpoint/2015/main" val="1"/>
                 </p:ext>
               </p:extLst>
             </p:nvPr>
@@ -24287,10 +25481,10 @@
             <p:cNvPr id="59" name="Rectangle 25">
               <a:extLst>
                 <a:ext uri="{FF2B5EF4-FFF2-40B4-BE49-F238E27FC236}">
-                  <a16:creationId xmlns:a16="http://schemas.microsoft.com/office/drawing/2014/main" xmlns="" id="{92E7FABD-916D-4FF9-B5F3-44E53AFD39EB}"/>
+                  <a16:creationId xmlns="" xmlns:a16="http://schemas.microsoft.com/office/drawing/2014/main" id="{92E7FABD-916D-4FF9-B5F3-44E53AFD39EB}"/>
                 </a:ext>
                 <a:ext uri="{C183D7F6-B498-43B3-948B-1728B52AA6E4}">
-                  <adec:decorative xmlns:adec="http://schemas.microsoft.com/office/drawing/2017/decorative" xmlns="" val="1"/>
+                  <adec:decorative xmlns="" xmlns:adec="http://schemas.microsoft.com/office/drawing/2017/decorative" val="1"/>
                 </a:ext>
               </a:extLst>
             </p:cNvPr>
@@ -24298,7 +25492,7 @@
             <p:nvPr>
               <p:extLst>
                 <p:ext uri="{386F3935-93C4-4BCD-93E2-E3B085C9AB24}">
-                  <p16:designElem xmlns:p16="http://schemas.microsoft.com/office/powerpoint/2015/main" xmlns="" val="1"/>
+                  <p16:designElem xmlns="" xmlns:p16="http://schemas.microsoft.com/office/powerpoint/2015/main" val="1"/>
                 </p:ext>
               </p:extLst>
             </p:nvPr>
@@ -24365,10 +25559,10 @@
             <p:cNvPr id="60" name="Isosceles Triangle 59">
               <a:extLst>
                 <a:ext uri="{FF2B5EF4-FFF2-40B4-BE49-F238E27FC236}">
-                  <a16:creationId xmlns:a16="http://schemas.microsoft.com/office/drawing/2014/main" xmlns="" id="{826F9772-AEFE-4C6D-82B6-1207069B86DC}"/>
+                  <a16:creationId xmlns="" xmlns:a16="http://schemas.microsoft.com/office/drawing/2014/main" id="{826F9772-AEFE-4C6D-82B6-1207069B86DC}"/>
                 </a:ext>
                 <a:ext uri="{C183D7F6-B498-43B3-948B-1728B52AA6E4}">
-                  <adec:decorative xmlns:adec="http://schemas.microsoft.com/office/drawing/2017/decorative" xmlns="" val="1"/>
+                  <adec:decorative xmlns="" xmlns:adec="http://schemas.microsoft.com/office/drawing/2017/decorative" val="1"/>
                 </a:ext>
               </a:extLst>
             </p:cNvPr>
@@ -24376,7 +25570,7 @@
             <p:nvPr>
               <p:extLst>
                 <p:ext uri="{386F3935-93C4-4BCD-93E2-E3B085C9AB24}">
-                  <p16:designElem xmlns:p16="http://schemas.microsoft.com/office/powerpoint/2015/main" xmlns="" val="1"/>
+                  <p16:designElem xmlns="" xmlns:p16="http://schemas.microsoft.com/office/powerpoint/2015/main" val="1"/>
                 </p:ext>
               </p:extLst>
             </p:nvPr>
@@ -24422,10 +25616,10 @@
             <p:cNvPr id="61" name="Rectangle 27">
               <a:extLst>
                 <a:ext uri="{FF2B5EF4-FFF2-40B4-BE49-F238E27FC236}">
-                  <a16:creationId xmlns:a16="http://schemas.microsoft.com/office/drawing/2014/main" xmlns="" id="{ACFBF3A9-B76A-4B4B-B6D7-CA4651F5C9DF}"/>
+                  <a16:creationId xmlns="" xmlns:a16="http://schemas.microsoft.com/office/drawing/2014/main" id="{ACFBF3A9-B76A-4B4B-B6D7-CA4651F5C9DF}"/>
                 </a:ext>
                 <a:ext uri="{C183D7F6-B498-43B3-948B-1728B52AA6E4}">
-                  <adec:decorative xmlns:adec="http://schemas.microsoft.com/office/drawing/2017/decorative" xmlns="" val="1"/>
+                  <adec:decorative xmlns="" xmlns:adec="http://schemas.microsoft.com/office/drawing/2017/decorative" val="1"/>
                 </a:ext>
               </a:extLst>
             </p:cNvPr>
@@ -24433,7 +25627,7 @@
             <p:nvPr>
               <p:extLst>
                 <p:ext uri="{386F3935-93C4-4BCD-93E2-E3B085C9AB24}">
-                  <p16:designElem xmlns:p16="http://schemas.microsoft.com/office/powerpoint/2015/main" xmlns="" val="1"/>
+                  <p16:designElem xmlns="" xmlns:p16="http://schemas.microsoft.com/office/powerpoint/2015/main" val="1"/>
                 </p:ext>
               </p:extLst>
             </p:nvPr>
@@ -24501,10 +25695,10 @@
             <p:cNvPr id="62" name="Rectangle 28">
               <a:extLst>
                 <a:ext uri="{FF2B5EF4-FFF2-40B4-BE49-F238E27FC236}">
-                  <a16:creationId xmlns:a16="http://schemas.microsoft.com/office/drawing/2014/main" xmlns="" id="{BF0FAA0A-B682-4A83-BDD8-BCE0AB41C2B4}"/>
+                  <a16:creationId xmlns="" xmlns:a16="http://schemas.microsoft.com/office/drawing/2014/main" id="{BF0FAA0A-B682-4A83-BDD8-BCE0AB41C2B4}"/>
                 </a:ext>
                 <a:ext uri="{C183D7F6-B498-43B3-948B-1728B52AA6E4}">
-                  <adec:decorative xmlns:adec="http://schemas.microsoft.com/office/drawing/2017/decorative" xmlns="" val="1"/>
+                  <adec:decorative xmlns="" xmlns:adec="http://schemas.microsoft.com/office/drawing/2017/decorative" val="1"/>
                 </a:ext>
               </a:extLst>
             </p:cNvPr>
@@ -24512,7 +25706,7 @@
             <p:nvPr>
               <p:extLst>
                 <p:ext uri="{386F3935-93C4-4BCD-93E2-E3B085C9AB24}">
-                  <p16:designElem xmlns:p16="http://schemas.microsoft.com/office/powerpoint/2015/main" xmlns="" val="1"/>
+                  <p16:designElem xmlns="" xmlns:p16="http://schemas.microsoft.com/office/powerpoint/2015/main" val="1"/>
                 </p:ext>
               </p:extLst>
             </p:nvPr>
@@ -24579,10 +25773,10 @@
             <p:cNvPr id="63" name="Rectangle 29">
               <a:extLst>
                 <a:ext uri="{FF2B5EF4-FFF2-40B4-BE49-F238E27FC236}">
-                  <a16:creationId xmlns:a16="http://schemas.microsoft.com/office/drawing/2014/main" xmlns="" id="{7874A013-E5E2-4AE1-8E93-029A2B41EB78}"/>
+                  <a16:creationId xmlns="" xmlns:a16="http://schemas.microsoft.com/office/drawing/2014/main" id="{7874A013-E5E2-4AE1-8E93-029A2B41EB78}"/>
                 </a:ext>
                 <a:ext uri="{C183D7F6-B498-43B3-948B-1728B52AA6E4}">
-                  <adec:decorative xmlns:adec="http://schemas.microsoft.com/office/drawing/2017/decorative" xmlns="" val="1"/>
+                  <adec:decorative xmlns="" xmlns:adec="http://schemas.microsoft.com/office/drawing/2017/decorative" val="1"/>
                 </a:ext>
               </a:extLst>
             </p:cNvPr>
@@ -24590,7 +25784,7 @@
             <p:nvPr>
               <p:extLst>
                 <p:ext uri="{386F3935-93C4-4BCD-93E2-E3B085C9AB24}">
-                  <p16:designElem xmlns:p16="http://schemas.microsoft.com/office/powerpoint/2015/main" xmlns="" val="1"/>
+                  <p16:designElem xmlns="" xmlns:p16="http://schemas.microsoft.com/office/powerpoint/2015/main" val="1"/>
                 </p:ext>
               </p:extLst>
             </p:nvPr>
@@ -24658,10 +25852,10 @@
             <p:cNvPr id="64" name="Isosceles Triangle 63">
               <a:extLst>
                 <a:ext uri="{FF2B5EF4-FFF2-40B4-BE49-F238E27FC236}">
-                  <a16:creationId xmlns:a16="http://schemas.microsoft.com/office/drawing/2014/main" xmlns="" id="{4355329E-E608-4F7A-B4EF-8FEF07D75522}"/>
+                  <a16:creationId xmlns="" xmlns:a16="http://schemas.microsoft.com/office/drawing/2014/main" id="{4355329E-E608-4F7A-B4EF-8FEF07D75522}"/>
                 </a:ext>
                 <a:ext uri="{C183D7F6-B498-43B3-948B-1728B52AA6E4}">
-                  <adec:decorative xmlns:adec="http://schemas.microsoft.com/office/drawing/2017/decorative" xmlns="" val="1"/>
+                  <adec:decorative xmlns="" xmlns:adec="http://schemas.microsoft.com/office/drawing/2017/decorative" val="1"/>
                 </a:ext>
               </a:extLst>
             </p:cNvPr>
@@ -24669,7 +25863,7 @@
             <p:nvPr>
               <p:extLst>
                 <p:ext uri="{386F3935-93C4-4BCD-93E2-E3B085C9AB24}">
-                  <p16:designElem xmlns:p16="http://schemas.microsoft.com/office/powerpoint/2015/main" xmlns="" val="1"/>
+                  <p16:designElem xmlns="" xmlns:p16="http://schemas.microsoft.com/office/powerpoint/2015/main" val="1"/>
                 </p:ext>
               </p:extLst>
             </p:nvPr>
@@ -24715,10 +25909,10 @@
             <p:cNvPr id="65" name="Isosceles Triangle 64">
               <a:extLst>
                 <a:ext uri="{FF2B5EF4-FFF2-40B4-BE49-F238E27FC236}">
-                  <a16:creationId xmlns:a16="http://schemas.microsoft.com/office/drawing/2014/main" xmlns="" id="{53D9BFDF-B250-44FF-9BD7-C204EFBFC193}"/>
+                  <a16:creationId xmlns="" xmlns:a16="http://schemas.microsoft.com/office/drawing/2014/main" id="{53D9BFDF-B250-44FF-9BD7-C204EFBFC193}"/>
                 </a:ext>
                 <a:ext uri="{C183D7F6-B498-43B3-948B-1728B52AA6E4}">
-                  <adec:decorative xmlns:adec="http://schemas.microsoft.com/office/drawing/2017/decorative" xmlns="" val="1"/>
+                  <adec:decorative xmlns="" xmlns:adec="http://schemas.microsoft.com/office/drawing/2017/decorative" val="1"/>
                 </a:ext>
               </a:extLst>
             </p:cNvPr>
@@ -24726,7 +25920,7 @@
             <p:nvPr>
               <p:extLst>
                 <p:ext uri="{386F3935-93C4-4BCD-93E2-E3B085C9AB24}">
-                  <p16:designElem xmlns:p16="http://schemas.microsoft.com/office/powerpoint/2015/main" xmlns="" val="1"/>
+                  <p16:designElem xmlns="" xmlns:p16="http://schemas.microsoft.com/office/powerpoint/2015/main" val="1"/>
                 </p:ext>
               </p:extLst>
             </p:nvPr>
@@ -24772,10 +25966,10 @@
           <p:cNvPr id="67" name="Rectangle 66">
             <a:extLst>
               <a:ext uri="{FF2B5EF4-FFF2-40B4-BE49-F238E27FC236}">
-                <a16:creationId xmlns:a16="http://schemas.microsoft.com/office/drawing/2014/main" xmlns="" id="{9F4444CE-BC8D-4D61-B303-4C05614E62AB}"/>
+                <a16:creationId xmlns="" xmlns:a16="http://schemas.microsoft.com/office/drawing/2014/main" id="{9F4444CE-BC8D-4D61-B303-4C05614E62AB}"/>
               </a:ext>
               <a:ext uri="{C183D7F6-B498-43B3-948B-1728B52AA6E4}">
-                <adec:decorative xmlns:adec="http://schemas.microsoft.com/office/drawing/2017/decorative" xmlns="" val="1"/>
+                <adec:decorative xmlns="" xmlns:adec="http://schemas.microsoft.com/office/drawing/2017/decorative" val="1"/>
               </a:ext>
             </a:extLst>
           </p:cNvPr>
@@ -24785,7 +25979,7 @@
           <p:nvPr>
             <p:extLst>
               <p:ext uri="{386F3935-93C4-4BCD-93E2-E3B085C9AB24}">
-                <p16:designElem xmlns:p16="http://schemas.microsoft.com/office/powerpoint/2015/main" xmlns="" val="1"/>
+                <p16:designElem xmlns="" xmlns:p16="http://schemas.microsoft.com/office/powerpoint/2015/main" val="1"/>
               </p:ext>
             </p:extLst>
           </p:nvPr>
@@ -24832,10 +26026,10 @@
           <p:cNvPr id="69" name="Rectangle 68">
             <a:extLst>
               <a:ext uri="{FF2B5EF4-FFF2-40B4-BE49-F238E27FC236}">
-                <a16:creationId xmlns:a16="http://schemas.microsoft.com/office/drawing/2014/main" xmlns="" id="{62423CA5-E2E1-4789-B759-9906C1C94063}"/>
+                <a16:creationId xmlns="" xmlns:a16="http://schemas.microsoft.com/office/drawing/2014/main" id="{62423CA5-E2E1-4789-B759-9906C1C94063}"/>
               </a:ext>
               <a:ext uri="{C183D7F6-B498-43B3-948B-1728B52AA6E4}">
-                <adec:decorative xmlns:adec="http://schemas.microsoft.com/office/drawing/2017/decorative" xmlns="" val="1"/>
+                <adec:decorative xmlns="" xmlns:adec="http://schemas.microsoft.com/office/drawing/2017/decorative" val="1"/>
               </a:ext>
             </a:extLst>
           </p:cNvPr>
@@ -24845,7 +26039,7 @@
           <p:nvPr>
             <p:extLst>
               <p:ext uri="{386F3935-93C4-4BCD-93E2-E3B085C9AB24}">
-                <p16:designElem xmlns:p16="http://schemas.microsoft.com/office/powerpoint/2015/main" xmlns="" val="1"/>
+                <p16:designElem xmlns="" xmlns:p16="http://schemas.microsoft.com/office/powerpoint/2015/main" val="1"/>
               </p:ext>
             </p:extLst>
           </p:nvPr>
@@ -24893,10 +26087,10 @@
           <p:cNvPr id="71" name="Isosceles Triangle 70">
             <a:extLst>
               <a:ext uri="{FF2B5EF4-FFF2-40B4-BE49-F238E27FC236}">
-                <a16:creationId xmlns:a16="http://schemas.microsoft.com/office/drawing/2014/main" xmlns="" id="{73772B81-181F-48B7-8826-4D9686D15DF5}"/>
+                <a16:creationId xmlns="" xmlns:a16="http://schemas.microsoft.com/office/drawing/2014/main" id="{73772B81-181F-48B7-8826-4D9686D15DF5}"/>
               </a:ext>
               <a:ext uri="{C183D7F6-B498-43B3-948B-1728B52AA6E4}">
-                <adec:decorative xmlns:adec="http://schemas.microsoft.com/office/drawing/2017/decorative" xmlns="" val="1"/>
+                <adec:decorative xmlns="" xmlns:adec="http://schemas.microsoft.com/office/drawing/2017/decorative" val="1"/>
               </a:ext>
             </a:extLst>
           </p:cNvPr>
@@ -24906,7 +26100,7 @@
           <p:nvPr>
             <p:extLst>
               <p:ext uri="{386F3935-93C4-4BCD-93E2-E3B085C9AB24}">
-                <p16:designElem xmlns:p16="http://schemas.microsoft.com/office/powerpoint/2015/main" xmlns="" val="1"/>
+                <p16:designElem xmlns="" xmlns:p16="http://schemas.microsoft.com/office/powerpoint/2015/main" val="1"/>
               </p:ext>
             </p:extLst>
           </p:nvPr>
@@ -24956,7 +26150,7 @@
           <p:cNvPr id="25" name="Title 1">
             <a:extLst>
               <a:ext uri="{FF2B5EF4-FFF2-40B4-BE49-F238E27FC236}">
-                <a16:creationId xmlns:a16="http://schemas.microsoft.com/office/drawing/2014/main" xmlns="" id="{40BBB32F-A6B2-4A8B-89C9-35EE7E1D4CC2}"/>
+                <a16:creationId xmlns="" xmlns:a16="http://schemas.microsoft.com/office/drawing/2014/main" id="{40BBB32F-A6B2-4A8B-89C9-35EE7E1D4CC2}"/>
               </a:ext>
             </a:extLst>
           </p:cNvPr>
@@ -25084,7 +26278,7 @@
           <p:cNvPr id="27" name="Content Placeholder 2">
             <a:extLst>
               <a:ext uri="{FF2B5EF4-FFF2-40B4-BE49-F238E27FC236}">
-                <a16:creationId xmlns:a16="http://schemas.microsoft.com/office/drawing/2014/main" xmlns="" id="{A861E5EC-A0F8-463D-B84E-81EE00CBBA16}"/>
+                <a16:creationId xmlns="" xmlns:a16="http://schemas.microsoft.com/office/drawing/2014/main" id="{A861E5EC-A0F8-463D-B84E-81EE00CBBA16}"/>
               </a:ext>
             </a:extLst>
           </p:cNvPr>
@@ -25426,10 +26620,10 @@
           <p:cNvPr id="73" name="Isosceles Triangle 72">
             <a:extLst>
               <a:ext uri="{FF2B5EF4-FFF2-40B4-BE49-F238E27FC236}">
-                <a16:creationId xmlns:a16="http://schemas.microsoft.com/office/drawing/2014/main" xmlns="" id="{B2205F6E-03C6-4E92-877C-E2482F6599AA}"/>
+                <a16:creationId xmlns="" xmlns:a16="http://schemas.microsoft.com/office/drawing/2014/main" id="{B2205F6E-03C6-4E92-877C-E2482F6599AA}"/>
               </a:ext>
               <a:ext uri="{C183D7F6-B498-43B3-948B-1728B52AA6E4}">
-                <adec:decorative xmlns:adec="http://schemas.microsoft.com/office/drawing/2017/decorative" xmlns="" val="1"/>
+                <adec:decorative xmlns="" xmlns:adec="http://schemas.microsoft.com/office/drawing/2017/decorative" val="1"/>
               </a:ext>
             </a:extLst>
           </p:cNvPr>
@@ -25439,7 +26633,7 @@
           <p:nvPr>
             <p:extLst>
               <p:ext uri="{386F3935-93C4-4BCD-93E2-E3B085C9AB24}">
-                <p16:designElem xmlns:p16="http://schemas.microsoft.com/office/powerpoint/2015/main" xmlns="" val="1"/>
+                <p16:designElem xmlns="" xmlns:p16="http://schemas.microsoft.com/office/powerpoint/2015/main" val="1"/>
               </p:ext>
             </p:extLst>
           </p:nvPr>
@@ -25486,12 +26680,42 @@
           </a:p>
         </p:txBody>
       </p:sp>
+      <p:pic>
+        <p:nvPicPr>
+          <p:cNvPr id="2" name="Picture 2" descr="A picture containing green, sitting, lot, large&#10;&#10;Description automatically generated">
+            <a:extLst>
+              <a:ext uri="{FF2B5EF4-FFF2-40B4-BE49-F238E27FC236}">
+                <a16:creationId xmlns="" xmlns:a16="http://schemas.microsoft.com/office/drawing/2014/main" id="{D6980F32-3B53-4521-9230-B4945527FFAD}"/>
+              </a:ext>
+            </a:extLst>
+          </p:cNvPr>
+          <p:cNvPicPr>
+            <a:picLocks noChangeAspect="1"/>
+          </p:cNvPicPr>
+          <p:nvPr/>
+        </p:nvPicPr>
+        <p:blipFill>
+          <a:blip r:embed="rId2"/>
+          <a:stretch>
+            <a:fillRect/>
+          </a:stretch>
+        </p:blipFill>
+        <p:spPr>
+          <a:xfrm>
+            <a:off x="6098470" y="1766313"/>
+            <a:ext cx="5484124" cy="4229672"/>
+          </a:xfrm>
+          <a:prstGeom prst="rect">
+            <a:avLst/>
+          </a:prstGeom>
+        </p:spPr>
+      </p:pic>
       <p:grpSp>
         <p:nvGrpSpPr>
-          <p:cNvPr id="52" name="Group 51">
+          <p:cNvPr id="42" name="Group 41">
             <a:extLst>
               <a:ext uri="{FF2B5EF4-FFF2-40B4-BE49-F238E27FC236}">
-                <a16:creationId xmlns:a16="http://schemas.microsoft.com/office/drawing/2014/main" xmlns="" id="{CD270D21-98DC-4D54-8839-2306BE20DCFD}"/>
+                <a16:creationId xmlns="" xmlns:a16="http://schemas.microsoft.com/office/drawing/2014/main" id="{CD270D21-98DC-4D54-8839-2306BE20DCFD}"/>
               </a:ext>
             </a:extLst>
           </p:cNvPr>
@@ -25500,18 +26724,18 @@
         </p:nvGrpSpPr>
         <p:grpSpPr>
           <a:xfrm>
-            <a:off x="5970900" y="9383"/>
-            <a:ext cx="6209729" cy="830238"/>
+            <a:off x="7810500" y="9383"/>
+            <a:ext cx="4370129" cy="634084"/>
             <a:chOff x="1893489" y="352425"/>
             <a:chExt cx="6209729" cy="830238"/>
           </a:xfrm>
         </p:grpSpPr>
         <p:grpSp>
           <p:nvGrpSpPr>
-            <p:cNvPr id="53" name="Group 52">
+            <p:cNvPr id="43" name="Group 42">
               <a:extLst>
                 <a:ext uri="{FF2B5EF4-FFF2-40B4-BE49-F238E27FC236}">
-                  <a16:creationId xmlns:a16="http://schemas.microsoft.com/office/drawing/2014/main" xmlns="" id="{6289DE3F-D75B-4A2A-BCD3-417A1671AF41}"/>
+                  <a16:creationId xmlns="" xmlns:a16="http://schemas.microsoft.com/office/drawing/2014/main" id="{6289DE3F-D75B-4A2A-BCD3-417A1671AF41}"/>
                 </a:ext>
               </a:extLst>
             </p:cNvPr>
@@ -25528,10 +26752,10 @@
           </p:grpSpPr>
           <p:sp>
             <p:nvSpPr>
-              <p:cNvPr id="66" name="Rectangle 65">
+              <p:cNvPr id="45" name="Rectangle 44">
                 <a:extLst>
                   <a:ext uri="{FF2B5EF4-FFF2-40B4-BE49-F238E27FC236}">
-                    <a16:creationId xmlns:a16="http://schemas.microsoft.com/office/drawing/2014/main" xmlns="" id="{463AA49E-8ACE-4CD3-AC55-02445B498BEC}"/>
+                    <a16:creationId xmlns="" xmlns:a16="http://schemas.microsoft.com/office/drawing/2014/main" id="{463AA49E-8ACE-4CD3-AC55-02445B498BEC}"/>
                   </a:ext>
                 </a:extLst>
               </p:cNvPr>
@@ -25579,11 +26803,11 @@
           </p:sp>
           <p:pic>
             <p:nvPicPr>
-              <p:cNvPr id="68" name="Graphic 37" descr="Speaker phone">
-                <a:hlinkClick r:id="rId2" action="ppaction://hlinksldjump"/>
+              <p:cNvPr id="46" name="Graphic 37" descr="Speaker phone">
+                <a:hlinkClick r:id="rId3" action="ppaction://hlinksldjump"/>
                 <a:extLst>
                   <a:ext uri="{FF2B5EF4-FFF2-40B4-BE49-F238E27FC236}">
-                    <a16:creationId xmlns:a16="http://schemas.microsoft.com/office/drawing/2014/main" xmlns="" id="{18379407-8637-41CC-8445-47C27D32EF28}"/>
+                    <a16:creationId xmlns="" xmlns:a16="http://schemas.microsoft.com/office/drawing/2014/main" id="{18379407-8637-41CC-8445-47C27D32EF28}"/>
                   </a:ext>
                 </a:extLst>
               </p:cNvPr>
@@ -25593,10 +26817,10 @@
               <p:nvPr/>
             </p:nvPicPr>
             <p:blipFill>
-              <a:blip r:embed="rId3">
+              <a:blip r:embed="rId4">
                 <a:extLst>
                   <a:ext uri="{96DAC541-7B7A-43D3-8B79-37D633B846F1}">
-                    <asvg:svgBlip xmlns:asvg="http://schemas.microsoft.com/office/drawing/2016/SVG/main" xmlns="" r:embed="rId4"/>
+                    <asvg:svgBlip xmlns="" xmlns:asvg="http://schemas.microsoft.com/office/drawing/2016/SVG/main" r:embed="rId9"/>
                   </a:ext>
                 </a:extLst>
               </a:blip>
@@ -25616,11 +26840,11 @@
           </p:pic>
           <p:sp>
             <p:nvSpPr>
-              <p:cNvPr id="70" name="Octagon 69">
-                <a:hlinkClick r:id="rId5" action="ppaction://hlinksldjump"/>
+              <p:cNvPr id="47" name="Octagon 46">
+                <a:hlinkClick r:id="rId10" action="ppaction://hlinksldjump"/>
                 <a:extLst>
                   <a:ext uri="{FF2B5EF4-FFF2-40B4-BE49-F238E27FC236}">
-                    <a16:creationId xmlns:a16="http://schemas.microsoft.com/office/drawing/2014/main" xmlns="" id="{8C7E2EE0-450A-4CD2-A454-585F88398950}"/>
+                    <a16:creationId xmlns="" xmlns:a16="http://schemas.microsoft.com/office/drawing/2014/main" id="{8C7E2EE0-450A-4CD2-A454-585F88398950}"/>
                   </a:ext>
                 </a:extLst>
               </p:cNvPr>
@@ -25663,11 +26887,11 @@
           </p:sp>
           <p:sp>
             <p:nvSpPr>
-              <p:cNvPr id="72" name="Thought Bubble: Cloud 276">
-                <a:hlinkClick r:id="rId6" action="ppaction://hlinksldjump"/>
+              <p:cNvPr id="48" name="Thought Bubble: Cloud 276">
+                <a:hlinkClick r:id="rId11" action="ppaction://hlinksldjump"/>
                 <a:extLst>
                   <a:ext uri="{FF2B5EF4-FFF2-40B4-BE49-F238E27FC236}">
-                    <a16:creationId xmlns:a16="http://schemas.microsoft.com/office/drawing/2014/main" xmlns="" id="{3C594EA9-0A23-4322-85C3-18C4275DC648}"/>
+                    <a16:creationId xmlns="" xmlns:a16="http://schemas.microsoft.com/office/drawing/2014/main" id="{3C594EA9-0A23-4322-85C3-18C4275DC648}"/>
                   </a:ext>
                 </a:extLst>
               </p:cNvPr>
@@ -25710,11 +26934,11 @@
           </p:sp>
           <p:sp>
             <p:nvSpPr>
-              <p:cNvPr id="74" name="Right Triangle 73">
-                <a:hlinkClick r:id="rId7" action="ppaction://hlinksldjump"/>
+              <p:cNvPr id="49" name="Right Triangle 48">
+                <a:hlinkClick r:id="rId12" action="ppaction://hlinksldjump"/>
                 <a:extLst>
                   <a:ext uri="{FF2B5EF4-FFF2-40B4-BE49-F238E27FC236}">
-                    <a16:creationId xmlns:a16="http://schemas.microsoft.com/office/drawing/2014/main" xmlns="" id="{4CE83B33-586A-441D-8C32-40B816FB41D1}"/>
+                    <a16:creationId xmlns="" xmlns:a16="http://schemas.microsoft.com/office/drawing/2014/main" id="{4CE83B33-586A-441D-8C32-40B816FB41D1}"/>
                   </a:ext>
                 </a:extLst>
               </p:cNvPr>
@@ -25757,11 +26981,11 @@
           </p:sp>
           <p:pic>
             <p:nvPicPr>
-              <p:cNvPr id="75" name="Graphic 35" descr="Call center">
-                <a:hlinkClick r:id="rId8" action="ppaction://hlinksldjump"/>
+              <p:cNvPr id="50" name="Graphic 35" descr="Call center">
+                <a:hlinkClick r:id="rId13" action="ppaction://hlinksldjump"/>
                 <a:extLst>
                   <a:ext uri="{FF2B5EF4-FFF2-40B4-BE49-F238E27FC236}">
-                    <a16:creationId xmlns:a16="http://schemas.microsoft.com/office/drawing/2014/main" xmlns="" id="{891639DF-E77C-4F33-A818-22AC376FEB35}"/>
+                    <a16:creationId xmlns="" xmlns:a16="http://schemas.microsoft.com/office/drawing/2014/main" id="{891639DF-E77C-4F33-A818-22AC376FEB35}"/>
                   </a:ext>
                 </a:extLst>
               </p:cNvPr>
@@ -25771,10 +26995,10 @@
               <p:nvPr/>
             </p:nvPicPr>
             <p:blipFill>
-              <a:blip r:embed="rId9">
+              <a:blip r:embed="rId14">
                 <a:extLst>
                   <a:ext uri="{96DAC541-7B7A-43D3-8B79-37D633B846F1}">
-                    <asvg:svgBlip xmlns:asvg="http://schemas.microsoft.com/office/drawing/2016/SVG/main" xmlns="" r:embed="rId10"/>
+                    <asvg:svgBlip xmlns="" xmlns:asvg="http://schemas.microsoft.com/office/drawing/2016/SVG/main" r:embed="rId15"/>
                   </a:ext>
                 </a:extLst>
               </a:blip>
@@ -25794,11 +27018,11 @@
           </p:pic>
           <p:sp>
             <p:nvSpPr>
-              <p:cNvPr id="76" name="Callout: Down Arrow 279">
-                <a:hlinkClick r:id="rId11" action="ppaction://hlinksldjump"/>
+              <p:cNvPr id="51" name="Callout: Down Arrow 279">
+                <a:hlinkClick r:id="rId16" action="ppaction://hlinksldjump"/>
                 <a:extLst>
                   <a:ext uri="{FF2B5EF4-FFF2-40B4-BE49-F238E27FC236}">
-                    <a16:creationId xmlns:a16="http://schemas.microsoft.com/office/drawing/2014/main" xmlns="" id="{22866FE5-27F4-4177-80F3-5A95D8E3F151}"/>
+                    <a16:creationId xmlns="" xmlns:a16="http://schemas.microsoft.com/office/drawing/2014/main" id="{22866FE5-27F4-4177-80F3-5A95D8E3F151}"/>
                   </a:ext>
                 </a:extLst>
               </p:cNvPr>
@@ -25841,11 +27065,11 @@
           </p:sp>
           <p:sp>
             <p:nvSpPr>
-              <p:cNvPr id="77" name="Arrow: Right 280">
-                <a:hlinkClick r:id="rId12" action="ppaction://hlinksldjump"/>
+              <p:cNvPr id="78" name="Arrow: Right 280">
+                <a:hlinkClick r:id="rId17" action="ppaction://hlinksldjump"/>
                 <a:extLst>
                   <a:ext uri="{FF2B5EF4-FFF2-40B4-BE49-F238E27FC236}">
-                    <a16:creationId xmlns:a16="http://schemas.microsoft.com/office/drawing/2014/main" xmlns="" id="{75A48992-326C-4B19-9BE7-BCEE5779326E}"/>
+                    <a16:creationId xmlns="" xmlns:a16="http://schemas.microsoft.com/office/drawing/2014/main" id="{75A48992-326C-4B19-9BE7-BCEE5779326E}"/>
                   </a:ext>
                 </a:extLst>
               </p:cNvPr>
@@ -25889,11 +27113,11 @@
         </p:grpSp>
         <p:sp>
           <p:nvSpPr>
-            <p:cNvPr id="54" name="Speech Bubble: Oval 525">
-              <a:hlinkClick r:id="rId13" action="ppaction://hlinksldjump"/>
+            <p:cNvPr id="44" name="Speech Bubble: Oval 525">
+              <a:hlinkClick r:id="rId18" action="ppaction://hlinksldjump"/>
               <a:extLst>
                 <a:ext uri="{FF2B5EF4-FFF2-40B4-BE49-F238E27FC236}">
-                  <a16:creationId xmlns:a16="http://schemas.microsoft.com/office/drawing/2014/main" xmlns="" id="{CE066BAE-3EE3-471B-9827-8CB64E58A365}"/>
+                  <a16:creationId xmlns="" xmlns:a16="http://schemas.microsoft.com/office/drawing/2014/main" id="{CE066BAE-3EE3-471B-9827-8CB64E58A365}"/>
                 </a:ext>
               </a:extLst>
             </p:cNvPr>
@@ -25935,36 +27159,6 @@
           </p:txBody>
         </p:sp>
       </p:grpSp>
-      <p:pic>
-        <p:nvPicPr>
-          <p:cNvPr id="2" name="Picture 2" descr="A picture containing green, sitting, lot, large&#10;&#10;Description automatically generated">
-            <a:extLst>
-              <a:ext uri="{FF2B5EF4-FFF2-40B4-BE49-F238E27FC236}">
-                <a16:creationId xmlns:a16="http://schemas.microsoft.com/office/drawing/2014/main" xmlns="" id="{D6980F32-3B53-4521-9230-B4945527FFAD}"/>
-              </a:ext>
-            </a:extLst>
-          </p:cNvPr>
-          <p:cNvPicPr>
-            <a:picLocks noChangeAspect="1"/>
-          </p:cNvPicPr>
-          <p:nvPr/>
-        </p:nvPicPr>
-        <p:blipFill>
-          <a:blip r:embed="rId14"/>
-          <a:stretch>
-            <a:fillRect/>
-          </a:stretch>
-        </p:blipFill>
-        <p:spPr>
-          <a:xfrm>
-            <a:off x="6098470" y="1766313"/>
-            <a:ext cx="5484124" cy="4229672"/>
-          </a:xfrm>
-          <a:prstGeom prst="rect">
-            <a:avLst/>
-          </a:prstGeom>
-        </p:spPr>
-      </p:pic>
     </p:spTree>
     <p:extLst>
       <p:ext uri="{BB962C8B-B14F-4D97-AF65-F5344CB8AC3E}">
@@ -25975,6 +27169,13 @@
   <p:clrMapOvr>
     <a:masterClrMapping/>
   </p:clrMapOvr>
+  <p:timing>
+    <p:tnLst>
+      <p:par>
+        <p:cTn id="1" dur="indefinite" restart="never" nodeType="tmRoot"/>
+      </p:par>
+    </p:tnLst>
+  </p:timing>
 </p:sld>
 </file>
 
@@ -26008,7 +27209,7 @@
           <p:cNvPr id="2" name="Title 1">
             <a:extLst>
               <a:ext uri="{FF2B5EF4-FFF2-40B4-BE49-F238E27FC236}">
-                <a16:creationId xmlns:a16="http://schemas.microsoft.com/office/drawing/2014/main" xmlns="" id="{E897DD9E-D6D1-44C0-8BA6-EA3A81DF98B7}"/>
+                <a16:creationId xmlns="" xmlns:a16="http://schemas.microsoft.com/office/drawing/2014/main" id="{E897DD9E-D6D1-44C0-8BA6-EA3A81DF98B7}"/>
               </a:ext>
             </a:extLst>
           </p:cNvPr>
@@ -26043,7 +27244,7 @@
           <p:cNvPr id="17" name="Content Placeholder 2">
             <a:extLst>
               <a:ext uri="{FF2B5EF4-FFF2-40B4-BE49-F238E27FC236}">
-                <a16:creationId xmlns:a16="http://schemas.microsoft.com/office/drawing/2014/main" xmlns="" id="{566E1AEE-4F1A-42C3-A69D-4F9BCE50629B}"/>
+                <a16:creationId xmlns="" xmlns:a16="http://schemas.microsoft.com/office/drawing/2014/main" id="{566E1AEE-4F1A-42C3-A69D-4F9BCE50629B}"/>
               </a:ext>
             </a:extLst>
           </p:cNvPr>
@@ -26071,10 +27272,10 @@
       </p:graphicFrame>
       <p:grpSp>
         <p:nvGrpSpPr>
-          <p:cNvPr id="27" name="Group 26">
+          <p:cNvPr id="38" name="Group 37">
             <a:extLst>
               <a:ext uri="{FF2B5EF4-FFF2-40B4-BE49-F238E27FC236}">
-                <a16:creationId xmlns:a16="http://schemas.microsoft.com/office/drawing/2014/main" xmlns="" id="{CD270D21-98DC-4D54-8839-2306BE20DCFD}"/>
+                <a16:creationId xmlns="" xmlns:a16="http://schemas.microsoft.com/office/drawing/2014/main" id="{CD270D21-98DC-4D54-8839-2306BE20DCFD}"/>
               </a:ext>
             </a:extLst>
           </p:cNvPr>
@@ -26083,18 +27284,18 @@
         </p:nvGrpSpPr>
         <p:grpSpPr>
           <a:xfrm>
-            <a:off x="5970900" y="9383"/>
-            <a:ext cx="6209729" cy="830238"/>
+            <a:off x="7810500" y="9383"/>
+            <a:ext cx="4370129" cy="634084"/>
             <a:chOff x="1893489" y="352425"/>
             <a:chExt cx="6209729" cy="830238"/>
           </a:xfrm>
         </p:grpSpPr>
         <p:grpSp>
           <p:nvGrpSpPr>
-            <p:cNvPr id="28" name="Group 27">
+            <p:cNvPr id="39" name="Group 38">
               <a:extLst>
                 <a:ext uri="{FF2B5EF4-FFF2-40B4-BE49-F238E27FC236}">
-                  <a16:creationId xmlns:a16="http://schemas.microsoft.com/office/drawing/2014/main" xmlns="" id="{6289DE3F-D75B-4A2A-BCD3-417A1671AF41}"/>
+                  <a16:creationId xmlns="" xmlns:a16="http://schemas.microsoft.com/office/drawing/2014/main" id="{6289DE3F-D75B-4A2A-BCD3-417A1671AF41}"/>
                 </a:ext>
               </a:extLst>
             </p:cNvPr>
@@ -26111,10 +27312,10 @@
           </p:grpSpPr>
           <p:sp>
             <p:nvSpPr>
-              <p:cNvPr id="30" name="Rectangle 29">
+              <p:cNvPr id="41" name="Rectangle 40">
                 <a:extLst>
                   <a:ext uri="{FF2B5EF4-FFF2-40B4-BE49-F238E27FC236}">
-                    <a16:creationId xmlns:a16="http://schemas.microsoft.com/office/drawing/2014/main" xmlns="" id="{463AA49E-8ACE-4CD3-AC55-02445B498BEC}"/>
+                    <a16:creationId xmlns="" xmlns:a16="http://schemas.microsoft.com/office/drawing/2014/main" id="{463AA49E-8ACE-4CD3-AC55-02445B498BEC}"/>
                   </a:ext>
                 </a:extLst>
               </p:cNvPr>
@@ -26162,11 +27363,11 @@
           </p:sp>
           <p:pic>
             <p:nvPicPr>
-              <p:cNvPr id="31" name="Graphic 37" descr="Speaker phone">
+              <p:cNvPr id="42" name="Graphic 37" descr="Speaker phone">
                 <a:hlinkClick r:id="rId7" action="ppaction://hlinksldjump"/>
                 <a:extLst>
                   <a:ext uri="{FF2B5EF4-FFF2-40B4-BE49-F238E27FC236}">
-                    <a16:creationId xmlns:a16="http://schemas.microsoft.com/office/drawing/2014/main" xmlns="" id="{18379407-8637-41CC-8445-47C27D32EF28}"/>
+                    <a16:creationId xmlns="" xmlns:a16="http://schemas.microsoft.com/office/drawing/2014/main" id="{18379407-8637-41CC-8445-47C27D32EF28}"/>
                   </a:ext>
                 </a:extLst>
               </p:cNvPr>
@@ -26179,7 +27380,7 @@
               <a:blip r:embed="rId8">
                 <a:extLst>
                   <a:ext uri="{96DAC541-7B7A-43D3-8B79-37D633B846F1}">
-                    <asvg:svgBlip xmlns:asvg="http://schemas.microsoft.com/office/drawing/2016/SVG/main" xmlns="" r:embed="rId9"/>
+                    <asvg:svgBlip xmlns="" xmlns:asvg="http://schemas.microsoft.com/office/drawing/2016/SVG/main" r:embed="rId9"/>
                   </a:ext>
                 </a:extLst>
               </a:blip>
@@ -26199,11 +27400,11 @@
           </p:pic>
           <p:sp>
             <p:nvSpPr>
-              <p:cNvPr id="32" name="Octagon 31">
+              <p:cNvPr id="43" name="Octagon 42">
                 <a:hlinkClick r:id="rId10" action="ppaction://hlinksldjump"/>
                 <a:extLst>
                   <a:ext uri="{FF2B5EF4-FFF2-40B4-BE49-F238E27FC236}">
-                    <a16:creationId xmlns:a16="http://schemas.microsoft.com/office/drawing/2014/main" xmlns="" id="{8C7E2EE0-450A-4CD2-A454-585F88398950}"/>
+                    <a16:creationId xmlns="" xmlns:a16="http://schemas.microsoft.com/office/drawing/2014/main" id="{8C7E2EE0-450A-4CD2-A454-585F88398950}"/>
                   </a:ext>
                 </a:extLst>
               </p:cNvPr>
@@ -26246,11 +27447,11 @@
           </p:sp>
           <p:sp>
             <p:nvSpPr>
-              <p:cNvPr id="33" name="Thought Bubble: Cloud 276">
+              <p:cNvPr id="44" name="Thought Bubble: Cloud 276">
                 <a:hlinkClick r:id="rId11" action="ppaction://hlinksldjump"/>
                 <a:extLst>
                   <a:ext uri="{FF2B5EF4-FFF2-40B4-BE49-F238E27FC236}">
-                    <a16:creationId xmlns:a16="http://schemas.microsoft.com/office/drawing/2014/main" xmlns="" id="{3C594EA9-0A23-4322-85C3-18C4275DC648}"/>
+                    <a16:creationId xmlns="" xmlns:a16="http://schemas.microsoft.com/office/drawing/2014/main" id="{3C594EA9-0A23-4322-85C3-18C4275DC648}"/>
                   </a:ext>
                 </a:extLst>
               </p:cNvPr>
@@ -26293,11 +27494,11 @@
           </p:sp>
           <p:sp>
             <p:nvSpPr>
-              <p:cNvPr id="34" name="Right Triangle 33">
+              <p:cNvPr id="45" name="Right Triangle 44">
                 <a:hlinkClick r:id="rId12" action="ppaction://hlinksldjump"/>
                 <a:extLst>
                   <a:ext uri="{FF2B5EF4-FFF2-40B4-BE49-F238E27FC236}">
-                    <a16:creationId xmlns:a16="http://schemas.microsoft.com/office/drawing/2014/main" xmlns="" id="{4CE83B33-586A-441D-8C32-40B816FB41D1}"/>
+                    <a16:creationId xmlns="" xmlns:a16="http://schemas.microsoft.com/office/drawing/2014/main" id="{4CE83B33-586A-441D-8C32-40B816FB41D1}"/>
                   </a:ext>
                 </a:extLst>
               </p:cNvPr>
@@ -26340,11 +27541,11 @@
           </p:sp>
           <p:pic>
             <p:nvPicPr>
-              <p:cNvPr id="35" name="Graphic 35" descr="Call center">
+              <p:cNvPr id="46" name="Graphic 35" descr="Call center">
                 <a:hlinkClick r:id="rId13" action="ppaction://hlinksldjump"/>
                 <a:extLst>
                   <a:ext uri="{FF2B5EF4-FFF2-40B4-BE49-F238E27FC236}">
-                    <a16:creationId xmlns:a16="http://schemas.microsoft.com/office/drawing/2014/main" xmlns="" id="{891639DF-E77C-4F33-A818-22AC376FEB35}"/>
+                    <a16:creationId xmlns="" xmlns:a16="http://schemas.microsoft.com/office/drawing/2014/main" id="{891639DF-E77C-4F33-A818-22AC376FEB35}"/>
                   </a:ext>
                 </a:extLst>
               </p:cNvPr>
@@ -26357,7 +27558,7 @@
               <a:blip r:embed="rId14">
                 <a:extLst>
                   <a:ext uri="{96DAC541-7B7A-43D3-8B79-37D633B846F1}">
-                    <asvg:svgBlip xmlns:asvg="http://schemas.microsoft.com/office/drawing/2016/SVG/main" xmlns="" r:embed="rId15"/>
+                    <asvg:svgBlip xmlns="" xmlns:asvg="http://schemas.microsoft.com/office/drawing/2016/SVG/main" r:embed="rId15"/>
                   </a:ext>
                 </a:extLst>
               </a:blip>
@@ -26377,11 +27578,11 @@
           </p:pic>
           <p:sp>
             <p:nvSpPr>
-              <p:cNvPr id="36" name="Callout: Down Arrow 279">
+              <p:cNvPr id="47" name="Callout: Down Arrow 279">
                 <a:hlinkClick r:id="rId16" action="ppaction://hlinksldjump"/>
                 <a:extLst>
                   <a:ext uri="{FF2B5EF4-FFF2-40B4-BE49-F238E27FC236}">
-                    <a16:creationId xmlns:a16="http://schemas.microsoft.com/office/drawing/2014/main" xmlns="" id="{22866FE5-27F4-4177-80F3-5A95D8E3F151}"/>
+                    <a16:creationId xmlns="" xmlns:a16="http://schemas.microsoft.com/office/drawing/2014/main" id="{22866FE5-27F4-4177-80F3-5A95D8E3F151}"/>
                   </a:ext>
                 </a:extLst>
               </p:cNvPr>
@@ -26424,11 +27625,11 @@
           </p:sp>
           <p:sp>
             <p:nvSpPr>
-              <p:cNvPr id="37" name="Arrow: Right 280">
+              <p:cNvPr id="48" name="Arrow: Right 280">
                 <a:hlinkClick r:id="rId17" action="ppaction://hlinksldjump"/>
                 <a:extLst>
                   <a:ext uri="{FF2B5EF4-FFF2-40B4-BE49-F238E27FC236}">
-                    <a16:creationId xmlns:a16="http://schemas.microsoft.com/office/drawing/2014/main" xmlns="" id="{75A48992-326C-4B19-9BE7-BCEE5779326E}"/>
+                    <a16:creationId xmlns="" xmlns:a16="http://schemas.microsoft.com/office/drawing/2014/main" id="{75A48992-326C-4B19-9BE7-BCEE5779326E}"/>
                   </a:ext>
                 </a:extLst>
               </p:cNvPr>
@@ -26472,11 +27673,11 @@
         </p:grpSp>
         <p:sp>
           <p:nvSpPr>
-            <p:cNvPr id="29" name="Speech Bubble: Oval 525">
+            <p:cNvPr id="40" name="Speech Bubble: Oval 525">
               <a:hlinkClick r:id="rId18" action="ppaction://hlinksldjump"/>
               <a:extLst>
                 <a:ext uri="{FF2B5EF4-FFF2-40B4-BE49-F238E27FC236}">
-                  <a16:creationId xmlns:a16="http://schemas.microsoft.com/office/drawing/2014/main" xmlns="" id="{CE066BAE-3EE3-471B-9827-8CB64E58A365}"/>
+                  <a16:creationId xmlns="" xmlns:a16="http://schemas.microsoft.com/office/drawing/2014/main" id="{CE066BAE-3EE3-471B-9827-8CB64E58A365}"/>
                 </a:ext>
               </a:extLst>
             </p:cNvPr>
@@ -26528,6 +27729,13 @@
   <p:clrMapOvr>
     <a:masterClrMapping/>
   </p:clrMapOvr>
+  <p:timing>
+    <p:tnLst>
+      <p:par>
+        <p:cTn id="1" dur="indefinite" restart="never" nodeType="tmRoot"/>
+      </p:par>
+    </p:tnLst>
+  </p:timing>
 </p:sld>
 </file>
 
@@ -26561,7 +27769,7 @@
           <p:cNvPr id="2" name="Title 1">
             <a:extLst>
               <a:ext uri="{FF2B5EF4-FFF2-40B4-BE49-F238E27FC236}">
-                <a16:creationId xmlns:a16="http://schemas.microsoft.com/office/drawing/2014/main" xmlns="" id="{7AA6EFED-FE4D-4D25-95D0-A363B9C4D663}"/>
+                <a16:creationId xmlns="" xmlns:a16="http://schemas.microsoft.com/office/drawing/2014/main" id="{7AA6EFED-FE4D-4D25-95D0-A363B9C4D663}"/>
               </a:ext>
             </a:extLst>
           </p:cNvPr>
@@ -26596,7 +27804,7 @@
           <p:cNvPr id="8" name="TextBox 7">
             <a:extLst>
               <a:ext uri="{FF2B5EF4-FFF2-40B4-BE49-F238E27FC236}">
-                <a16:creationId xmlns:a16="http://schemas.microsoft.com/office/drawing/2014/main" xmlns="" id="{F8750C8E-D922-4FE7-A2E4-0F6840CDB471}"/>
+                <a16:creationId xmlns="" xmlns:a16="http://schemas.microsoft.com/office/drawing/2014/main" id="{F8750C8E-D922-4FE7-A2E4-0F6840CDB471}"/>
               </a:ext>
             </a:extLst>
           </p:cNvPr>
@@ -26613,11 +27821,11 @@
           </a:prstGeom>
         </p:spPr>
         <p:txBody>
-          <a:bodyPr rot="0" spcFirstLastPara="0" vertOverflow="overflow" horzOverflow="overflow" vert="horz" lIns="91440" tIns="45720" rIns="91440" bIns="45720" numCol="1" spcCol="0" rtlCol="0" fromWordArt="0" anchorCtr="0" forceAA="0" compatLnSpc="1">
+          <a:bodyPr rot="0" spcFirstLastPara="0" vertOverflow="overflow" horzOverflow="overflow" vert="horz" lIns="91440" tIns="45720" rIns="91440" bIns="45720" numCol="1" spcCol="0" rtlCol="0" fromWordArt="0" anchor="t" anchorCtr="0" forceAA="0" compatLnSpc="1">
             <a:prstTxWarp prst="textNoShape">
               <a:avLst/>
             </a:prstTxWarp>
-            <a:normAutofit/>
+            <a:normAutofit fontScale="85000" lnSpcReduction="10000"/>
           </a:bodyPr>
           <a:lstStyle/>
           <a:p>
@@ -26633,6 +27841,42 @@
               <a:buChar char=""/>
             </a:pPr>
             <a:r>
+              <a:rPr lang="en-US" dirty="0"/>
+              <a:t>Cross-validation hyper-parameter tuning influenced choice of the XGB model with default parameters</a:t>
+            </a:r>
+            <a:endParaRPr lang="en-US" dirty="0" smtClean="0">
+              <a:solidFill>
+                <a:schemeClr val="tx1">
+                  <a:lumMod val="75000"/>
+                  <a:lumOff val="25000"/>
+                </a:schemeClr>
+              </a:solidFill>
+            </a:endParaRPr>
+          </a:p>
+          <a:p>
+            <a:pPr marL="285750" indent="-285750" defTabSz="457200">
+              <a:spcBef>
+                <a:spcPts val="1000"/>
+              </a:spcBef>
+              <a:buClr>
+                <a:schemeClr val="accent1"/>
+              </a:buClr>
+              <a:buSzPct val="80000"/>
+              <a:buFont typeface="Wingdings 3" charset="2"/>
+              <a:buChar char=""/>
+            </a:pPr>
+            <a:r>
+              <a:rPr lang="en-US" dirty="0" smtClean="0">
+                <a:solidFill>
+                  <a:schemeClr val="tx1">
+                    <a:lumMod val="75000"/>
+                    <a:lumOff val="25000"/>
+                  </a:schemeClr>
+                </a:solidFill>
+              </a:rPr>
+              <a:t>Recall </a:t>
+            </a:r>
+            <a:r>
               <a:rPr lang="en-US" dirty="0">
                 <a:solidFill>
                   <a:schemeClr val="tx1">
@@ -26641,7 +27885,7 @@
                   </a:schemeClr>
                 </a:solidFill>
               </a:rPr>
-              <a:t>Recall weakness</a:t>
+              <a:t>weakness</a:t>
             </a:r>
           </a:p>
           <a:p>
@@ -26771,7 +28015,7 @@
           <p:cNvPr id="10" name="Table 5">
             <a:extLst>
               <a:ext uri="{FF2B5EF4-FFF2-40B4-BE49-F238E27FC236}">
-                <a16:creationId xmlns:a16="http://schemas.microsoft.com/office/drawing/2014/main" xmlns="" id="{5C96A60B-AB76-44F5-A343-2DD936C53D59}"/>
+                <a16:creationId xmlns="" xmlns:a16="http://schemas.microsoft.com/office/drawing/2014/main" id="{5C96A60B-AB76-44F5-A343-2DD936C53D59}"/>
               </a:ext>
             </a:extLst>
           </p:cNvPr>
@@ -26782,14 +28026,14 @@
             <p:ph idx="1"/>
             <p:extLst>
               <p:ext uri="{D42A27DB-BD31-4B8C-83A1-F6EECF244321}">
-                <p14:modId xmlns:p14="http://schemas.microsoft.com/office/powerpoint/2010/main" val="49616822"/>
+                <p14:modId xmlns:p14="http://schemas.microsoft.com/office/powerpoint/2010/main" val="2465954094"/>
               </p:ext>
             </p:extLst>
           </p:nvPr>
         </p:nvGraphicFramePr>
         <p:xfrm>
           <a:off x="4654035" y="2325170"/>
-          <a:ext cx="4602748" cy="1703128"/>
+          <a:ext cx="4946326" cy="1914292"/>
         </p:xfrm>
         <a:graphic>
           <a:graphicData uri="http://schemas.openxmlformats.org/drawingml/2006/table">
@@ -26798,36 +28042,36 @@
                 <a:tableStyleId>{5C22544A-7EE6-4342-B048-85BDC9FD1C3A}</a:tableStyleId>
               </a:tblPr>
               <a:tblGrid>
-                <a:gridCol w="1002846">
+                <a:gridCol w="1077704">
                   <a:extLst>
                     <a:ext uri="{9D8B030D-6E8A-4147-A177-3AD203B41FA5}">
-                      <a16:colId xmlns:a16="http://schemas.microsoft.com/office/drawing/2014/main" xmlns="" val="98689671"/>
+                      <a16:colId xmlns="" xmlns:a16="http://schemas.microsoft.com/office/drawing/2014/main" val="98689671"/>
                     </a:ext>
                   </a:extLst>
                 </a:gridCol>
-                <a:gridCol w="1457187">
+                <a:gridCol w="1565961">
                   <a:extLst>
                     <a:ext uri="{9D8B030D-6E8A-4147-A177-3AD203B41FA5}">
-                      <a16:colId xmlns:a16="http://schemas.microsoft.com/office/drawing/2014/main" xmlns="" val="4246118257"/>
+                      <a16:colId xmlns="" xmlns:a16="http://schemas.microsoft.com/office/drawing/2014/main" val="4246118257"/>
                     </a:ext>
                   </a:extLst>
                 </a:gridCol>
-                <a:gridCol w="1094538">
+                <a:gridCol w="1176242">
                   <a:extLst>
                     <a:ext uri="{9D8B030D-6E8A-4147-A177-3AD203B41FA5}">
-                      <a16:colId xmlns:a16="http://schemas.microsoft.com/office/drawing/2014/main" xmlns="" val="1308013750"/>
+                      <a16:colId xmlns="" xmlns:a16="http://schemas.microsoft.com/office/drawing/2014/main" val="1308013750"/>
                     </a:ext>
                   </a:extLst>
                 </a:gridCol>
-                <a:gridCol w="1048177">
+                <a:gridCol w="1126419">
                   <a:extLst>
                     <a:ext uri="{9D8B030D-6E8A-4147-A177-3AD203B41FA5}">
-                      <a16:colId xmlns:a16="http://schemas.microsoft.com/office/drawing/2014/main" xmlns="" val="2656325549"/>
+                      <a16:colId xmlns="" xmlns:a16="http://schemas.microsoft.com/office/drawing/2014/main" val="2656325549"/>
                     </a:ext>
                   </a:extLst>
                 </a:gridCol>
               </a:tblGrid>
-              <a:tr h="785298">
+              <a:tr h="889152">
                 <a:tc>
                   <a:txBody>
                     <a:bodyPr/>
@@ -26888,11 +28132,11 @@
                 </a:tc>
                 <a:extLst>
                   <a:ext uri="{0D108BD9-81ED-4DB2-BD59-A6C34878D82A}">
-                    <a16:rowId xmlns:a16="http://schemas.microsoft.com/office/drawing/2014/main" xmlns="" val="1210232165"/>
+                    <a16:rowId xmlns="" xmlns:a16="http://schemas.microsoft.com/office/drawing/2014/main" val="1210232165"/>
                   </a:ext>
                 </a:extLst>
               </a:tr>
-              <a:tr h="458915">
+              <a:tr h="512570">
                 <a:tc>
                   <a:txBody>
                     <a:bodyPr/>
@@ -26950,11 +28194,11 @@
                 </a:tc>
                 <a:extLst>
                   <a:ext uri="{0D108BD9-81ED-4DB2-BD59-A6C34878D82A}">
-                    <a16:rowId xmlns:a16="http://schemas.microsoft.com/office/drawing/2014/main" xmlns="" val="1773156449"/>
+                    <a16:rowId xmlns="" xmlns:a16="http://schemas.microsoft.com/office/drawing/2014/main" val="1773156449"/>
                   </a:ext>
                 </a:extLst>
               </a:tr>
-              <a:tr h="458915">
+              <a:tr h="512570">
                 <a:tc>
                   <a:txBody>
                     <a:bodyPr/>
@@ -27012,7 +28256,7 @@
                 </a:tc>
                 <a:extLst>
                   <a:ext uri="{0D108BD9-81ED-4DB2-BD59-A6C34878D82A}">
-                    <a16:rowId xmlns:a16="http://schemas.microsoft.com/office/drawing/2014/main" xmlns="" val="1263610784"/>
+                    <a16:rowId xmlns="" xmlns:a16="http://schemas.microsoft.com/office/drawing/2014/main" val="1263610784"/>
                   </a:ext>
                 </a:extLst>
               </a:tr>
@@ -27022,10 +28266,10 @@
       </p:graphicFrame>
       <p:grpSp>
         <p:nvGrpSpPr>
-          <p:cNvPr id="33" name="Group 32">
+          <p:cNvPr id="27" name="Group 26">
             <a:extLst>
               <a:ext uri="{FF2B5EF4-FFF2-40B4-BE49-F238E27FC236}">
-                <a16:creationId xmlns:a16="http://schemas.microsoft.com/office/drawing/2014/main" xmlns="" id="{CD270D21-98DC-4D54-8839-2306BE20DCFD}"/>
+                <a16:creationId xmlns="" xmlns:a16="http://schemas.microsoft.com/office/drawing/2014/main" id="{CD270D21-98DC-4D54-8839-2306BE20DCFD}"/>
               </a:ext>
             </a:extLst>
           </p:cNvPr>
@@ -27034,18 +28278,18 @@
         </p:nvGrpSpPr>
         <p:grpSpPr>
           <a:xfrm>
-            <a:off x="5970900" y="9383"/>
-            <a:ext cx="6209729" cy="830238"/>
+            <a:off x="7810500" y="9383"/>
+            <a:ext cx="4370129" cy="634084"/>
             <a:chOff x="1893489" y="352425"/>
             <a:chExt cx="6209729" cy="830238"/>
           </a:xfrm>
         </p:grpSpPr>
         <p:grpSp>
           <p:nvGrpSpPr>
-            <p:cNvPr id="34" name="Group 33">
+            <p:cNvPr id="28" name="Group 27">
               <a:extLst>
                 <a:ext uri="{FF2B5EF4-FFF2-40B4-BE49-F238E27FC236}">
-                  <a16:creationId xmlns:a16="http://schemas.microsoft.com/office/drawing/2014/main" xmlns="" id="{6289DE3F-D75B-4A2A-BCD3-417A1671AF41}"/>
+                  <a16:creationId xmlns="" xmlns:a16="http://schemas.microsoft.com/office/drawing/2014/main" id="{6289DE3F-D75B-4A2A-BCD3-417A1671AF41}"/>
                 </a:ext>
               </a:extLst>
             </p:cNvPr>
@@ -27062,10 +28306,10 @@
           </p:grpSpPr>
           <p:sp>
             <p:nvSpPr>
-              <p:cNvPr id="36" name="Rectangle 35">
+              <p:cNvPr id="30" name="Rectangle 29">
                 <a:extLst>
                   <a:ext uri="{FF2B5EF4-FFF2-40B4-BE49-F238E27FC236}">
-                    <a16:creationId xmlns:a16="http://schemas.microsoft.com/office/drawing/2014/main" xmlns="" id="{463AA49E-8ACE-4CD3-AC55-02445B498BEC}"/>
+                    <a16:creationId xmlns="" xmlns:a16="http://schemas.microsoft.com/office/drawing/2014/main" id="{463AA49E-8ACE-4CD3-AC55-02445B498BEC}"/>
                   </a:ext>
                 </a:extLst>
               </p:cNvPr>
@@ -27113,11 +28357,11 @@
           </p:sp>
           <p:pic>
             <p:nvPicPr>
-              <p:cNvPr id="37" name="Graphic 37" descr="Speaker phone">
+              <p:cNvPr id="31" name="Graphic 37" descr="Speaker phone">
                 <a:hlinkClick r:id="rId2" action="ppaction://hlinksldjump"/>
                 <a:extLst>
                   <a:ext uri="{FF2B5EF4-FFF2-40B4-BE49-F238E27FC236}">
-                    <a16:creationId xmlns:a16="http://schemas.microsoft.com/office/drawing/2014/main" xmlns="" id="{18379407-8637-41CC-8445-47C27D32EF28}"/>
+                    <a16:creationId xmlns="" xmlns:a16="http://schemas.microsoft.com/office/drawing/2014/main" id="{18379407-8637-41CC-8445-47C27D32EF28}"/>
                   </a:ext>
                 </a:extLst>
               </p:cNvPr>
@@ -27130,7 +28374,7 @@
               <a:blip r:embed="rId3">
                 <a:extLst>
                   <a:ext uri="{96DAC541-7B7A-43D3-8B79-37D633B846F1}">
-                    <asvg:svgBlip xmlns:asvg="http://schemas.microsoft.com/office/drawing/2016/SVG/main" xmlns="" r:embed="rId4"/>
+                    <asvg:svgBlip xmlns="" xmlns:asvg="http://schemas.microsoft.com/office/drawing/2016/SVG/main" r:embed="rId9"/>
                   </a:ext>
                 </a:extLst>
               </a:blip>
@@ -27150,11 +28394,11 @@
           </p:pic>
           <p:sp>
             <p:nvSpPr>
-              <p:cNvPr id="38" name="Octagon 37">
-                <a:hlinkClick r:id="rId5" action="ppaction://hlinksldjump"/>
+              <p:cNvPr id="32" name="Octagon 31">
+                <a:hlinkClick r:id="rId10" action="ppaction://hlinksldjump"/>
                 <a:extLst>
                   <a:ext uri="{FF2B5EF4-FFF2-40B4-BE49-F238E27FC236}">
-                    <a16:creationId xmlns:a16="http://schemas.microsoft.com/office/drawing/2014/main" xmlns="" id="{8C7E2EE0-450A-4CD2-A454-585F88398950}"/>
+                    <a16:creationId xmlns="" xmlns:a16="http://schemas.microsoft.com/office/drawing/2014/main" id="{8C7E2EE0-450A-4CD2-A454-585F88398950}"/>
                   </a:ext>
                 </a:extLst>
               </p:cNvPr>
@@ -27197,11 +28441,11 @@
           </p:sp>
           <p:sp>
             <p:nvSpPr>
-              <p:cNvPr id="39" name="Thought Bubble: Cloud 276">
-                <a:hlinkClick r:id="rId6" action="ppaction://hlinksldjump"/>
+              <p:cNvPr id="44" name="Thought Bubble: Cloud 276">
+                <a:hlinkClick r:id="rId11" action="ppaction://hlinksldjump"/>
                 <a:extLst>
                   <a:ext uri="{FF2B5EF4-FFF2-40B4-BE49-F238E27FC236}">
-                    <a16:creationId xmlns:a16="http://schemas.microsoft.com/office/drawing/2014/main" xmlns="" id="{3C594EA9-0A23-4322-85C3-18C4275DC648}"/>
+                    <a16:creationId xmlns="" xmlns:a16="http://schemas.microsoft.com/office/drawing/2014/main" id="{3C594EA9-0A23-4322-85C3-18C4275DC648}"/>
                   </a:ext>
                 </a:extLst>
               </p:cNvPr>
@@ -27244,11 +28488,11 @@
           </p:sp>
           <p:sp>
             <p:nvSpPr>
-              <p:cNvPr id="40" name="Right Triangle 39">
-                <a:hlinkClick r:id="rId7" action="ppaction://hlinksldjump"/>
+              <p:cNvPr id="45" name="Right Triangle 44">
+                <a:hlinkClick r:id="rId12" action="ppaction://hlinksldjump"/>
                 <a:extLst>
                   <a:ext uri="{FF2B5EF4-FFF2-40B4-BE49-F238E27FC236}">
-                    <a16:creationId xmlns:a16="http://schemas.microsoft.com/office/drawing/2014/main" xmlns="" id="{4CE83B33-586A-441D-8C32-40B816FB41D1}"/>
+                    <a16:creationId xmlns="" xmlns:a16="http://schemas.microsoft.com/office/drawing/2014/main" id="{4CE83B33-586A-441D-8C32-40B816FB41D1}"/>
                   </a:ext>
                 </a:extLst>
               </p:cNvPr>
@@ -27291,11 +28535,11 @@
           </p:sp>
           <p:pic>
             <p:nvPicPr>
-              <p:cNvPr id="41" name="Graphic 35" descr="Call center">
-                <a:hlinkClick r:id="rId8" action="ppaction://hlinksldjump"/>
+              <p:cNvPr id="46" name="Graphic 35" descr="Call center">
+                <a:hlinkClick r:id="rId13" action="ppaction://hlinksldjump"/>
                 <a:extLst>
                   <a:ext uri="{FF2B5EF4-FFF2-40B4-BE49-F238E27FC236}">
-                    <a16:creationId xmlns:a16="http://schemas.microsoft.com/office/drawing/2014/main" xmlns="" id="{891639DF-E77C-4F33-A818-22AC376FEB35}"/>
+                    <a16:creationId xmlns="" xmlns:a16="http://schemas.microsoft.com/office/drawing/2014/main" id="{891639DF-E77C-4F33-A818-22AC376FEB35}"/>
                   </a:ext>
                 </a:extLst>
               </p:cNvPr>
@@ -27305,10 +28549,10 @@
               <p:nvPr/>
             </p:nvPicPr>
             <p:blipFill>
-              <a:blip r:embed="rId9">
+              <a:blip r:embed="rId14">
                 <a:extLst>
                   <a:ext uri="{96DAC541-7B7A-43D3-8B79-37D633B846F1}">
-                    <asvg:svgBlip xmlns:asvg="http://schemas.microsoft.com/office/drawing/2016/SVG/main" xmlns="" r:embed="rId10"/>
+                    <asvg:svgBlip xmlns="" xmlns:asvg="http://schemas.microsoft.com/office/drawing/2016/SVG/main" r:embed="rId15"/>
                   </a:ext>
                 </a:extLst>
               </a:blip>
@@ -27328,11 +28572,11 @@
           </p:pic>
           <p:sp>
             <p:nvSpPr>
-              <p:cNvPr id="42" name="Callout: Down Arrow 279">
-                <a:hlinkClick r:id="rId11" action="ppaction://hlinksldjump"/>
+              <p:cNvPr id="47" name="Callout: Down Arrow 279">
+                <a:hlinkClick r:id="rId16" action="ppaction://hlinksldjump"/>
                 <a:extLst>
                   <a:ext uri="{FF2B5EF4-FFF2-40B4-BE49-F238E27FC236}">
-                    <a16:creationId xmlns:a16="http://schemas.microsoft.com/office/drawing/2014/main" xmlns="" id="{22866FE5-27F4-4177-80F3-5A95D8E3F151}"/>
+                    <a16:creationId xmlns="" xmlns:a16="http://schemas.microsoft.com/office/drawing/2014/main" id="{22866FE5-27F4-4177-80F3-5A95D8E3F151}"/>
                   </a:ext>
                 </a:extLst>
               </p:cNvPr>
@@ -27375,11 +28619,11 @@
           </p:sp>
           <p:sp>
             <p:nvSpPr>
-              <p:cNvPr id="43" name="Arrow: Right 280">
-                <a:hlinkClick r:id="rId12" action="ppaction://hlinksldjump"/>
+              <p:cNvPr id="48" name="Arrow: Right 280">
+                <a:hlinkClick r:id="rId17" action="ppaction://hlinksldjump"/>
                 <a:extLst>
                   <a:ext uri="{FF2B5EF4-FFF2-40B4-BE49-F238E27FC236}">
-                    <a16:creationId xmlns:a16="http://schemas.microsoft.com/office/drawing/2014/main" xmlns="" id="{75A48992-326C-4B19-9BE7-BCEE5779326E}"/>
+                    <a16:creationId xmlns="" xmlns:a16="http://schemas.microsoft.com/office/drawing/2014/main" id="{75A48992-326C-4B19-9BE7-BCEE5779326E}"/>
                   </a:ext>
                 </a:extLst>
               </p:cNvPr>
@@ -27423,11 +28667,11 @@
         </p:grpSp>
         <p:sp>
           <p:nvSpPr>
-            <p:cNvPr id="35" name="Speech Bubble: Oval 525">
-              <a:hlinkClick r:id="rId13" action="ppaction://hlinksldjump"/>
+            <p:cNvPr id="29" name="Speech Bubble: Oval 525">
+              <a:hlinkClick r:id="rId18" action="ppaction://hlinksldjump"/>
               <a:extLst>
                 <a:ext uri="{FF2B5EF4-FFF2-40B4-BE49-F238E27FC236}">
-                  <a16:creationId xmlns:a16="http://schemas.microsoft.com/office/drawing/2014/main" xmlns="" id="{CE066BAE-3EE3-471B-9827-8CB64E58A365}"/>
+                  <a16:creationId xmlns="" xmlns:a16="http://schemas.microsoft.com/office/drawing/2014/main" id="{CE066BAE-3EE3-471B-9827-8CB64E58A365}"/>
                 </a:ext>
               </a:extLst>
             </p:cNvPr>
@@ -27479,6 +28723,13 @@
   <p:clrMapOvr>
     <a:masterClrMapping/>
   </p:clrMapOvr>
+  <p:timing>
+    <p:tnLst>
+      <p:par>
+        <p:cTn id="1" dur="indefinite" restart="never" nodeType="tmRoot"/>
+      </p:par>
+    </p:tnLst>
+  </p:timing>
 </p:sld>
 </file>
 
@@ -27512,10 +28763,10 @@
           <p:cNvPr id="27" name="Rectangle 26">
             <a:extLst>
               <a:ext uri="{FF2B5EF4-FFF2-40B4-BE49-F238E27FC236}">
-                <a16:creationId xmlns:a16="http://schemas.microsoft.com/office/drawing/2014/main" xmlns="" id="{A65AC7D1-EAA9-48F5-B509-60A7F50BF703}"/>
+                <a16:creationId xmlns="" xmlns:a16="http://schemas.microsoft.com/office/drawing/2014/main" id="{A65AC7D1-EAA9-48F5-B509-60A7F50BF703}"/>
               </a:ext>
               <a:ext uri="{C183D7F6-B498-43B3-948B-1728B52AA6E4}">
-                <adec:decorative xmlns:adec="http://schemas.microsoft.com/office/drawing/2017/decorative" xmlns="" val="1"/>
+                <adec:decorative xmlns="" xmlns:adec="http://schemas.microsoft.com/office/drawing/2017/decorative" val="1"/>
               </a:ext>
             </a:extLst>
           </p:cNvPr>
@@ -27525,7 +28776,7 @@
           <p:nvPr>
             <p:extLst>
               <p:ext uri="{386F3935-93C4-4BCD-93E2-E3B085C9AB24}">
-                <p16:designElem xmlns:p16="http://schemas.microsoft.com/office/powerpoint/2015/main" xmlns="" val="1"/>
+                <p16:designElem xmlns="" xmlns:p16="http://schemas.microsoft.com/office/powerpoint/2015/main" val="1"/>
               </p:ext>
             </p:extLst>
           </p:nvPr>
@@ -27572,10 +28823,10 @@
           <p:cNvPr id="29" name="Rectangle 28">
             <a:extLst>
               <a:ext uri="{FF2B5EF4-FFF2-40B4-BE49-F238E27FC236}">
-                <a16:creationId xmlns:a16="http://schemas.microsoft.com/office/drawing/2014/main" xmlns="" id="{D6320AF9-619A-4175-865B-5663E1AEF4C5}"/>
+                <a16:creationId xmlns="" xmlns:a16="http://schemas.microsoft.com/office/drawing/2014/main" id="{D6320AF9-619A-4175-865B-5663E1AEF4C5}"/>
               </a:ext>
               <a:ext uri="{C183D7F6-B498-43B3-948B-1728B52AA6E4}">
-                <adec:decorative xmlns:adec="http://schemas.microsoft.com/office/drawing/2017/decorative" xmlns="" val="1"/>
+                <adec:decorative xmlns="" xmlns:adec="http://schemas.microsoft.com/office/drawing/2017/decorative" val="1"/>
               </a:ext>
             </a:extLst>
           </p:cNvPr>
@@ -27585,7 +28836,7 @@
           <p:nvPr>
             <p:extLst>
               <p:ext uri="{386F3935-93C4-4BCD-93E2-E3B085C9AB24}">
-                <p16:designElem xmlns:p16="http://schemas.microsoft.com/office/powerpoint/2015/main" xmlns="" val="1"/>
+                <p16:designElem xmlns="" xmlns:p16="http://schemas.microsoft.com/office/powerpoint/2015/main" val="1"/>
               </p:ext>
             </p:extLst>
           </p:nvPr>
@@ -27632,10 +28883,10 @@
           <p:cNvPr id="31" name="Straight Connector 30">
             <a:extLst>
               <a:ext uri="{FF2B5EF4-FFF2-40B4-BE49-F238E27FC236}">
-                <a16:creationId xmlns:a16="http://schemas.microsoft.com/office/drawing/2014/main" xmlns="" id="{063B6EC6-D752-4EE7-908B-F8F19E8C7FEA}"/>
+                <a16:creationId xmlns="" xmlns:a16="http://schemas.microsoft.com/office/drawing/2014/main" id="{063B6EC6-D752-4EE7-908B-F8F19E8C7FEA}"/>
               </a:ext>
               <a:ext uri="{C183D7F6-B498-43B3-948B-1728B52AA6E4}">
-                <adec:decorative xmlns:adec="http://schemas.microsoft.com/office/drawing/2017/decorative" xmlns="" val="1"/>
+                <adec:decorative xmlns="" xmlns:adec="http://schemas.microsoft.com/office/drawing/2017/decorative" val="1"/>
               </a:ext>
             </a:extLst>
           </p:cNvPr>
@@ -27645,7 +28896,7 @@
           <p:nvPr>
             <p:extLst>
               <p:ext uri="{386F3935-93C4-4BCD-93E2-E3B085C9AB24}">
-                <p16:designElem xmlns:p16="http://schemas.microsoft.com/office/powerpoint/2015/main" xmlns="" val="1"/>
+                <p16:designElem xmlns="" xmlns:p16="http://schemas.microsoft.com/office/powerpoint/2015/main" val="1"/>
               </p:ext>
             </p:extLst>
           </p:nvPr>
@@ -27686,10 +28937,10 @@
           <p:cNvPr id="33" name="Straight Connector 32">
             <a:extLst>
               <a:ext uri="{FF2B5EF4-FFF2-40B4-BE49-F238E27FC236}">
-                <a16:creationId xmlns:a16="http://schemas.microsoft.com/office/drawing/2014/main" xmlns="" id="{EFECD4E8-AD3E-4228-82A2-9461958EA94D}"/>
+                <a16:creationId xmlns="" xmlns:a16="http://schemas.microsoft.com/office/drawing/2014/main" id="{EFECD4E8-AD3E-4228-82A2-9461958EA94D}"/>
               </a:ext>
               <a:ext uri="{C183D7F6-B498-43B3-948B-1728B52AA6E4}">
-                <adec:decorative xmlns:adec="http://schemas.microsoft.com/office/drawing/2017/decorative" xmlns="" val="1"/>
+                <adec:decorative xmlns="" xmlns:adec="http://schemas.microsoft.com/office/drawing/2017/decorative" val="1"/>
               </a:ext>
             </a:extLst>
           </p:cNvPr>
@@ -27699,7 +28950,7 @@
           <p:nvPr>
             <p:extLst>
               <p:ext uri="{386F3935-93C4-4BCD-93E2-E3B085C9AB24}">
-                <p16:designElem xmlns:p16="http://schemas.microsoft.com/office/powerpoint/2015/main" xmlns="" val="1"/>
+                <p16:designElem xmlns="" xmlns:p16="http://schemas.microsoft.com/office/powerpoint/2015/main" val="1"/>
               </p:ext>
             </p:extLst>
           </p:nvPr>
@@ -27742,10 +28993,10 @@
           <p:cNvPr id="35" name="Rectangle 23">
             <a:extLst>
               <a:ext uri="{FF2B5EF4-FFF2-40B4-BE49-F238E27FC236}">
-                <a16:creationId xmlns:a16="http://schemas.microsoft.com/office/drawing/2014/main" xmlns="" id="{7E018740-5C2B-4A41-AC1A-7E68D1EC1954}"/>
+                <a16:creationId xmlns="" xmlns:a16="http://schemas.microsoft.com/office/drawing/2014/main" id="{7E018740-5C2B-4A41-AC1A-7E68D1EC1954}"/>
               </a:ext>
               <a:ext uri="{C183D7F6-B498-43B3-948B-1728B52AA6E4}">
-                <adec:decorative xmlns:adec="http://schemas.microsoft.com/office/drawing/2017/decorative" xmlns="" val="1"/>
+                <adec:decorative xmlns="" xmlns:adec="http://schemas.microsoft.com/office/drawing/2017/decorative" val="1"/>
               </a:ext>
             </a:extLst>
           </p:cNvPr>
@@ -27755,7 +29006,7 @@
           <p:nvPr>
             <p:extLst>
               <p:ext uri="{386F3935-93C4-4BCD-93E2-E3B085C9AB24}">
-                <p16:designElem xmlns:p16="http://schemas.microsoft.com/office/powerpoint/2015/main" xmlns="" val="1"/>
+                <p16:designElem xmlns="" xmlns:p16="http://schemas.microsoft.com/office/powerpoint/2015/main" val="1"/>
               </p:ext>
             </p:extLst>
           </p:nvPr>
@@ -27822,10 +29073,10 @@
           <p:cNvPr id="37" name="Rectangle 25">
             <a:extLst>
               <a:ext uri="{FF2B5EF4-FFF2-40B4-BE49-F238E27FC236}">
-                <a16:creationId xmlns:a16="http://schemas.microsoft.com/office/drawing/2014/main" xmlns="" id="{166F75A4-C475-4941-8EE2-B80A06A2C1BB}"/>
+                <a16:creationId xmlns="" xmlns:a16="http://schemas.microsoft.com/office/drawing/2014/main" id="{166F75A4-C475-4941-8EE2-B80A06A2C1BB}"/>
               </a:ext>
               <a:ext uri="{C183D7F6-B498-43B3-948B-1728B52AA6E4}">
-                <adec:decorative xmlns:adec="http://schemas.microsoft.com/office/drawing/2017/decorative" xmlns="" val="1"/>
+                <adec:decorative xmlns="" xmlns:adec="http://schemas.microsoft.com/office/drawing/2017/decorative" val="1"/>
               </a:ext>
             </a:extLst>
           </p:cNvPr>
@@ -27835,7 +29086,7 @@
           <p:nvPr>
             <p:extLst>
               <p:ext uri="{386F3935-93C4-4BCD-93E2-E3B085C9AB24}">
-                <p16:designElem xmlns:p16="http://schemas.microsoft.com/office/powerpoint/2015/main" xmlns="" val="1"/>
+                <p16:designElem xmlns="" xmlns:p16="http://schemas.microsoft.com/office/powerpoint/2015/main" val="1"/>
               </p:ext>
             </p:extLst>
           </p:nvPr>
@@ -27902,10 +29153,10 @@
           <p:cNvPr id="39" name="Isosceles Triangle 38">
             <a:extLst>
               <a:ext uri="{FF2B5EF4-FFF2-40B4-BE49-F238E27FC236}">
-                <a16:creationId xmlns:a16="http://schemas.microsoft.com/office/drawing/2014/main" xmlns="" id="{A032553A-72E8-4B0D-8405-FF9771C9AF05}"/>
+                <a16:creationId xmlns="" xmlns:a16="http://schemas.microsoft.com/office/drawing/2014/main" id="{A032553A-72E8-4B0D-8405-FF9771C9AF05}"/>
               </a:ext>
               <a:ext uri="{C183D7F6-B498-43B3-948B-1728B52AA6E4}">
-                <adec:decorative xmlns:adec="http://schemas.microsoft.com/office/drawing/2017/decorative" xmlns="" val="1"/>
+                <adec:decorative xmlns="" xmlns:adec="http://schemas.microsoft.com/office/drawing/2017/decorative" val="1"/>
               </a:ext>
             </a:extLst>
           </p:cNvPr>
@@ -27915,7 +29166,7 @@
           <p:nvPr>
             <p:extLst>
               <p:ext uri="{386F3935-93C4-4BCD-93E2-E3B085C9AB24}">
-                <p16:designElem xmlns:p16="http://schemas.microsoft.com/office/powerpoint/2015/main" xmlns="" val="1"/>
+                <p16:designElem xmlns="" xmlns:p16="http://schemas.microsoft.com/office/powerpoint/2015/main" val="1"/>
               </p:ext>
             </p:extLst>
           </p:nvPr>
@@ -27960,10 +29211,10 @@
           <p:cNvPr id="41" name="Rectangle 27">
             <a:extLst>
               <a:ext uri="{FF2B5EF4-FFF2-40B4-BE49-F238E27FC236}">
-                <a16:creationId xmlns:a16="http://schemas.microsoft.com/office/drawing/2014/main" xmlns="" id="{765800AC-C3B9-498E-87BC-29FAE4C76B21}"/>
+                <a16:creationId xmlns="" xmlns:a16="http://schemas.microsoft.com/office/drawing/2014/main" id="{765800AC-C3B9-498E-87BC-29FAE4C76B21}"/>
               </a:ext>
               <a:ext uri="{C183D7F6-B498-43B3-948B-1728B52AA6E4}">
-                <adec:decorative xmlns:adec="http://schemas.microsoft.com/office/drawing/2017/decorative" xmlns="" val="1"/>
+                <adec:decorative xmlns="" xmlns:adec="http://schemas.microsoft.com/office/drawing/2017/decorative" val="1"/>
               </a:ext>
             </a:extLst>
           </p:cNvPr>
@@ -27973,7 +29224,7 @@
           <p:nvPr>
             <p:extLst>
               <p:ext uri="{386F3935-93C4-4BCD-93E2-E3B085C9AB24}">
-                <p16:designElem xmlns:p16="http://schemas.microsoft.com/office/powerpoint/2015/main" xmlns="" val="1"/>
+                <p16:designElem xmlns="" xmlns:p16="http://schemas.microsoft.com/office/powerpoint/2015/main" val="1"/>
               </p:ext>
             </p:extLst>
           </p:nvPr>
@@ -28041,10 +29292,10 @@
           <p:cNvPr id="43" name="Isosceles Triangle 42">
             <a:extLst>
               <a:ext uri="{FF2B5EF4-FFF2-40B4-BE49-F238E27FC236}">
-                <a16:creationId xmlns:a16="http://schemas.microsoft.com/office/drawing/2014/main" xmlns="" id="{1F9D6ACB-2FF4-49F9-978A-E0D5327FC635}"/>
+                <a16:creationId xmlns="" xmlns:a16="http://schemas.microsoft.com/office/drawing/2014/main" id="{1F9D6ACB-2FF4-49F9-978A-E0D5327FC635}"/>
               </a:ext>
               <a:ext uri="{C183D7F6-B498-43B3-948B-1728B52AA6E4}">
-                <adec:decorative xmlns:adec="http://schemas.microsoft.com/office/drawing/2017/decorative" xmlns="" val="1"/>
+                <adec:decorative xmlns="" xmlns:adec="http://schemas.microsoft.com/office/drawing/2017/decorative" val="1"/>
               </a:ext>
             </a:extLst>
           </p:cNvPr>
@@ -28054,7 +29305,7 @@
           <p:nvPr>
             <p:extLst>
               <p:ext uri="{386F3935-93C4-4BCD-93E2-E3B085C9AB24}">
-                <p16:designElem xmlns:p16="http://schemas.microsoft.com/office/powerpoint/2015/main" xmlns="" val="1"/>
+                <p16:designElem xmlns="" xmlns:p16="http://schemas.microsoft.com/office/powerpoint/2015/main" val="1"/>
               </p:ext>
             </p:extLst>
           </p:nvPr>
@@ -28099,10 +29350,10 @@
           <p:cNvPr id="45" name="Freeform: Shape 44">
             <a:extLst>
               <a:ext uri="{FF2B5EF4-FFF2-40B4-BE49-F238E27FC236}">
-                <a16:creationId xmlns:a16="http://schemas.microsoft.com/office/drawing/2014/main" xmlns="" id="{142BFA2A-77A0-4F60-A32A-685681C84889}"/>
+                <a16:creationId xmlns="" xmlns:a16="http://schemas.microsoft.com/office/drawing/2014/main" id="{142BFA2A-77A0-4F60-A32A-685681C84889}"/>
               </a:ext>
               <a:ext uri="{C183D7F6-B498-43B3-948B-1728B52AA6E4}">
-                <adec:decorative xmlns:adec="http://schemas.microsoft.com/office/drawing/2017/decorative" xmlns="" val="1"/>
+                <adec:decorative xmlns="" xmlns:adec="http://schemas.microsoft.com/office/drawing/2017/decorative" val="1"/>
               </a:ext>
             </a:extLst>
           </p:cNvPr>
@@ -28112,7 +29363,7 @@
           <p:nvPr>
             <p:extLst>
               <p:ext uri="{386F3935-93C4-4BCD-93E2-E3B085C9AB24}">
-                <p16:designElem xmlns:p16="http://schemas.microsoft.com/office/powerpoint/2015/main" xmlns="" val="1"/>
+                <p16:designElem xmlns="" xmlns:p16="http://schemas.microsoft.com/office/powerpoint/2015/main" val="1"/>
               </p:ext>
             </p:extLst>
           </p:nvPr>
@@ -28233,7 +29484,7 @@
           <p:cNvPr id="2" name="Title 1">
             <a:extLst>
               <a:ext uri="{FF2B5EF4-FFF2-40B4-BE49-F238E27FC236}">
-                <a16:creationId xmlns:a16="http://schemas.microsoft.com/office/drawing/2014/main" xmlns="" id="{534181F6-2157-4A83-9985-ED081731100E}"/>
+                <a16:creationId xmlns="" xmlns:a16="http://schemas.microsoft.com/office/drawing/2014/main" id="{534181F6-2157-4A83-9985-ED081731100E}"/>
               </a:ext>
             </a:extLst>
           </p:cNvPr>
@@ -28275,7 +29526,7 @@
           <p:cNvPr id="3" name="Content Placeholder 2">
             <a:extLst>
               <a:ext uri="{FF2B5EF4-FFF2-40B4-BE49-F238E27FC236}">
-                <a16:creationId xmlns:a16="http://schemas.microsoft.com/office/drawing/2014/main" xmlns="" id="{EDE01DA0-ED5A-4947-A78A-A68F1F80C207}"/>
+                <a16:creationId xmlns="" xmlns:a16="http://schemas.microsoft.com/office/drawing/2014/main" id="{EDE01DA0-ED5A-4947-A78A-A68F1F80C207}"/>
               </a:ext>
             </a:extLst>
           </p:cNvPr>
@@ -28421,10 +29672,10 @@
       </p:sp>
       <p:grpSp>
         <p:nvGrpSpPr>
-          <p:cNvPr id="46" name="Group 45">
+          <p:cNvPr id="55" name="Group 54">
             <a:extLst>
               <a:ext uri="{FF2B5EF4-FFF2-40B4-BE49-F238E27FC236}">
-                <a16:creationId xmlns:a16="http://schemas.microsoft.com/office/drawing/2014/main" xmlns="" id="{CD270D21-98DC-4D54-8839-2306BE20DCFD}"/>
+                <a16:creationId xmlns="" xmlns:a16="http://schemas.microsoft.com/office/drawing/2014/main" id="{CD270D21-98DC-4D54-8839-2306BE20DCFD}"/>
               </a:ext>
             </a:extLst>
           </p:cNvPr>
@@ -28433,18 +29684,18 @@
         </p:nvGrpSpPr>
         <p:grpSpPr>
           <a:xfrm>
-            <a:off x="5970900" y="9383"/>
-            <a:ext cx="6209729" cy="830238"/>
+            <a:off x="7810500" y="9383"/>
+            <a:ext cx="4370129" cy="634084"/>
             <a:chOff x="1893489" y="352425"/>
             <a:chExt cx="6209729" cy="830238"/>
           </a:xfrm>
         </p:grpSpPr>
         <p:grpSp>
           <p:nvGrpSpPr>
-            <p:cNvPr id="47" name="Group 46">
+            <p:cNvPr id="56" name="Group 55">
               <a:extLst>
                 <a:ext uri="{FF2B5EF4-FFF2-40B4-BE49-F238E27FC236}">
-                  <a16:creationId xmlns:a16="http://schemas.microsoft.com/office/drawing/2014/main" xmlns="" id="{6289DE3F-D75B-4A2A-BCD3-417A1671AF41}"/>
+                  <a16:creationId xmlns="" xmlns:a16="http://schemas.microsoft.com/office/drawing/2014/main" id="{6289DE3F-D75B-4A2A-BCD3-417A1671AF41}"/>
                 </a:ext>
               </a:extLst>
             </p:cNvPr>
@@ -28461,10 +29712,10 @@
           </p:grpSpPr>
           <p:sp>
             <p:nvSpPr>
-              <p:cNvPr id="49" name="Rectangle 48">
+              <p:cNvPr id="58" name="Rectangle 57">
                 <a:extLst>
                   <a:ext uri="{FF2B5EF4-FFF2-40B4-BE49-F238E27FC236}">
-                    <a16:creationId xmlns:a16="http://schemas.microsoft.com/office/drawing/2014/main" xmlns="" id="{463AA49E-8ACE-4CD3-AC55-02445B498BEC}"/>
+                    <a16:creationId xmlns="" xmlns:a16="http://schemas.microsoft.com/office/drawing/2014/main" id="{463AA49E-8ACE-4CD3-AC55-02445B498BEC}"/>
                   </a:ext>
                 </a:extLst>
               </p:cNvPr>
@@ -28512,11 +29763,11 @@
           </p:sp>
           <p:pic>
             <p:nvPicPr>
-              <p:cNvPr id="50" name="Graphic 37" descr="Speaker phone">
+              <p:cNvPr id="59" name="Graphic 37" descr="Speaker phone">
                 <a:hlinkClick r:id="rId2" action="ppaction://hlinksldjump"/>
                 <a:extLst>
                   <a:ext uri="{FF2B5EF4-FFF2-40B4-BE49-F238E27FC236}">
-                    <a16:creationId xmlns:a16="http://schemas.microsoft.com/office/drawing/2014/main" xmlns="" id="{18379407-8637-41CC-8445-47C27D32EF28}"/>
+                    <a16:creationId xmlns="" xmlns:a16="http://schemas.microsoft.com/office/drawing/2014/main" id="{18379407-8637-41CC-8445-47C27D32EF28}"/>
                   </a:ext>
                 </a:extLst>
               </p:cNvPr>
@@ -28529,7 +29780,7 @@
               <a:blip r:embed="rId3">
                 <a:extLst>
                   <a:ext uri="{96DAC541-7B7A-43D3-8B79-37D633B846F1}">
-                    <asvg:svgBlip xmlns:asvg="http://schemas.microsoft.com/office/drawing/2016/SVG/main" xmlns="" r:embed="rId4"/>
+                    <asvg:svgBlip xmlns="" xmlns:asvg="http://schemas.microsoft.com/office/drawing/2016/SVG/main" r:embed="rId9"/>
                   </a:ext>
                 </a:extLst>
               </a:blip>
@@ -28549,11 +29800,11 @@
           </p:pic>
           <p:sp>
             <p:nvSpPr>
-              <p:cNvPr id="51" name="Octagon 50">
-                <a:hlinkClick r:id="rId5" action="ppaction://hlinksldjump"/>
+              <p:cNvPr id="60" name="Octagon 59">
+                <a:hlinkClick r:id="rId10" action="ppaction://hlinksldjump"/>
                 <a:extLst>
                   <a:ext uri="{FF2B5EF4-FFF2-40B4-BE49-F238E27FC236}">
-                    <a16:creationId xmlns:a16="http://schemas.microsoft.com/office/drawing/2014/main" xmlns="" id="{8C7E2EE0-450A-4CD2-A454-585F88398950}"/>
+                    <a16:creationId xmlns="" xmlns:a16="http://schemas.microsoft.com/office/drawing/2014/main" id="{8C7E2EE0-450A-4CD2-A454-585F88398950}"/>
                   </a:ext>
                 </a:extLst>
               </p:cNvPr>
@@ -28596,11 +29847,11 @@
           </p:sp>
           <p:sp>
             <p:nvSpPr>
-              <p:cNvPr id="52" name="Thought Bubble: Cloud 276">
-                <a:hlinkClick r:id="rId6" action="ppaction://hlinksldjump"/>
+              <p:cNvPr id="61" name="Thought Bubble: Cloud 276">
+                <a:hlinkClick r:id="rId11" action="ppaction://hlinksldjump"/>
                 <a:extLst>
                   <a:ext uri="{FF2B5EF4-FFF2-40B4-BE49-F238E27FC236}">
-                    <a16:creationId xmlns:a16="http://schemas.microsoft.com/office/drawing/2014/main" xmlns="" id="{3C594EA9-0A23-4322-85C3-18C4275DC648}"/>
+                    <a16:creationId xmlns="" xmlns:a16="http://schemas.microsoft.com/office/drawing/2014/main" id="{3C594EA9-0A23-4322-85C3-18C4275DC648}"/>
                   </a:ext>
                 </a:extLst>
               </p:cNvPr>
@@ -28643,11 +29894,11 @@
           </p:sp>
           <p:sp>
             <p:nvSpPr>
-              <p:cNvPr id="53" name="Right Triangle 52">
-                <a:hlinkClick r:id="rId7" action="ppaction://hlinksldjump"/>
+              <p:cNvPr id="62" name="Right Triangle 61">
+                <a:hlinkClick r:id="rId12" action="ppaction://hlinksldjump"/>
                 <a:extLst>
                   <a:ext uri="{FF2B5EF4-FFF2-40B4-BE49-F238E27FC236}">
-                    <a16:creationId xmlns:a16="http://schemas.microsoft.com/office/drawing/2014/main" xmlns="" id="{4CE83B33-586A-441D-8C32-40B816FB41D1}"/>
+                    <a16:creationId xmlns="" xmlns:a16="http://schemas.microsoft.com/office/drawing/2014/main" id="{4CE83B33-586A-441D-8C32-40B816FB41D1}"/>
                   </a:ext>
                 </a:extLst>
               </p:cNvPr>
@@ -28690,11 +29941,11 @@
           </p:sp>
           <p:pic>
             <p:nvPicPr>
-              <p:cNvPr id="54" name="Graphic 35" descr="Call center">
-                <a:hlinkClick r:id="rId8" action="ppaction://hlinksldjump"/>
+              <p:cNvPr id="63" name="Graphic 35" descr="Call center">
+                <a:hlinkClick r:id="rId13" action="ppaction://hlinksldjump"/>
                 <a:extLst>
                   <a:ext uri="{FF2B5EF4-FFF2-40B4-BE49-F238E27FC236}">
-                    <a16:creationId xmlns:a16="http://schemas.microsoft.com/office/drawing/2014/main" xmlns="" id="{891639DF-E77C-4F33-A818-22AC376FEB35}"/>
+                    <a16:creationId xmlns="" xmlns:a16="http://schemas.microsoft.com/office/drawing/2014/main" id="{891639DF-E77C-4F33-A818-22AC376FEB35}"/>
                   </a:ext>
                 </a:extLst>
               </p:cNvPr>
@@ -28704,10 +29955,10 @@
               <p:nvPr/>
             </p:nvPicPr>
             <p:blipFill>
-              <a:blip r:embed="rId9">
+              <a:blip r:embed="rId14">
                 <a:extLst>
                   <a:ext uri="{96DAC541-7B7A-43D3-8B79-37D633B846F1}">
-                    <asvg:svgBlip xmlns:asvg="http://schemas.microsoft.com/office/drawing/2016/SVG/main" xmlns="" r:embed="rId10"/>
+                    <asvg:svgBlip xmlns="" xmlns:asvg="http://schemas.microsoft.com/office/drawing/2016/SVG/main" r:embed="rId15"/>
                   </a:ext>
                 </a:extLst>
               </a:blip>
@@ -28727,11 +29978,11 @@
           </p:pic>
           <p:sp>
             <p:nvSpPr>
-              <p:cNvPr id="65" name="Callout: Down Arrow 279">
-                <a:hlinkClick r:id="rId11" action="ppaction://hlinksldjump"/>
+              <p:cNvPr id="64" name="Callout: Down Arrow 279">
+                <a:hlinkClick r:id="rId16" action="ppaction://hlinksldjump"/>
                 <a:extLst>
                   <a:ext uri="{FF2B5EF4-FFF2-40B4-BE49-F238E27FC236}">
-                    <a16:creationId xmlns:a16="http://schemas.microsoft.com/office/drawing/2014/main" xmlns="" id="{22866FE5-27F4-4177-80F3-5A95D8E3F151}"/>
+                    <a16:creationId xmlns="" xmlns:a16="http://schemas.microsoft.com/office/drawing/2014/main" id="{22866FE5-27F4-4177-80F3-5A95D8E3F151}"/>
                   </a:ext>
                 </a:extLst>
               </p:cNvPr>
@@ -28774,11 +30025,11 @@
           </p:sp>
           <p:sp>
             <p:nvSpPr>
-              <p:cNvPr id="66" name="Arrow: Right 280">
-                <a:hlinkClick r:id="rId12" action="ppaction://hlinksldjump"/>
+              <p:cNvPr id="67" name="Arrow: Right 280">
+                <a:hlinkClick r:id="rId17" action="ppaction://hlinksldjump"/>
                 <a:extLst>
                   <a:ext uri="{FF2B5EF4-FFF2-40B4-BE49-F238E27FC236}">
-                    <a16:creationId xmlns:a16="http://schemas.microsoft.com/office/drawing/2014/main" xmlns="" id="{75A48992-326C-4B19-9BE7-BCEE5779326E}"/>
+                    <a16:creationId xmlns="" xmlns:a16="http://schemas.microsoft.com/office/drawing/2014/main" id="{75A48992-326C-4B19-9BE7-BCEE5779326E}"/>
                   </a:ext>
                 </a:extLst>
               </p:cNvPr>
@@ -28822,11 +30073,11 @@
         </p:grpSp>
         <p:sp>
           <p:nvSpPr>
-            <p:cNvPr id="48" name="Speech Bubble: Oval 525">
-              <a:hlinkClick r:id="rId13" action="ppaction://hlinksldjump"/>
+            <p:cNvPr id="57" name="Speech Bubble: Oval 525">
+              <a:hlinkClick r:id="rId18" action="ppaction://hlinksldjump"/>
               <a:extLst>
                 <a:ext uri="{FF2B5EF4-FFF2-40B4-BE49-F238E27FC236}">
-                  <a16:creationId xmlns:a16="http://schemas.microsoft.com/office/drawing/2014/main" xmlns="" id="{CE066BAE-3EE3-471B-9827-8CB64E58A365}"/>
+                  <a16:creationId xmlns="" xmlns:a16="http://schemas.microsoft.com/office/drawing/2014/main" id="{CE066BAE-3EE3-471B-9827-8CB64E58A365}"/>
                 </a:ext>
               </a:extLst>
             </p:cNvPr>
@@ -28878,6 +30129,13 @@
   <p:clrMapOvr>
     <a:overrideClrMapping bg1="dk1" tx1="lt1" bg2="dk2" tx2="lt2" accent1="accent1" accent2="accent2" accent3="accent3" accent4="accent4" accent5="accent5" accent6="accent6" hlink="hlink" folHlink="folHlink"/>
   </p:clrMapOvr>
+  <p:timing>
+    <p:tnLst>
+      <p:par>
+        <p:cTn id="1" dur="indefinite" restart="never" nodeType="tmRoot"/>
+      </p:par>
+    </p:tnLst>
+  </p:timing>
 </p:sld>
 </file>
 
@@ -28911,10 +30169,10 @@
           <p:cNvPr id="30" name="Rectangle 29">
             <a:extLst>
               <a:ext uri="{FF2B5EF4-FFF2-40B4-BE49-F238E27FC236}">
-                <a16:creationId xmlns:a16="http://schemas.microsoft.com/office/drawing/2014/main" xmlns="" id="{C52ED567-06B3-4107-9773-BBB6BD78673C}"/>
+                <a16:creationId xmlns="" xmlns:a16="http://schemas.microsoft.com/office/drawing/2014/main" id="{C52ED567-06B3-4107-9773-BBB6BD78673C}"/>
               </a:ext>
               <a:ext uri="{C183D7F6-B498-43B3-948B-1728B52AA6E4}">
-                <adec:decorative xmlns:adec="http://schemas.microsoft.com/office/drawing/2017/decorative" xmlns="" val="1"/>
+                <adec:decorative xmlns="" xmlns:adec="http://schemas.microsoft.com/office/drawing/2017/decorative" val="1"/>
               </a:ext>
             </a:extLst>
           </p:cNvPr>
@@ -28924,7 +30182,7 @@
           <p:nvPr>
             <p:extLst>
               <p:ext uri="{386F3935-93C4-4BCD-93E2-E3B085C9AB24}">
-                <p16:designElem xmlns:p16="http://schemas.microsoft.com/office/powerpoint/2015/main" xmlns="" val="1"/>
+                <p16:designElem xmlns="" xmlns:p16="http://schemas.microsoft.com/office/powerpoint/2015/main" val="1"/>
               </p:ext>
             </p:extLst>
           </p:nvPr>
@@ -28971,7 +30229,7 @@
           <p:cNvPr id="3" name="Content Placeholder 2">
             <a:extLst>
               <a:ext uri="{FF2B5EF4-FFF2-40B4-BE49-F238E27FC236}">
-                <a16:creationId xmlns:a16="http://schemas.microsoft.com/office/drawing/2014/main" xmlns="" id="{59CBE90F-1A21-46B1-9C3E-73D849D1A0E9}"/>
+                <a16:creationId xmlns="" xmlns:a16="http://schemas.microsoft.com/office/drawing/2014/main" id="{59CBE90F-1A21-46B1-9C3E-73D849D1A0E9}"/>
               </a:ext>
             </a:extLst>
           </p:cNvPr>
@@ -29016,10 +30274,10 @@
           <p:cNvPr id="32" name="Rectangle 31">
             <a:extLst>
               <a:ext uri="{FF2B5EF4-FFF2-40B4-BE49-F238E27FC236}">
-                <a16:creationId xmlns:a16="http://schemas.microsoft.com/office/drawing/2014/main" xmlns="" id="{AF551D8B-3775-4477-88B7-7B7C350D34E4}"/>
+                <a16:creationId xmlns="" xmlns:a16="http://schemas.microsoft.com/office/drawing/2014/main" id="{AF551D8B-3775-4477-88B7-7B7C350D34E4}"/>
               </a:ext>
               <a:ext uri="{C183D7F6-B498-43B3-948B-1728B52AA6E4}">
-                <adec:decorative xmlns:adec="http://schemas.microsoft.com/office/drawing/2017/decorative" xmlns="" val="1"/>
+                <adec:decorative xmlns="" xmlns:adec="http://schemas.microsoft.com/office/drawing/2017/decorative" val="1"/>
               </a:ext>
             </a:extLst>
           </p:cNvPr>
@@ -29029,7 +30287,7 @@
           <p:nvPr>
             <p:extLst>
               <p:ext uri="{386F3935-93C4-4BCD-93E2-E3B085C9AB24}">
-                <p16:designElem xmlns:p16="http://schemas.microsoft.com/office/powerpoint/2015/main" xmlns="" val="1"/>
+                <p16:designElem xmlns="" xmlns:p16="http://schemas.microsoft.com/office/powerpoint/2015/main" val="1"/>
               </p:ext>
             </p:extLst>
           </p:nvPr>
@@ -29086,10 +30344,10 @@
           <p:cNvPr id="34" name="Straight Connector 33">
             <a:extLst>
               <a:ext uri="{FF2B5EF4-FFF2-40B4-BE49-F238E27FC236}">
-                <a16:creationId xmlns:a16="http://schemas.microsoft.com/office/drawing/2014/main" xmlns="" id="{1A901C3D-CFAE-460D-BD0E-7D22164D7DFB}"/>
+                <a16:creationId xmlns="" xmlns:a16="http://schemas.microsoft.com/office/drawing/2014/main" id="{1A901C3D-CFAE-460D-BD0E-7D22164D7DFB}"/>
               </a:ext>
               <a:ext uri="{C183D7F6-B498-43B3-948B-1728B52AA6E4}">
-                <adec:decorative xmlns:adec="http://schemas.microsoft.com/office/drawing/2017/decorative" xmlns="" val="1"/>
+                <adec:decorative xmlns="" xmlns:adec="http://schemas.microsoft.com/office/drawing/2017/decorative" val="1"/>
               </a:ext>
             </a:extLst>
           </p:cNvPr>
@@ -29099,7 +30357,7 @@
           <p:nvPr>
             <p:extLst>
               <p:ext uri="{386F3935-93C4-4BCD-93E2-E3B085C9AB24}">
-                <p16:designElem xmlns:p16="http://schemas.microsoft.com/office/powerpoint/2015/main" xmlns="" val="1"/>
+                <p16:designElem xmlns="" xmlns:p16="http://schemas.microsoft.com/office/powerpoint/2015/main" val="1"/>
               </p:ext>
             </p:extLst>
           </p:nvPr>
@@ -29140,10 +30398,10 @@
           <p:cNvPr id="36" name="Straight Connector 35">
             <a:extLst>
               <a:ext uri="{FF2B5EF4-FFF2-40B4-BE49-F238E27FC236}">
-                <a16:creationId xmlns:a16="http://schemas.microsoft.com/office/drawing/2014/main" xmlns="" id="{837C0EA9-1437-4437-9D20-2BBDA1AA9FF8}"/>
+                <a16:creationId xmlns="" xmlns:a16="http://schemas.microsoft.com/office/drawing/2014/main" id="{837C0EA9-1437-4437-9D20-2BBDA1AA9FF8}"/>
               </a:ext>
               <a:ext uri="{C183D7F6-B498-43B3-948B-1728B52AA6E4}">
-                <adec:decorative xmlns:adec="http://schemas.microsoft.com/office/drawing/2017/decorative" xmlns="" val="1"/>
+                <adec:decorative xmlns="" xmlns:adec="http://schemas.microsoft.com/office/drawing/2017/decorative" val="1"/>
               </a:ext>
             </a:extLst>
           </p:cNvPr>
@@ -29153,7 +30411,7 @@
           <p:nvPr>
             <p:extLst>
               <p:ext uri="{386F3935-93C4-4BCD-93E2-E3B085C9AB24}">
-                <p16:designElem xmlns:p16="http://schemas.microsoft.com/office/powerpoint/2015/main" xmlns="" val="1"/>
+                <p16:designElem xmlns="" xmlns:p16="http://schemas.microsoft.com/office/powerpoint/2015/main" val="1"/>
               </p:ext>
             </p:extLst>
           </p:nvPr>
@@ -29194,10 +30452,10 @@
           <p:cNvPr id="38" name="Rectangle 23">
             <a:extLst>
               <a:ext uri="{FF2B5EF4-FFF2-40B4-BE49-F238E27FC236}">
-                <a16:creationId xmlns:a16="http://schemas.microsoft.com/office/drawing/2014/main" xmlns="" id="{BB934D2B-85E2-4375-94EE-B66C16BF7999}"/>
+                <a16:creationId xmlns="" xmlns:a16="http://schemas.microsoft.com/office/drawing/2014/main" id="{BB934D2B-85E2-4375-94EE-B66C16BF7999}"/>
               </a:ext>
               <a:ext uri="{C183D7F6-B498-43B3-948B-1728B52AA6E4}">
-                <adec:decorative xmlns:adec="http://schemas.microsoft.com/office/drawing/2017/decorative" xmlns="" val="1"/>
+                <adec:decorative xmlns="" xmlns:adec="http://schemas.microsoft.com/office/drawing/2017/decorative" val="1"/>
               </a:ext>
             </a:extLst>
           </p:cNvPr>
@@ -29207,7 +30465,7 @@
           <p:nvPr>
             <p:extLst>
               <p:ext uri="{386F3935-93C4-4BCD-93E2-E3B085C9AB24}">
-                <p16:designElem xmlns:p16="http://schemas.microsoft.com/office/powerpoint/2015/main" xmlns="" val="1"/>
+                <p16:designElem xmlns="" xmlns:p16="http://schemas.microsoft.com/office/powerpoint/2015/main" val="1"/>
               </p:ext>
             </p:extLst>
           </p:nvPr>
@@ -29274,10 +30532,10 @@
           <p:cNvPr id="40" name="Rectangle 25">
             <a:extLst>
               <a:ext uri="{FF2B5EF4-FFF2-40B4-BE49-F238E27FC236}">
-                <a16:creationId xmlns:a16="http://schemas.microsoft.com/office/drawing/2014/main" xmlns="" id="{9B445E02-D785-4565-B842-9567BBC09508}"/>
+                <a16:creationId xmlns="" xmlns:a16="http://schemas.microsoft.com/office/drawing/2014/main" id="{9B445E02-D785-4565-B842-9567BBC09508}"/>
               </a:ext>
               <a:ext uri="{C183D7F6-B498-43B3-948B-1728B52AA6E4}">
-                <adec:decorative xmlns:adec="http://schemas.microsoft.com/office/drawing/2017/decorative" xmlns="" val="1"/>
+                <adec:decorative xmlns="" xmlns:adec="http://schemas.microsoft.com/office/drawing/2017/decorative" val="1"/>
               </a:ext>
             </a:extLst>
           </p:cNvPr>
@@ -29287,7 +30545,7 @@
           <p:nvPr>
             <p:extLst>
               <p:ext uri="{386F3935-93C4-4BCD-93E2-E3B085C9AB24}">
-                <p16:designElem xmlns:p16="http://schemas.microsoft.com/office/powerpoint/2015/main" xmlns="" val="1"/>
+                <p16:designElem xmlns="" xmlns:p16="http://schemas.microsoft.com/office/powerpoint/2015/main" val="1"/>
               </p:ext>
             </p:extLst>
           </p:nvPr>
@@ -29354,10 +30612,10 @@
           <p:cNvPr id="42" name="Isosceles Triangle 41">
             <a:extLst>
               <a:ext uri="{FF2B5EF4-FFF2-40B4-BE49-F238E27FC236}">
-                <a16:creationId xmlns:a16="http://schemas.microsoft.com/office/drawing/2014/main" xmlns="" id="{2C153736-D102-4F57-9DE7-615AFC02B0AC}"/>
+                <a16:creationId xmlns="" xmlns:a16="http://schemas.microsoft.com/office/drawing/2014/main" id="{2C153736-D102-4F57-9DE7-615AFC02B0AC}"/>
               </a:ext>
               <a:ext uri="{C183D7F6-B498-43B3-948B-1728B52AA6E4}">
-                <adec:decorative xmlns:adec="http://schemas.microsoft.com/office/drawing/2017/decorative" xmlns="" val="1"/>
+                <adec:decorative xmlns="" xmlns:adec="http://schemas.microsoft.com/office/drawing/2017/decorative" val="1"/>
               </a:ext>
             </a:extLst>
           </p:cNvPr>
@@ -29367,7 +30625,7 @@
           <p:nvPr>
             <p:extLst>
               <p:ext uri="{386F3935-93C4-4BCD-93E2-E3B085C9AB24}">
-                <p16:designElem xmlns:p16="http://schemas.microsoft.com/office/powerpoint/2015/main" xmlns="" val="1"/>
+                <p16:designElem xmlns="" xmlns:p16="http://schemas.microsoft.com/office/powerpoint/2015/main" val="1"/>
               </p:ext>
             </p:extLst>
           </p:nvPr>
@@ -29412,10 +30670,10 @@
           <p:cNvPr id="44" name="Rectangle 27">
             <a:extLst>
               <a:ext uri="{FF2B5EF4-FFF2-40B4-BE49-F238E27FC236}">
-                <a16:creationId xmlns:a16="http://schemas.microsoft.com/office/drawing/2014/main" xmlns="" id="{BA407A52-66F4-4CDE-A726-FF79F3EC342D}"/>
+                <a16:creationId xmlns="" xmlns:a16="http://schemas.microsoft.com/office/drawing/2014/main" id="{BA407A52-66F4-4CDE-A726-FF79F3EC342D}"/>
               </a:ext>
               <a:ext uri="{C183D7F6-B498-43B3-948B-1728B52AA6E4}">
-                <adec:decorative xmlns:adec="http://schemas.microsoft.com/office/drawing/2017/decorative" xmlns="" val="1"/>
+                <adec:decorative xmlns="" xmlns:adec="http://schemas.microsoft.com/office/drawing/2017/decorative" val="1"/>
               </a:ext>
             </a:extLst>
           </p:cNvPr>
@@ -29425,7 +30683,7 @@
           <p:nvPr>
             <p:extLst>
               <p:ext uri="{386F3935-93C4-4BCD-93E2-E3B085C9AB24}">
-                <p16:designElem xmlns:p16="http://schemas.microsoft.com/office/powerpoint/2015/main" xmlns="" val="1"/>
+                <p16:designElem xmlns="" xmlns:p16="http://schemas.microsoft.com/office/powerpoint/2015/main" val="1"/>
               </p:ext>
             </p:extLst>
           </p:nvPr>
@@ -29493,10 +30751,10 @@
           <p:cNvPr id="46" name="Rectangle 28">
             <a:extLst>
               <a:ext uri="{FF2B5EF4-FFF2-40B4-BE49-F238E27FC236}">
-                <a16:creationId xmlns:a16="http://schemas.microsoft.com/office/drawing/2014/main" xmlns="" id="{D28FFB34-4FC3-46F5-B900-D3B774FD0BE6}"/>
+                <a16:creationId xmlns="" xmlns:a16="http://schemas.microsoft.com/office/drawing/2014/main" id="{D28FFB34-4FC3-46F5-B900-D3B774FD0BE6}"/>
               </a:ext>
               <a:ext uri="{C183D7F6-B498-43B3-948B-1728B52AA6E4}">
-                <adec:decorative xmlns:adec="http://schemas.microsoft.com/office/drawing/2017/decorative" xmlns="" val="1"/>
+                <adec:decorative xmlns="" xmlns:adec="http://schemas.microsoft.com/office/drawing/2017/decorative" val="1"/>
               </a:ext>
             </a:extLst>
           </p:cNvPr>
@@ -29506,7 +30764,7 @@
           <p:nvPr>
             <p:extLst>
               <p:ext uri="{386F3935-93C4-4BCD-93E2-E3B085C9AB24}">
-                <p16:designElem xmlns:p16="http://schemas.microsoft.com/office/powerpoint/2015/main" xmlns="" val="1"/>
+                <p16:designElem xmlns="" xmlns:p16="http://schemas.microsoft.com/office/powerpoint/2015/main" val="1"/>
               </p:ext>
             </p:extLst>
           </p:nvPr>
@@ -29575,10 +30833,10 @@
           <p:cNvPr id="48" name="Rectangle 29">
             <a:extLst>
               <a:ext uri="{FF2B5EF4-FFF2-40B4-BE49-F238E27FC236}">
-                <a16:creationId xmlns:a16="http://schemas.microsoft.com/office/drawing/2014/main" xmlns="" id="{205F7B13-ACB5-46BE-8070-0431266B183B}"/>
+                <a16:creationId xmlns="" xmlns:a16="http://schemas.microsoft.com/office/drawing/2014/main" id="{205F7B13-ACB5-46BE-8070-0431266B183B}"/>
               </a:ext>
               <a:ext uri="{C183D7F6-B498-43B3-948B-1728B52AA6E4}">
-                <adec:decorative xmlns:adec="http://schemas.microsoft.com/office/drawing/2017/decorative" xmlns="" val="1"/>
+                <adec:decorative xmlns="" xmlns:adec="http://schemas.microsoft.com/office/drawing/2017/decorative" val="1"/>
               </a:ext>
             </a:extLst>
           </p:cNvPr>
@@ -29588,7 +30846,7 @@
           <p:nvPr>
             <p:extLst>
               <p:ext uri="{386F3935-93C4-4BCD-93E2-E3B085C9AB24}">
-                <p16:designElem xmlns:p16="http://schemas.microsoft.com/office/powerpoint/2015/main" xmlns="" val="1"/>
+                <p16:designElem xmlns="" xmlns:p16="http://schemas.microsoft.com/office/powerpoint/2015/main" val="1"/>
               </p:ext>
             </p:extLst>
           </p:nvPr>
@@ -29655,10 +30913,10 @@
           <p:cNvPr id="50" name="Isosceles Triangle 49">
             <a:extLst>
               <a:ext uri="{FF2B5EF4-FFF2-40B4-BE49-F238E27FC236}">
-                <a16:creationId xmlns:a16="http://schemas.microsoft.com/office/drawing/2014/main" xmlns="" id="{D52A0D23-45DD-4DF4-ADE6-A81F409BB9FB}"/>
+                <a16:creationId xmlns="" xmlns:a16="http://schemas.microsoft.com/office/drawing/2014/main" id="{D52A0D23-45DD-4DF4-ADE6-A81F409BB9FB}"/>
               </a:ext>
               <a:ext uri="{C183D7F6-B498-43B3-948B-1728B52AA6E4}">
-                <adec:decorative xmlns:adec="http://schemas.microsoft.com/office/drawing/2017/decorative" xmlns="" val="1"/>
+                <adec:decorative xmlns="" xmlns:adec="http://schemas.microsoft.com/office/drawing/2017/decorative" val="1"/>
               </a:ext>
             </a:extLst>
           </p:cNvPr>
@@ -29668,7 +30926,7 @@
           <p:nvPr>
             <p:extLst>
               <p:ext uri="{386F3935-93C4-4BCD-93E2-E3B085C9AB24}">
-                <p16:designElem xmlns:p16="http://schemas.microsoft.com/office/powerpoint/2015/main" xmlns="" val="1"/>
+                <p16:designElem xmlns="" xmlns:p16="http://schemas.microsoft.com/office/powerpoint/2015/main" val="1"/>
               </p:ext>
             </p:extLst>
           </p:nvPr>
@@ -29713,7 +30971,7 @@
           <p:cNvPr id="2" name="Title 1">
             <a:extLst>
               <a:ext uri="{FF2B5EF4-FFF2-40B4-BE49-F238E27FC236}">
-                <a16:creationId xmlns:a16="http://schemas.microsoft.com/office/drawing/2014/main" xmlns="" id="{0358C873-2B52-4133-8D41-1BB06DADD067}"/>
+                <a16:creationId xmlns="" xmlns:a16="http://schemas.microsoft.com/office/drawing/2014/main" id="{0358C873-2B52-4133-8D41-1BB06DADD067}"/>
               </a:ext>
             </a:extLst>
           </p:cNvPr>
@@ -29749,10 +31007,10 @@
       </p:sp>
       <p:grpSp>
         <p:nvGrpSpPr>
-          <p:cNvPr id="26" name="Group 25">
+          <p:cNvPr id="59" name="Group 58">
             <a:extLst>
               <a:ext uri="{FF2B5EF4-FFF2-40B4-BE49-F238E27FC236}">
-                <a16:creationId xmlns:a16="http://schemas.microsoft.com/office/drawing/2014/main" xmlns="" id="{CD270D21-98DC-4D54-8839-2306BE20DCFD}"/>
+                <a16:creationId xmlns="" xmlns:a16="http://schemas.microsoft.com/office/drawing/2014/main" id="{CD270D21-98DC-4D54-8839-2306BE20DCFD}"/>
               </a:ext>
             </a:extLst>
           </p:cNvPr>
@@ -29761,18 +31019,18 @@
         </p:nvGrpSpPr>
         <p:grpSpPr>
           <a:xfrm>
-            <a:off x="5970900" y="9383"/>
-            <a:ext cx="6209729" cy="830238"/>
+            <a:off x="7810500" y="9383"/>
+            <a:ext cx="4370129" cy="634084"/>
             <a:chOff x="1893489" y="352425"/>
             <a:chExt cx="6209729" cy="830238"/>
           </a:xfrm>
         </p:grpSpPr>
         <p:grpSp>
           <p:nvGrpSpPr>
-            <p:cNvPr id="27" name="Group 26">
+            <p:cNvPr id="60" name="Group 59">
               <a:extLst>
                 <a:ext uri="{FF2B5EF4-FFF2-40B4-BE49-F238E27FC236}">
-                  <a16:creationId xmlns:a16="http://schemas.microsoft.com/office/drawing/2014/main" xmlns="" id="{6289DE3F-D75B-4A2A-BCD3-417A1671AF41}"/>
+                  <a16:creationId xmlns="" xmlns:a16="http://schemas.microsoft.com/office/drawing/2014/main" id="{6289DE3F-D75B-4A2A-BCD3-417A1671AF41}"/>
                 </a:ext>
               </a:extLst>
             </p:cNvPr>
@@ -29789,10 +31047,10 @@
           </p:grpSpPr>
           <p:sp>
             <p:nvSpPr>
-              <p:cNvPr id="29" name="Rectangle 28">
+              <p:cNvPr id="62" name="Rectangle 61">
                 <a:extLst>
                   <a:ext uri="{FF2B5EF4-FFF2-40B4-BE49-F238E27FC236}">
-                    <a16:creationId xmlns:a16="http://schemas.microsoft.com/office/drawing/2014/main" xmlns="" id="{463AA49E-8ACE-4CD3-AC55-02445B498BEC}"/>
+                    <a16:creationId xmlns="" xmlns:a16="http://schemas.microsoft.com/office/drawing/2014/main" id="{463AA49E-8ACE-4CD3-AC55-02445B498BEC}"/>
                   </a:ext>
                 </a:extLst>
               </p:cNvPr>
@@ -29840,11 +31098,11 @@
           </p:sp>
           <p:pic>
             <p:nvPicPr>
-              <p:cNvPr id="31" name="Graphic 37" descr="Speaker phone">
+              <p:cNvPr id="63" name="Graphic 37" descr="Speaker phone">
                 <a:hlinkClick r:id="rId3" action="ppaction://hlinksldjump"/>
                 <a:extLst>
                   <a:ext uri="{FF2B5EF4-FFF2-40B4-BE49-F238E27FC236}">
-                    <a16:creationId xmlns:a16="http://schemas.microsoft.com/office/drawing/2014/main" xmlns="" id="{18379407-8637-41CC-8445-47C27D32EF28}"/>
+                    <a16:creationId xmlns="" xmlns:a16="http://schemas.microsoft.com/office/drawing/2014/main" id="{18379407-8637-41CC-8445-47C27D32EF28}"/>
                   </a:ext>
                 </a:extLst>
               </p:cNvPr>
@@ -29857,7 +31115,7 @@
               <a:blip r:embed="rId4">
                 <a:extLst>
                   <a:ext uri="{96DAC541-7B7A-43D3-8B79-37D633B846F1}">
-                    <asvg:svgBlip xmlns:asvg="http://schemas.microsoft.com/office/drawing/2016/SVG/main" xmlns="" r:embed="rId5"/>
+                    <asvg:svgBlip xmlns="" xmlns:asvg="http://schemas.microsoft.com/office/drawing/2016/SVG/main" r:embed="rId9"/>
                   </a:ext>
                 </a:extLst>
               </a:blip>
@@ -29877,11 +31135,11 @@
           </p:pic>
           <p:sp>
             <p:nvSpPr>
-              <p:cNvPr id="33" name="Octagon 32">
-                <a:hlinkClick r:id="rId6" action="ppaction://hlinksldjump"/>
+              <p:cNvPr id="64" name="Octagon 63">
+                <a:hlinkClick r:id="rId10" action="ppaction://hlinksldjump"/>
                 <a:extLst>
                   <a:ext uri="{FF2B5EF4-FFF2-40B4-BE49-F238E27FC236}">
-                    <a16:creationId xmlns:a16="http://schemas.microsoft.com/office/drawing/2014/main" xmlns="" id="{8C7E2EE0-450A-4CD2-A454-585F88398950}"/>
+                    <a16:creationId xmlns="" xmlns:a16="http://schemas.microsoft.com/office/drawing/2014/main" id="{8C7E2EE0-450A-4CD2-A454-585F88398950}"/>
                   </a:ext>
                 </a:extLst>
               </p:cNvPr>
@@ -29924,11 +31182,11 @@
           </p:sp>
           <p:sp>
             <p:nvSpPr>
-              <p:cNvPr id="35" name="Thought Bubble: Cloud 276">
-                <a:hlinkClick r:id="rId7" action="ppaction://hlinksldjump"/>
+              <p:cNvPr id="65" name="Thought Bubble: Cloud 276">
+                <a:hlinkClick r:id="rId11" action="ppaction://hlinksldjump"/>
                 <a:extLst>
                   <a:ext uri="{FF2B5EF4-FFF2-40B4-BE49-F238E27FC236}">
-                    <a16:creationId xmlns:a16="http://schemas.microsoft.com/office/drawing/2014/main" xmlns="" id="{3C594EA9-0A23-4322-85C3-18C4275DC648}"/>
+                    <a16:creationId xmlns="" xmlns:a16="http://schemas.microsoft.com/office/drawing/2014/main" id="{3C594EA9-0A23-4322-85C3-18C4275DC648}"/>
                   </a:ext>
                 </a:extLst>
               </p:cNvPr>
@@ -29971,11 +31229,11 @@
           </p:sp>
           <p:sp>
             <p:nvSpPr>
-              <p:cNvPr id="37" name="Right Triangle 36">
-                <a:hlinkClick r:id="rId8" action="ppaction://hlinksldjump"/>
+              <p:cNvPr id="66" name="Right Triangle 65">
+                <a:hlinkClick r:id="rId12" action="ppaction://hlinksldjump"/>
                 <a:extLst>
                   <a:ext uri="{FF2B5EF4-FFF2-40B4-BE49-F238E27FC236}">
-                    <a16:creationId xmlns:a16="http://schemas.microsoft.com/office/drawing/2014/main" xmlns="" id="{4CE83B33-586A-441D-8C32-40B816FB41D1}"/>
+                    <a16:creationId xmlns="" xmlns:a16="http://schemas.microsoft.com/office/drawing/2014/main" id="{4CE83B33-586A-441D-8C32-40B816FB41D1}"/>
                   </a:ext>
                 </a:extLst>
               </p:cNvPr>
@@ -30018,11 +31276,11 @@
           </p:sp>
           <p:pic>
             <p:nvPicPr>
-              <p:cNvPr id="39" name="Graphic 35" descr="Call center">
-                <a:hlinkClick r:id="rId9" action="ppaction://hlinksldjump"/>
+              <p:cNvPr id="67" name="Graphic 35" descr="Call center">
+                <a:hlinkClick r:id="rId13" action="ppaction://hlinksldjump"/>
                 <a:extLst>
                   <a:ext uri="{FF2B5EF4-FFF2-40B4-BE49-F238E27FC236}">
-                    <a16:creationId xmlns:a16="http://schemas.microsoft.com/office/drawing/2014/main" xmlns="" id="{891639DF-E77C-4F33-A818-22AC376FEB35}"/>
+                    <a16:creationId xmlns="" xmlns:a16="http://schemas.microsoft.com/office/drawing/2014/main" id="{891639DF-E77C-4F33-A818-22AC376FEB35}"/>
                   </a:ext>
                 </a:extLst>
               </p:cNvPr>
@@ -30032,10 +31290,10 @@
               <p:nvPr/>
             </p:nvPicPr>
             <p:blipFill>
-              <a:blip r:embed="rId10">
+              <a:blip r:embed="rId14">
                 <a:extLst>
                   <a:ext uri="{96DAC541-7B7A-43D3-8B79-37D633B846F1}">
-                    <asvg:svgBlip xmlns:asvg="http://schemas.microsoft.com/office/drawing/2016/SVG/main" xmlns="" r:embed="rId11"/>
+                    <asvg:svgBlip xmlns="" xmlns:asvg="http://schemas.microsoft.com/office/drawing/2016/SVG/main" r:embed="rId15"/>
                   </a:ext>
                 </a:extLst>
               </a:blip>
@@ -30055,11 +31313,11 @@
           </p:pic>
           <p:sp>
             <p:nvSpPr>
-              <p:cNvPr id="41" name="Callout: Down Arrow 279">
-                <a:hlinkClick r:id="rId12" action="ppaction://hlinksldjump"/>
+              <p:cNvPr id="68" name="Callout: Down Arrow 279">
+                <a:hlinkClick r:id="rId16" action="ppaction://hlinksldjump"/>
                 <a:extLst>
                   <a:ext uri="{FF2B5EF4-FFF2-40B4-BE49-F238E27FC236}">
-                    <a16:creationId xmlns:a16="http://schemas.microsoft.com/office/drawing/2014/main" xmlns="" id="{22866FE5-27F4-4177-80F3-5A95D8E3F151}"/>
+                    <a16:creationId xmlns="" xmlns:a16="http://schemas.microsoft.com/office/drawing/2014/main" id="{22866FE5-27F4-4177-80F3-5A95D8E3F151}"/>
                   </a:ext>
                 </a:extLst>
               </p:cNvPr>
@@ -30102,11 +31360,11 @@
           </p:sp>
           <p:sp>
             <p:nvSpPr>
-              <p:cNvPr id="43" name="Arrow: Right 280">
-                <a:hlinkClick r:id="rId13" action="ppaction://hlinksldjump"/>
+              <p:cNvPr id="69" name="Arrow: Right 280">
+                <a:hlinkClick r:id="rId17" action="ppaction://hlinksldjump"/>
                 <a:extLst>
                   <a:ext uri="{FF2B5EF4-FFF2-40B4-BE49-F238E27FC236}">
-                    <a16:creationId xmlns:a16="http://schemas.microsoft.com/office/drawing/2014/main" xmlns="" id="{75A48992-326C-4B19-9BE7-BCEE5779326E}"/>
+                    <a16:creationId xmlns="" xmlns:a16="http://schemas.microsoft.com/office/drawing/2014/main" id="{75A48992-326C-4B19-9BE7-BCEE5779326E}"/>
                   </a:ext>
                 </a:extLst>
               </p:cNvPr>
@@ -30150,11 +31408,11 @@
         </p:grpSp>
         <p:sp>
           <p:nvSpPr>
-            <p:cNvPr id="28" name="Speech Bubble: Oval 525">
-              <a:hlinkClick r:id="rId14" action="ppaction://hlinksldjump"/>
+            <p:cNvPr id="61" name="Speech Bubble: Oval 525">
+              <a:hlinkClick r:id="rId18" action="ppaction://hlinksldjump"/>
               <a:extLst>
                 <a:ext uri="{FF2B5EF4-FFF2-40B4-BE49-F238E27FC236}">
-                  <a16:creationId xmlns:a16="http://schemas.microsoft.com/office/drawing/2014/main" xmlns="" id="{CE066BAE-3EE3-471B-9827-8CB64E58A365}"/>
+                  <a16:creationId xmlns="" xmlns:a16="http://schemas.microsoft.com/office/drawing/2014/main" id="{CE066BAE-3EE3-471B-9827-8CB64E58A365}"/>
                 </a:ext>
               </a:extLst>
             </p:cNvPr>
@@ -30206,6 +31464,13 @@
   <p:clrMapOvr>
     <a:masterClrMapping/>
   </p:clrMapOvr>
+  <p:timing>
+    <p:tnLst>
+      <p:par>
+        <p:cTn id="1" dur="indefinite" restart="never" nodeType="tmRoot"/>
+      </p:par>
+    </p:tnLst>
+  </p:timing>
 </p:sld>
 </file>
 
